--- a/lecture_slides/8_Optimization Refresher.pptx
+++ b/lecture_slides/8_Optimization Refresher.pptx
@@ -5,7 +5,7 @@
     <p:sldMasterId id="2147483756" r:id="rId1"/>
   </p:sldMasterIdLst>
   <p:notesMasterIdLst>
-    <p:notesMasterId r:id="rId20"/>
+    <p:notesMasterId r:id="rId25"/>
   </p:notesMasterIdLst>
   <p:sldIdLst>
     <p:sldId id="256" r:id="rId2"/>
@@ -26,6 +26,11 @@
     <p:sldId id="279" r:id="rId17"/>
     <p:sldId id="292" r:id="rId18"/>
     <p:sldId id="293" r:id="rId19"/>
+    <p:sldId id="297" r:id="rId20"/>
+    <p:sldId id="298" r:id="rId21"/>
+    <p:sldId id="299" r:id="rId22"/>
+    <p:sldId id="300" r:id="rId23"/>
+    <p:sldId id="301" r:id="rId24"/>
   </p:sldIdLst>
   <p:sldSz cx="12192000" cy="6858000"/>
   <p:notesSz cx="6858000" cy="9144000"/>
@@ -214,7 +219,7 @@
           <a:p>
             <a:fld id="{5FAD3E5C-F930-41FF-A7BD-4F17EC525029}" type="datetimeFigureOut">
               <a:rPr lang="en-US" smtClean="0"/>
-              <a:t>1/20/2020</a:t>
+              <a:t>1/25/2020</a:t>
             </a:fld>
             <a:endParaRPr lang="en-US"/>
           </a:p>
@@ -688,7 +693,7 @@
           <a:p>
             <a:fld id="{CF755E22-BC43-4D49-9578-DDCD8AECFE11}" type="datetime1">
               <a:rPr lang="en-US" smtClean="0"/>
-              <a:t>1/20/2020</a:t>
+              <a:t>1/25/2020</a:t>
             </a:fld>
             <a:endParaRPr lang="en-US"/>
           </a:p>
@@ -881,7 +886,7 @@
           <a:p>
             <a:fld id="{0794BCA7-61FF-4C69-83B4-1EE7F9C38FAE}" type="datetime1">
               <a:rPr lang="en-US" smtClean="0"/>
-              <a:t>1/20/2020</a:t>
+              <a:t>1/25/2020</a:t>
             </a:fld>
             <a:endParaRPr lang="en-US"/>
           </a:p>
@@ -1061,7 +1066,7 @@
           <a:p>
             <a:fld id="{2F426122-0BE0-446C-A2FF-4796182DFFAC}" type="datetime1">
               <a:rPr lang="en-US" smtClean="0"/>
-              <a:t>1/20/2020</a:t>
+              <a:t>1/25/2020</a:t>
             </a:fld>
             <a:endParaRPr lang="en-US"/>
           </a:p>
@@ -1243,7 +1248,7 @@
           <a:p>
             <a:fld id="{04327D2D-9EC0-4F31-85D2-F4C48BAC2F55}" type="datetime1">
               <a:rPr lang="en-US" smtClean="0"/>
-              <a:t>1/20/2020</a:t>
+              <a:t>1/25/2020</a:t>
             </a:fld>
             <a:endParaRPr lang="en-US"/>
           </a:p>
@@ -1501,7 +1506,7 @@
           <a:p>
             <a:fld id="{384E5460-7712-4DAC-A337-BB4CDDFDE11E}" type="datetime1">
               <a:rPr lang="en-US" smtClean="0"/>
-              <a:t>1/20/2020</a:t>
+              <a:t>1/25/2020</a:t>
             </a:fld>
             <a:endParaRPr lang="en-US"/>
           </a:p>
@@ -1849,7 +1854,7 @@
           <a:p>
             <a:fld id="{B6D96965-36E5-4BBA-B60B-6A05499492A8}" type="datetime1">
               <a:rPr lang="en-US" smtClean="0"/>
-              <a:t>1/20/2020</a:t>
+              <a:t>1/25/2020</a:t>
             </a:fld>
             <a:endParaRPr lang="en-US"/>
           </a:p>
@@ -2293,7 +2298,7 @@
           <a:p>
             <a:fld id="{E5FF4975-A1F7-4E83-8D89-D5C6A414E393}" type="datetime1">
               <a:rPr lang="en-US" smtClean="0"/>
-              <a:t>1/20/2020</a:t>
+              <a:t>1/25/2020</a:t>
             </a:fld>
             <a:endParaRPr lang="en-US"/>
           </a:p>
@@ -2411,7 +2416,7 @@
           <a:p>
             <a:fld id="{A743C323-1D9C-4347-AB6E-A56B8A43D30E}" type="datetime1">
               <a:rPr lang="en-US" smtClean="0"/>
-              <a:t>1/20/2020</a:t>
+              <a:t>1/25/2020</a:t>
             </a:fld>
             <a:endParaRPr lang="en-US"/>
           </a:p>
@@ -2506,7 +2511,7 @@
           <a:p>
             <a:fld id="{14A699DA-48FF-4F63-A1AD-D752E11C195D}" type="datetime1">
               <a:rPr lang="en-US" smtClean="0"/>
-              <a:t>1/20/2020</a:t>
+              <a:t>1/25/2020</a:t>
             </a:fld>
             <a:endParaRPr lang="en-US"/>
           </a:p>
@@ -2865,7 +2870,7 @@
           <a:p>
             <a:fld id="{13DBFBEF-2B7E-4BA9-A9F8-30DFE087F6D3}" type="datetime1">
               <a:rPr lang="en-US" smtClean="0"/>
-              <a:t>1/20/2020</a:t>
+              <a:t>1/25/2020</a:t>
             </a:fld>
             <a:endParaRPr lang="en-US"/>
           </a:p>
@@ -3181,7 +3186,7 @@
           <a:p>
             <a:fld id="{2CBB7AE7-2826-4915-A6AD-CDE2CB158F62}" type="datetime1">
               <a:rPr lang="en-US" smtClean="0"/>
-              <a:t>1/20/2020</a:t>
+              <a:t>1/25/2020</a:t>
             </a:fld>
             <a:endParaRPr lang="en-US"/>
           </a:p>
@@ -3414,7 +3419,7 @@
           <a:p>
             <a:fld id="{B8DB072C-F5A4-4FFF-AAE2-73A8228D61CF}" type="datetime1">
               <a:rPr lang="en-US" smtClean="0"/>
-              <a:t>1/20/2020</a:t>
+              <a:t>1/25/2020</a:t>
             </a:fld>
             <a:endParaRPr lang="en-US"/>
           </a:p>
@@ -7887,8 +7892,8 @@
           </a:p>
         </p:txBody>
       </p:sp>
-      <mc:AlternateContent xmlns:mc="http://schemas.openxmlformats.org/markup-compatibility/2006">
-        <mc:Choice xmlns:a14="http://schemas.microsoft.com/office/drawing/2010/main" Requires="a14">
+      <mc:AlternateContent xmlns:mc="http://schemas.openxmlformats.org/markup-compatibility/2006" xmlns:a14="http://schemas.microsoft.com/office/drawing/2010/main">
+        <mc:Choice Requires="a14">
           <p:sp>
             <p:nvSpPr>
               <p:cNvPr id="3" name="Content Placeholder 2"/>
@@ -8196,7 +8201,7 @@
                     <m:sSub>
                       <m:sSubPr>
                         <m:ctrlPr>
-                          <a:rPr lang="en-IN">
+                          <a:rPr lang="en-IN" i="1">
                             <a:latin typeface="Cambria Math" panose="02040503050406030204" pitchFamily="18" charset="0"/>
                           </a:rPr>
                         </m:ctrlPr>
@@ -8207,7 +8212,7 @@
                             <m:chr m:val="∑"/>
                             <m:limLoc m:val="subSup"/>
                             <m:ctrlPr>
-                              <a:rPr lang="en-IN">
+                              <a:rPr lang="en-IN" i="1">
                                 <a:latin typeface="Cambria Math" panose="02040503050406030204" pitchFamily="18" charset="0"/>
                               </a:rPr>
                             </m:ctrlPr>
@@ -8243,7 +8248,7 @@
                                 <m:begChr m:val="["/>
                                 <m:endChr m:val="]"/>
                                 <m:ctrlPr>
-                                  <a:rPr lang="en-IN">
+                                  <a:rPr lang="en-IN" i="1">
                                     <a:latin typeface="Cambria Math" panose="02040503050406030204" pitchFamily="18" charset="0"/>
                                   </a:rPr>
                                 </m:ctrlPr>
@@ -8258,7 +8263,7 @@
                                 <m:sSup>
                                   <m:sSupPr>
                                     <m:ctrlPr>
-                                      <a:rPr lang="en-IN">
+                                      <a:rPr lang="en-IN" i="1">
                                         <a:latin typeface="Cambria Math" panose="02040503050406030204" pitchFamily="18" charset="0"/>
                                       </a:rPr>
                                     </m:ctrlPr>
@@ -8289,7 +8294,7 @@
                                 <m:sSup>
                                   <m:sSupPr>
                                     <m:ctrlPr>
-                                      <a:rPr lang="en-IN">
+                                      <a:rPr lang="en-IN" i="1">
                                         <a:latin typeface="Cambria Math" panose="02040503050406030204" pitchFamily="18" charset="0"/>
                                       </a:rPr>
                                     </m:ctrlPr>
@@ -8314,7 +8319,7 @@
                                 <m:sSup>
                                   <m:sSupPr>
                                     <m:ctrlPr>
-                                      <a:rPr lang="en-IN">
+                                      <a:rPr lang="en-IN" i="1">
                                         <a:latin typeface="Cambria Math" panose="02040503050406030204" pitchFamily="18" charset="0"/>
                                       </a:rPr>
                                     </m:ctrlPr>
@@ -8437,7 +8442,7 @@
                     <m:sSub>
                       <m:sSubPr>
                         <m:ctrlPr>
-                          <a:rPr lang="en-IN">
+                          <a:rPr lang="en-IN" i="1">
                             <a:latin typeface="Cambria Math" panose="02040503050406030204" pitchFamily="18" charset="0"/>
                           </a:rPr>
                         </m:ctrlPr>
@@ -8463,7 +8468,7 @@
                     <m:d>
                       <m:dPr>
                         <m:ctrlPr>
-                          <a:rPr lang="en-IN">
+                          <a:rPr lang="en-IN" i="1">
                             <a:latin typeface="Cambria Math" panose="02040503050406030204" pitchFamily="18" charset="0"/>
                           </a:rPr>
                         </m:ctrlPr>
@@ -8488,7 +8493,7 @@
                         <m:begChr m:val="{"/>
                         <m:endChr m:val=""/>
                         <m:ctrlPr>
-                          <a:rPr lang="en-IN">
+                          <a:rPr lang="en-IN" i="1">
                             <a:latin typeface="Cambria Math" panose="02040503050406030204" pitchFamily="18" charset="0"/>
                           </a:rPr>
                         </m:ctrlPr>
@@ -8497,7 +8502,7 @@
                         <m:eqArr>
                           <m:eqArrPr>
                             <m:ctrlPr>
-                              <a:rPr lang="en-IN">
+                              <a:rPr lang="en-IN" i="1">
                                 <a:latin typeface="Cambria Math" panose="02040503050406030204" pitchFamily="18" charset="0"/>
                               </a:rPr>
                             </m:ctrlPr>
@@ -8574,7 +8579,7 @@
                     <m:func>
                       <m:funcPr>
                         <m:ctrlPr>
-                          <a:rPr lang="en-IN">
+                          <a:rPr lang="en-IN" i="1">
                             <a:latin typeface="Cambria Math" panose="02040503050406030204" pitchFamily="18" charset="0"/>
                           </a:rPr>
                         </m:ctrlPr>
@@ -8583,7 +8588,7 @@
                         <m:limLow>
                           <m:limLowPr>
                             <m:ctrlPr>
-                              <a:rPr lang="en-IN">
+                              <a:rPr lang="en-IN" i="1">
                                 <a:latin typeface="Cambria Math" panose="02040503050406030204" pitchFamily="18" charset="0"/>
                               </a:rPr>
                             </m:ctrlPr>
@@ -8615,7 +8620,7 @@
                             <m:sSup>
                               <m:sSupPr>
                                 <m:ctrlPr>
-                                  <a:rPr lang="en-IN">
+                                  <a:rPr lang="en-IN" i="1">
                                     <a:latin typeface="Cambria Math" panose="02040503050406030204" pitchFamily="18" charset="0"/>
                                     <a:ea typeface="Cambria Math" panose="02040503050406030204" pitchFamily="18" charset="0"/>
                                   </a:rPr>
@@ -8647,7 +8652,7 @@
                         <m:sSub>
                           <m:sSubPr>
                             <m:ctrlPr>
-                              <a:rPr lang="en-IN">
+                              <a:rPr lang="en-IN" i="1">
                                 <a:latin typeface="Cambria Math" panose="02040503050406030204" pitchFamily="18" charset="0"/>
                               </a:rPr>
                             </m:ctrlPr>
@@ -8673,7 +8678,7 @@
                         <m:d>
                           <m:dPr>
                             <m:ctrlPr>
-                              <a:rPr lang="en-IN">
+                              <a:rPr lang="en-IN" i="1">
                                 <a:latin typeface="Cambria Math" panose="02040503050406030204" pitchFamily="18" charset="0"/>
                               </a:rPr>
                             </m:ctrlPr>
@@ -8703,7 +8708,7 @@
                         <m:d>
                           <m:dPr>
                             <m:ctrlPr>
-                              <a:rPr lang="en-IN">
+                              <a:rPr lang="en-IN" i="1">
                                 <a:latin typeface="Cambria Math" panose="02040503050406030204" pitchFamily="18" charset="0"/>
                               </a:rPr>
                             </m:ctrlPr>
@@ -8730,7 +8735,7 @@
                     <m:func>
                       <m:funcPr>
                         <m:ctrlPr>
-                          <a:rPr lang="en-IN">
+                          <a:rPr lang="en-IN" i="1">
                             <a:latin typeface="Cambria Math" panose="02040503050406030204" pitchFamily="18" charset="0"/>
                           </a:rPr>
                         </m:ctrlPr>
@@ -8739,7 +8744,7 @@
                         <m:limLow>
                           <m:limLowPr>
                             <m:ctrlPr>
-                              <a:rPr lang="en-IN">
+                              <a:rPr lang="en-IN" i="1">
                                 <a:latin typeface="Cambria Math" panose="02040503050406030204" pitchFamily="18" charset="0"/>
                               </a:rPr>
                             </m:ctrlPr>
@@ -8771,7 +8776,7 @@
                             <m:sSup>
                               <m:sSupPr>
                                 <m:ctrlPr>
-                                  <a:rPr lang="en-IN">
+                                  <a:rPr lang="en-IN" i="1">
                                     <a:latin typeface="Cambria Math" panose="02040503050406030204" pitchFamily="18" charset="0"/>
                                     <a:ea typeface="Cambria Math" panose="02040503050406030204" pitchFamily="18" charset="0"/>
                                   </a:rPr>
@@ -8809,7 +8814,7 @@
                         <m:d>
                           <m:dPr>
                             <m:ctrlPr>
-                              <a:rPr lang="en-IN">
+                              <a:rPr lang="en-IN" i="1">
                                 <a:latin typeface="Cambria Math" panose="02040503050406030204" pitchFamily="18" charset="0"/>
                               </a:rPr>
                             </m:ctrlPr>
@@ -8882,7 +8887,7 @@
             </p:txBody>
           </p:sp>
         </mc:Choice>
-        <mc:Fallback>
+        <mc:Fallback xmlns="">
           <p:sp>
             <p:nvSpPr>
               <p:cNvPr id="3" name="Content Placeholder 2"/>
@@ -9282,8 +9287,8 @@
           </p:txBody>
         </p:sp>
       </p:grpSp>
-      <mc:AlternateContent xmlns:mc="http://schemas.openxmlformats.org/markup-compatibility/2006">
-        <mc:Choice xmlns:a14="http://schemas.microsoft.com/office/drawing/2010/main" Requires="a14">
+      <mc:AlternateContent xmlns:mc="http://schemas.openxmlformats.org/markup-compatibility/2006" xmlns:a14="http://schemas.microsoft.com/office/drawing/2010/main">
+        <mc:Choice Requires="a14">
           <p:sp>
             <p:nvSpPr>
               <p:cNvPr id="24" name="TextBox 23"/>
@@ -9328,7 +9333,7 @@
             </p:txBody>
           </p:sp>
         </mc:Choice>
-        <mc:Fallback>
+        <mc:Fallback xmlns="">
           <p:sp>
             <p:nvSpPr>
               <p:cNvPr id="24" name="TextBox 23"/>
@@ -9367,8 +9372,8 @@
           </p:sp>
         </mc:Fallback>
       </mc:AlternateContent>
-      <mc:AlternateContent xmlns:mc="http://schemas.openxmlformats.org/markup-compatibility/2006">
-        <mc:Choice xmlns:a14="http://schemas.microsoft.com/office/drawing/2010/main" Requires="a14">
+      <mc:AlternateContent xmlns:mc="http://schemas.openxmlformats.org/markup-compatibility/2006" xmlns:a14="http://schemas.microsoft.com/office/drawing/2010/main">
+        <mc:Choice Requires="a14">
           <p:sp>
             <p:nvSpPr>
               <p:cNvPr id="25" name="TextBox 24"/>
@@ -9434,7 +9439,7 @@
             </p:txBody>
           </p:sp>
         </mc:Choice>
-        <mc:Fallback>
+        <mc:Fallback xmlns="">
           <p:sp>
             <p:nvSpPr>
               <p:cNvPr id="25" name="TextBox 24"/>
@@ -9473,8 +9478,8 @@
           </p:sp>
         </mc:Fallback>
       </mc:AlternateContent>
-      <mc:AlternateContent xmlns:mc="http://schemas.openxmlformats.org/markup-compatibility/2006">
-        <mc:Choice xmlns:a14="http://schemas.microsoft.com/office/drawing/2010/main" Requires="a14">
+      <mc:AlternateContent xmlns:mc="http://schemas.openxmlformats.org/markup-compatibility/2006" xmlns:a14="http://schemas.microsoft.com/office/drawing/2010/main">
+        <mc:Choice Requires="a14">
           <p:sp>
             <p:nvSpPr>
               <p:cNvPr id="27" name="Rectangular Callout 26"/>
@@ -9555,7 +9560,7 @@
             </p:txBody>
           </p:sp>
         </mc:Choice>
-        <mc:Fallback>
+        <mc:Fallback xmlns="">
           <p:sp>
             <p:nvSpPr>
               <p:cNvPr id="27" name="Rectangular Callout 26"/>
@@ -10306,8 +10311,8 @@
           </a:p>
         </p:txBody>
       </p:sp>
-      <mc:AlternateContent xmlns:mc="http://schemas.openxmlformats.org/markup-compatibility/2006">
-        <mc:Choice xmlns:a14="http://schemas.microsoft.com/office/drawing/2010/main" Requires="a14">
+      <mc:AlternateContent xmlns:mc="http://schemas.openxmlformats.org/markup-compatibility/2006" xmlns:a14="http://schemas.microsoft.com/office/drawing/2010/main">
+        <mc:Choice Requires="a14">
           <p:sp>
             <p:nvSpPr>
               <p:cNvPr id="3" name="Content Placeholder 2"/>
@@ -10625,7 +10630,7 @@
             </p:txBody>
           </p:sp>
         </mc:Choice>
-        <mc:Fallback>
+        <mc:Fallback xmlns="">
           <p:sp>
             <p:nvSpPr>
               <p:cNvPr id="3" name="Content Placeholder 2"/>
@@ -10682,8 +10687,8 @@
           </a:p>
         </p:txBody>
       </p:sp>
-      <mc:AlternateContent xmlns:mc="http://schemas.openxmlformats.org/markup-compatibility/2006">
-        <mc:Choice xmlns:a14="http://schemas.microsoft.com/office/drawing/2010/main" Requires="a14">
+      <mc:AlternateContent xmlns:mc="http://schemas.openxmlformats.org/markup-compatibility/2006" xmlns:a14="http://schemas.microsoft.com/office/drawing/2010/main">
+        <mc:Choice Requires="a14">
           <p:sp>
             <p:nvSpPr>
               <p:cNvPr id="5" name="TextBox 4"/>
@@ -10716,19 +10721,7 @@
                   <a:rPr lang="en-IN" sz="3200" dirty="0" smtClean="0">
                     <a:latin typeface="+mj-lt"/>
                   </a:rPr>
-                  <a:t>PROXIMAL </a:t>
-                </a:r>
-                <a:r>
-                  <a:rPr lang="en-IN" sz="3200" dirty="0" smtClean="0">
-                    <a:latin typeface="+mj-lt"/>
-                  </a:rPr>
-                  <a:t>GRADIENT </a:t>
-                </a:r>
-                <a:r>
-                  <a:rPr lang="en-IN" sz="3200" dirty="0" smtClean="0">
-                    <a:latin typeface="+mj-lt"/>
-                  </a:rPr>
-                  <a:t>DESCENT</a:t>
+                  <a:t>PROXIMAL GRADIENT DESCENT</a:t>
                 </a:r>
               </a:p>
               <a:p>
@@ -10746,13 +10739,7 @@
                   <a:rPr lang="en-IN" sz="3200" dirty="0" smtClean="0">
                     <a:latin typeface="+mj-lt"/>
                   </a:rPr>
-                  <a:t>: </a:t>
-                </a:r>
-                <a:r>
-                  <a:rPr lang="en-IN" sz="3200" dirty="0" smtClean="0">
-                    <a:latin typeface="+mj-lt"/>
-                  </a:rPr>
-                  <a:t>loss </a:t>
+                  <a:t>: loss </a:t>
                 </a:r>
                 <a:r>
                   <a:rPr lang="en-IN" sz="3200" dirty="0" err="1" smtClean="0">
@@ -10797,13 +10784,7 @@
                   <a:rPr lang="en-IN" sz="3200" dirty="0" smtClean="0">
                     <a:latin typeface="+mj-lt"/>
                   </a:rPr>
-                  <a:t> </a:t>
-                </a:r>
-                <a:r>
-                  <a:rPr lang="en-IN" sz="3200" dirty="0" smtClean="0">
-                    <a:latin typeface="+mj-lt"/>
-                  </a:rPr>
-                  <a:t>regularizer </a:t>
+                  <a:t> regularizer </a:t>
                 </a:r>
                 <a14:m>
                   <m:oMath xmlns:m="http://schemas.openxmlformats.org/officeDocument/2006/math">
@@ -11374,7 +11355,7 @@
             </p:txBody>
           </p:sp>
         </mc:Choice>
-        <mc:Fallback>
+        <mc:Fallback xmlns="">
           <p:sp>
             <p:nvSpPr>
               <p:cNvPr id="5" name="TextBox 4"/>
@@ -11890,8 +11871,8 @@
           </p:txBody>
         </p:sp>
       </p:grpSp>
-      <mc:AlternateContent xmlns:mc="http://schemas.openxmlformats.org/markup-compatibility/2006">
-        <mc:Choice xmlns:a14="http://schemas.microsoft.com/office/drawing/2010/main" Requires="a14">
+      <mc:AlternateContent xmlns:mc="http://schemas.openxmlformats.org/markup-compatibility/2006" xmlns:a14="http://schemas.microsoft.com/office/drawing/2010/main">
+        <mc:Choice Requires="a14">
           <p:sp>
             <p:nvSpPr>
               <p:cNvPr id="12" name="Rectangular Callout 11"/>
@@ -12033,7 +12014,7 @@
             </p:txBody>
           </p:sp>
         </mc:Choice>
-        <mc:Fallback>
+        <mc:Fallback xmlns="">
           <p:sp>
             <p:nvSpPr>
               <p:cNvPr id="12" name="Rectangular Callout 11"/>
@@ -12303,8 +12284,8 @@
           </a:p>
         </p:txBody>
       </p:sp>
-      <mc:AlternateContent xmlns:mc="http://schemas.openxmlformats.org/markup-compatibility/2006">
-        <mc:Choice xmlns:a14="http://schemas.microsoft.com/office/drawing/2010/main" Requires="a14">
+      <mc:AlternateContent xmlns:mc="http://schemas.openxmlformats.org/markup-compatibility/2006" xmlns:a14="http://schemas.microsoft.com/office/drawing/2010/main">
+        <mc:Choice Requires="a14">
           <p:sp>
             <p:nvSpPr>
               <p:cNvPr id="16" name="Content Placeholder 2"/>
@@ -12996,7 +12977,7 @@
             </p:txBody>
           </p:sp>
         </mc:Choice>
-        <mc:Fallback>
+        <mc:Fallback xmlns="">
           <p:sp>
             <p:nvSpPr>
               <p:cNvPr id="16" name="Content Placeholder 2"/>
@@ -13655,8 +13636,8 @@
           </a:p>
         </p:txBody>
       </p:sp>
-      <mc:AlternateContent xmlns:mc="http://schemas.openxmlformats.org/markup-compatibility/2006">
-        <mc:Choice xmlns:a14="http://schemas.microsoft.com/office/drawing/2010/main" Requires="a14">
+      <mc:AlternateContent xmlns:mc="http://schemas.openxmlformats.org/markup-compatibility/2006" xmlns:a14="http://schemas.microsoft.com/office/drawing/2010/main">
+        <mc:Choice Requires="a14">
           <p:sp>
             <p:nvSpPr>
               <p:cNvPr id="3" name="Content Placeholder 2"/>
@@ -13946,11 +13927,7 @@
                 </a14:m>
                 <a:r>
                   <a:rPr lang="en-IN" dirty="0" smtClean="0"/>
-                  <a:t> </a:t>
-                </a:r>
-                <a:r>
-                  <a:rPr lang="en-IN" dirty="0" smtClean="0"/>
-                  <a:t>as </a:t>
+                  <a:t> as </a:t>
                 </a:r>
                 <a14:m>
                   <m:oMath xmlns:m="http://schemas.openxmlformats.org/officeDocument/2006/math">
@@ -14161,7 +14138,7 @@
             </p:txBody>
           </p:sp>
         </mc:Choice>
-        <mc:Fallback>
+        <mc:Fallback xmlns="">
           <p:sp>
             <p:nvSpPr>
               <p:cNvPr id="3" name="Content Placeholder 2"/>
@@ -14222,8 +14199,8 @@
           </a:p>
         </p:txBody>
       </p:sp>
-      <mc:AlternateContent xmlns:mc="http://schemas.openxmlformats.org/markup-compatibility/2006">
-        <mc:Choice xmlns:a14="http://schemas.microsoft.com/office/drawing/2010/main" Requires="a14">
+      <mc:AlternateContent xmlns:mc="http://schemas.openxmlformats.org/markup-compatibility/2006" xmlns:a14="http://schemas.microsoft.com/office/drawing/2010/main">
+        <mc:Choice Requires="a14">
           <p:sp>
             <p:nvSpPr>
               <p:cNvPr id="5" name="TextBox 4"/>
@@ -14902,7 +14879,7 @@
             </p:txBody>
           </p:sp>
         </mc:Choice>
-        <mc:Fallback>
+        <mc:Fallback xmlns="">
           <p:sp>
             <p:nvSpPr>
               <p:cNvPr id="5" name="TextBox 4"/>
@@ -15750,9 +15727,6 @@
               </a:rPr>
               <a:t>Easier said than done. In some applications however, we may have such initialization e.g. someone may have a model they trained on different data</a:t>
             </a:r>
-            <a:endParaRPr lang="en-IN" dirty="0" smtClean="0">
-              <a:sym typeface="Wingdings" panose="05000000000000000000" pitchFamily="2" charset="2"/>
-            </a:endParaRPr>
           </a:p>
           <a:p>
             <a:r>
@@ -15787,19 +15761,7 @@
               <a:rPr lang="en-IN" dirty="0" smtClean="0">
                 <a:sym typeface="Wingdings" panose="05000000000000000000" pitchFamily="2" charset="2"/>
               </a:rPr>
-              <a:t>Random restarts </a:t>
-            </a:r>
-            <a:r>
-              <a:rPr lang="en-IN" dirty="0" smtClean="0">
-                <a:sym typeface="Wingdings" panose="05000000000000000000" pitchFamily="2" charset="2"/>
-              </a:rPr>
-              <a:t>most common solution to </a:t>
-            </a:r>
-            <a:r>
-              <a:rPr lang="en-IN" dirty="0" smtClean="0">
-                <a:sym typeface="Wingdings" panose="05000000000000000000" pitchFamily="2" charset="2"/>
-              </a:rPr>
-              <a:t>overcome this problem</a:t>
+              <a:t>Random restarts most common solution to overcome this problem</a:t>
             </a:r>
           </a:p>
           <a:p>
@@ -16216,8 +16178,8 @@
           </a:p>
         </p:txBody>
       </p:sp>
-      <mc:AlternateContent xmlns:mc="http://schemas.openxmlformats.org/markup-compatibility/2006">
-        <mc:Choice xmlns:a14="http://schemas.microsoft.com/office/drawing/2010/main" Requires="a14">
+      <mc:AlternateContent xmlns:mc="http://schemas.openxmlformats.org/markup-compatibility/2006" xmlns:a14="http://schemas.microsoft.com/office/drawing/2010/main">
+        <mc:Choice Requires="a14">
           <p:sp>
             <p:nvSpPr>
               <p:cNvPr id="3" name="Content Placeholder 2"/>
@@ -16253,35 +16215,14 @@
                 </a:r>
                 <a:r>
                   <a:rPr lang="en-IN" dirty="0" smtClean="0"/>
-                  <a:t>he algorithm has gotten within a </a:t>
+                  <a:t>he algorithm has gotten within a “small” distance of a global/local optima</a:t>
                 </a:r>
-                <a:r>
-                  <a:rPr lang="en-IN" dirty="0" smtClean="0"/>
-                  <a:t>“small” </a:t>
-                </a:r>
-                <a:r>
-                  <a:rPr lang="en-IN" dirty="0" smtClean="0"/>
-                  <a:t>distance of a global/local </a:t>
-                </a:r>
-                <a:r>
-                  <a:rPr lang="en-IN" dirty="0" smtClean="0"/>
-                  <a:t>optima</a:t>
-                </a:r>
-                <a:endParaRPr lang="en-IN" dirty="0" smtClean="0"/>
               </a:p>
               <a:p>
                 <a:pPr lvl="2"/>
                 <a:r>
                   <a:rPr lang="en-IN" dirty="0" smtClean="0"/>
-                  <a:t>The algorithm </a:t>
-                </a:r>
-                <a:r>
-                  <a:rPr lang="en-IN" dirty="0" smtClean="0"/>
-                  <a:t>is not making “much” progress </a:t>
-                </a:r>
-                <a:r>
-                  <a:rPr lang="en-IN" dirty="0" smtClean="0"/>
-                  <a:t>e.g. </a:t>
+                  <a:t>The algorithm is not making “much” progress e.g. </a:t>
                 </a:r>
                 <a14:m>
                   <m:oMath xmlns:m="http://schemas.openxmlformats.org/officeDocument/2006/math">
@@ -16394,23 +16335,7 @@
                 </a:r>
                 <a:r>
                   <a:rPr lang="en-IN" dirty="0" smtClean="0"/>
-                  <a:t>ectors have become </a:t>
-                </a:r>
-                <a:r>
-                  <a:rPr lang="en-IN" dirty="0" smtClean="0"/>
-                  <a:t>too </a:t>
-                </a:r>
-                <a:r>
-                  <a:rPr lang="en-IN" dirty="0" smtClean="0"/>
-                  <a:t>“small”, or “not much” progress is being made of if objective function value is already acceptably “small” or if  </a:t>
-                </a:r>
-                <a:r>
-                  <a:rPr lang="en-IN" dirty="0" smtClean="0"/>
-                  <a:t>assignment submission deadline is 5 minutes </a:t>
-                </a:r>
-                <a:r>
-                  <a:rPr lang="en-IN" dirty="0" smtClean="0"/>
-                  <a:t>away</a:t>
+                  <a:t>ectors have become too “small”, or “not much” progress is being made of if objective function value is already acceptably “small” or if  assignment submission deadline is 5 minutes away</a:t>
                 </a:r>
               </a:p>
               <a:p>
@@ -16419,7 +16344,6 @@
                   <a:rPr lang="en-IN" dirty="0" smtClean="0"/>
                   <a:t>Acceptable levels e.g. “small”, “not much” usually decided either by consulting domain experts or else by using performance on validation sets</a:t>
                 </a:r>
-                <a:endParaRPr lang="en-IN" dirty="0" smtClean="0"/>
               </a:p>
               <a:p>
                 <a:endParaRPr lang="en-IN" dirty="0"/>
@@ -16427,7 +16351,7 @@
             </p:txBody>
           </p:sp>
         </mc:Choice>
-        <mc:Fallback>
+        <mc:Fallback xmlns="">
           <p:sp>
             <p:nvSpPr>
               <p:cNvPr id="3" name="Content Placeholder 2"/>
@@ -16916,8 +16840,8 @@
           </a:p>
         </p:txBody>
       </p:sp>
-      <mc:AlternateContent xmlns:mc="http://schemas.openxmlformats.org/markup-compatibility/2006">
-        <mc:Choice xmlns:a14="http://schemas.microsoft.com/office/drawing/2010/main" Requires="a14">
+      <mc:AlternateContent xmlns:mc="http://schemas.openxmlformats.org/markup-compatibility/2006" xmlns:a14="http://schemas.microsoft.com/office/drawing/2010/main">
+        <mc:Choice Requires="a14">
           <p:sp>
             <p:nvSpPr>
               <p:cNvPr id="3" name="Content Placeholder 2"/>
@@ -17084,15 +17008,7 @@
                 </a:r>
                 <a:r>
                   <a:rPr lang="en-IN" sz="2800" dirty="0" smtClean="0"/>
-                  <a:t>much, </a:t>
-                </a:r>
-                <a:r>
-                  <a:rPr lang="en-IN" sz="2800" dirty="0" smtClean="0"/>
-                  <a:t>stop (or else tune learning rate</a:t>
-                </a:r>
-                <a:r>
-                  <a:rPr lang="en-IN" sz="2800" dirty="0" smtClean="0"/>
-                  <a:t>)!</a:t>
+                  <a:t>much, stop (or else tune learning rate)!</a:t>
                 </a:r>
                 <a:endParaRPr lang="en-IN" sz="2800" dirty="0"/>
               </a:p>
@@ -17493,22 +17409,14 @@
               <a:p>
                 <a:r>
                   <a:rPr lang="en-IN" sz="2800" dirty="0" smtClean="0"/>
-                  <a:t>Other techniques e.g. primal-dual techniques are usually infeasible for </a:t>
-                </a:r>
-                <a:r>
-                  <a:rPr lang="en-IN" sz="2800" dirty="0" smtClean="0"/>
-                  <a:t>large-scale ML </a:t>
-                </a:r>
-                <a:r>
-                  <a:rPr lang="en-IN" sz="2800" dirty="0" smtClean="0"/>
-                  <a:t>problems and hence not used to decide convergence</a:t>
+                  <a:t>Other techniques e.g. primal-dual techniques are usually infeasible for large-scale ML problems and hence not used to decide convergence</a:t>
                 </a:r>
                 <a:endParaRPr lang="en-IN" sz="2800" dirty="0"/>
               </a:p>
             </p:txBody>
           </p:sp>
         </mc:Choice>
-        <mc:Fallback>
+        <mc:Fallback xmlns="">
           <p:sp>
             <p:nvSpPr>
               <p:cNvPr id="3" name="Content Placeholder 2"/>
@@ -18015,6 +17923,1735 @@
 </p:sld>
 </file>
 
+<file path=ppt/slides/slide19.xml><?xml version="1.0" encoding="utf-8"?>
+<p:sld xmlns:a="http://schemas.openxmlformats.org/drawingml/2006/main" xmlns:r="http://schemas.openxmlformats.org/officeDocument/2006/relationships" xmlns:p="http://schemas.openxmlformats.org/presentationml/2006/main">
+  <p:cSld>
+    <p:spTree>
+      <p:nvGrpSpPr>
+        <p:cNvPr id="1" name=""/>
+        <p:cNvGrpSpPr/>
+        <p:nvPr/>
+      </p:nvGrpSpPr>
+      <p:grpSpPr>
+        <a:xfrm>
+          <a:off x="0" y="0"/>
+          <a:ext cx="0" cy="0"/>
+          <a:chOff x="0" y="0"/>
+          <a:chExt cx="0" cy="0"/>
+        </a:xfrm>
+      </p:grpSpPr>
+      <p:sp>
+        <p:nvSpPr>
+          <p:cNvPr id="2" name="Title 1"/>
+          <p:cNvSpPr>
+            <a:spLocks noGrp="1"/>
+          </p:cNvSpPr>
+          <p:nvPr>
+            <p:ph type="title"/>
+          </p:nvPr>
+        </p:nvSpPr>
+        <p:spPr/>
+        <p:txBody>
+          <a:bodyPr/>
+          <a:lstStyle/>
+          <a:p>
+            <a:r>
+              <a:rPr lang="en-IN" dirty="0" smtClean="0"/>
+              <a:t>How to choose Step Length?</a:t>
+            </a:r>
+            <a:endParaRPr lang="en-IN" dirty="0"/>
+          </a:p>
+        </p:txBody>
+      </p:sp>
+      <mc:AlternateContent xmlns:mc="http://schemas.openxmlformats.org/markup-compatibility/2006">
+        <mc:Choice xmlns:a14="http://schemas.microsoft.com/office/drawing/2010/main" Requires="a14">
+          <p:sp>
+            <p:nvSpPr>
+              <p:cNvPr id="3" name="Content Placeholder 2"/>
+              <p:cNvSpPr>
+                <a:spLocks noGrp="1"/>
+              </p:cNvSpPr>
+              <p:nvPr>
+                <p:ph idx="1"/>
+              </p:nvPr>
+            </p:nvSpPr>
+            <p:spPr>
+              <a:xfrm>
+                <a:off x="253354" y="1111624"/>
+                <a:ext cx="11938646" cy="5746376"/>
+              </a:xfrm>
+            </p:spPr>
+            <p:txBody>
+              <a:bodyPr>
+                <a:normAutofit/>
+              </a:bodyPr>
+              <a:lstStyle/>
+              <a:p>
+                <a:r>
+                  <a:rPr lang="en-IN" dirty="0" smtClean="0"/>
+                  <a:t>For “nicely behaved” convex functions, have formulae for step length</a:t>
+                </a:r>
+              </a:p>
+              <a:p>
+                <a:r>
+                  <a:rPr lang="en-IN" dirty="0" smtClean="0"/>
+                  <a:t>Set </a:t>
+                </a:r>
+                <a14:m>
+                  <m:oMath xmlns:m="http://schemas.openxmlformats.org/officeDocument/2006/math">
+                    <m:sSub>
+                      <m:sSubPr>
+                        <m:ctrlPr>
+                          <a:rPr lang="en-IN" b="0" i="1" smtClean="0">
+                            <a:latin typeface="Cambria Math" panose="02040503050406030204" pitchFamily="18" charset="0"/>
+                          </a:rPr>
+                        </m:ctrlPr>
+                      </m:sSubPr>
+                      <m:e>
+                        <m:r>
+                          <a:rPr lang="en-IN" b="0" i="1" smtClean="0">
+                            <a:latin typeface="Cambria Math" panose="02040503050406030204" pitchFamily="18" charset="0"/>
+                          </a:rPr>
+                          <m:t>𝜂</m:t>
+                        </m:r>
+                      </m:e>
+                      <m:sub>
+                        <m:r>
+                          <a:rPr lang="en-IN" b="0" i="1" smtClean="0">
+                            <a:latin typeface="Cambria Math" panose="02040503050406030204" pitchFamily="18" charset="0"/>
+                          </a:rPr>
+                          <m:t>𝑡</m:t>
+                        </m:r>
+                      </m:sub>
+                    </m:sSub>
+                    <m:r>
+                      <a:rPr lang="en-IN" b="0" i="1" smtClean="0">
+                        <a:latin typeface="Cambria Math" panose="02040503050406030204" pitchFamily="18" charset="0"/>
+                      </a:rPr>
+                      <m:t>=</m:t>
+                    </m:r>
+                    <m:r>
+                      <a:rPr lang="en-IN" b="0" i="1" smtClean="0">
+                        <a:latin typeface="Cambria Math" panose="02040503050406030204" pitchFamily="18" charset="0"/>
+                      </a:rPr>
+                      <m:t>𝐶</m:t>
+                    </m:r>
+                    <m:r>
+                      <a:rPr lang="en-IN" b="0" i="1" smtClean="0">
+                        <a:latin typeface="Cambria Math" panose="02040503050406030204" pitchFamily="18" charset="0"/>
+                      </a:rPr>
+                      <m:t>/</m:t>
+                    </m:r>
+                    <m:rad>
+                      <m:radPr>
+                        <m:degHide m:val="on"/>
+                        <m:ctrlPr>
+                          <a:rPr lang="en-IN" b="0" i="1" smtClean="0">
+                            <a:latin typeface="Cambria Math" panose="02040503050406030204" pitchFamily="18" charset="0"/>
+                          </a:rPr>
+                        </m:ctrlPr>
+                      </m:radPr>
+                      <m:deg/>
+                      <m:e>
+                        <m:r>
+                          <a:rPr lang="en-IN" b="0" i="1" smtClean="0">
+                            <a:latin typeface="Cambria Math" panose="02040503050406030204" pitchFamily="18" charset="0"/>
+                          </a:rPr>
+                          <m:t>𝑡</m:t>
+                        </m:r>
+                      </m:e>
+                    </m:rad>
+                  </m:oMath>
+                </a14:m>
+                <a:r>
+                  <a:rPr lang="en-IN" dirty="0" smtClean="0"/>
+                  <a:t> or else </a:t>
+                </a:r>
+                <a14:m>
+                  <m:oMath xmlns:m="http://schemas.openxmlformats.org/officeDocument/2006/math">
+                    <m:sSub>
+                      <m:sSubPr>
+                        <m:ctrlPr>
+                          <a:rPr lang="en-IN" b="0" i="1" smtClean="0">
+                            <a:latin typeface="Cambria Math" panose="02040503050406030204" pitchFamily="18" charset="0"/>
+                          </a:rPr>
+                        </m:ctrlPr>
+                      </m:sSubPr>
+                      <m:e>
+                        <m:r>
+                          <a:rPr lang="en-IN" b="0" i="1" smtClean="0">
+                            <a:latin typeface="Cambria Math" panose="02040503050406030204" pitchFamily="18" charset="0"/>
+                          </a:rPr>
+                          <m:t>𝜂</m:t>
+                        </m:r>
+                      </m:e>
+                      <m:sub>
+                        <m:r>
+                          <a:rPr lang="en-IN" b="0" i="1" smtClean="0">
+                            <a:latin typeface="Cambria Math" panose="02040503050406030204" pitchFamily="18" charset="0"/>
+                          </a:rPr>
+                          <m:t>𝑡</m:t>
+                        </m:r>
+                      </m:sub>
+                    </m:sSub>
+                    <m:r>
+                      <a:rPr lang="en-IN" b="0" i="1" smtClean="0">
+                        <a:latin typeface="Cambria Math" panose="02040503050406030204" pitchFamily="18" charset="0"/>
+                      </a:rPr>
+                      <m:t>=</m:t>
+                    </m:r>
+                    <m:r>
+                      <a:rPr lang="en-IN" b="0" i="1" smtClean="0">
+                        <a:latin typeface="Cambria Math" panose="02040503050406030204" pitchFamily="18" charset="0"/>
+                      </a:rPr>
+                      <m:t>𝐶</m:t>
+                    </m:r>
+                    <m:r>
+                      <a:rPr lang="en-IN" b="0" i="1" smtClean="0">
+                        <a:latin typeface="Cambria Math" panose="02040503050406030204" pitchFamily="18" charset="0"/>
+                      </a:rPr>
+                      <m:t>/</m:t>
+                    </m:r>
+                    <m:r>
+                      <a:rPr lang="en-IN" b="0" i="1" smtClean="0">
+                        <a:latin typeface="Cambria Math" panose="02040503050406030204" pitchFamily="18" charset="0"/>
+                      </a:rPr>
+                      <m:t>𝑡</m:t>
+                    </m:r>
+                  </m:oMath>
+                </a14:m>
+                <a:r>
+                  <a:rPr lang="en-IN" dirty="0" smtClean="0"/>
+                  <a:t> where </a:t>
+                </a:r>
+                <a14:m>
+                  <m:oMath xmlns:m="http://schemas.openxmlformats.org/officeDocument/2006/math">
+                    <m:r>
+                      <a:rPr lang="en-IN" b="0" i="1" smtClean="0">
+                        <a:latin typeface="Cambria Math" panose="02040503050406030204" pitchFamily="18" charset="0"/>
+                      </a:rPr>
+                      <m:t>𝐶</m:t>
+                    </m:r>
+                  </m:oMath>
+                </a14:m>
+                <a:r>
+                  <a:rPr lang="en-IN" dirty="0" smtClean="0"/>
+                  <a:t> is a </a:t>
+                </a:r>
+                <a:r>
+                  <a:rPr lang="en-IN" dirty="0" err="1" smtClean="0"/>
+                  <a:t>hyperparameter</a:t>
+                </a:r>
+                <a:r>
+                  <a:rPr lang="en-IN" dirty="0" smtClean="0"/>
+                  <a:t> </a:t>
+                </a:r>
+                <a:r>
+                  <a:rPr lang="en-IN" dirty="0" smtClean="0">
+                    <a:sym typeface="Wingdings" panose="05000000000000000000" pitchFamily="2" charset="2"/>
+                  </a:rPr>
+                  <a:t></a:t>
+                </a:r>
+              </a:p>
+              <a:p>
+                <a:pPr lvl="2"/>
+                <a:r>
+                  <a:rPr lang="en-IN" dirty="0"/>
+                  <a:t>Basic idea is to choose </a:t>
+                </a:r>
+                <a14:m>
+                  <m:oMath xmlns:m="http://schemas.openxmlformats.org/officeDocument/2006/math">
+                    <m:sSub>
+                      <m:sSubPr>
+                        <m:ctrlPr>
+                          <a:rPr lang="en-IN" i="1">
+                            <a:latin typeface="Cambria Math" panose="02040503050406030204" pitchFamily="18" charset="0"/>
+                          </a:rPr>
+                        </m:ctrlPr>
+                      </m:sSubPr>
+                      <m:e>
+                        <m:r>
+                          <a:rPr lang="en-IN">
+                            <a:latin typeface="Cambria Math" panose="02040503050406030204" pitchFamily="18" charset="0"/>
+                          </a:rPr>
+                          <m:t>𝜂</m:t>
+                        </m:r>
+                      </m:e>
+                      <m:sub>
+                        <m:r>
+                          <a:rPr lang="en-IN">
+                            <a:latin typeface="Cambria Math" panose="02040503050406030204" pitchFamily="18" charset="0"/>
+                          </a:rPr>
+                          <m:t>𝑡</m:t>
+                        </m:r>
+                      </m:sub>
+                    </m:sSub>
+                    <m:r>
+                      <a:rPr lang="en-IN">
+                        <a:latin typeface="Cambria Math" panose="02040503050406030204" pitchFamily="18" charset="0"/>
+                      </a:rPr>
+                      <m:t>→0</m:t>
+                    </m:r>
+                  </m:oMath>
+                </a14:m>
+                <a:r>
+                  <a:rPr lang="en-US" dirty="0"/>
+                  <a:t> (diminishing) and </a:t>
+                </a:r>
+                <a14:m>
+                  <m:oMath xmlns:m="http://schemas.openxmlformats.org/officeDocument/2006/math">
+                    <m:r>
+                      <a:rPr lang="en-IN">
+                        <a:latin typeface="Cambria Math" panose="02040503050406030204" pitchFamily="18" charset="0"/>
+                      </a:rPr>
+                      <m:t>∑</m:t>
+                    </m:r>
+                    <m:sSub>
+                      <m:sSubPr>
+                        <m:ctrlPr>
+                          <a:rPr lang="en-IN" i="1">
+                            <a:latin typeface="Cambria Math" panose="02040503050406030204" pitchFamily="18" charset="0"/>
+                          </a:rPr>
+                        </m:ctrlPr>
+                      </m:sSubPr>
+                      <m:e>
+                        <m:r>
+                          <a:rPr lang="en-IN">
+                            <a:latin typeface="Cambria Math" panose="02040503050406030204" pitchFamily="18" charset="0"/>
+                          </a:rPr>
+                          <m:t>𝜂</m:t>
+                        </m:r>
+                      </m:e>
+                      <m:sub>
+                        <m:r>
+                          <a:rPr lang="en-IN">
+                            <a:latin typeface="Cambria Math" panose="02040503050406030204" pitchFamily="18" charset="0"/>
+                          </a:rPr>
+                          <m:t>𝑡</m:t>
+                        </m:r>
+                      </m:sub>
+                    </m:sSub>
+                    <m:r>
+                      <a:rPr lang="en-IN">
+                        <a:latin typeface="Cambria Math" panose="02040503050406030204" pitchFamily="18" charset="0"/>
+                      </a:rPr>
+                      <m:t>→∞</m:t>
+                    </m:r>
+                  </m:oMath>
+                </a14:m>
+                <a:r>
+                  <a:rPr lang="en-US" dirty="0"/>
+                  <a:t> (infinite travel</a:t>
+                </a:r>
+                <a:r>
+                  <a:rPr lang="en-US" dirty="0" smtClean="0"/>
+                  <a:t>)</a:t>
+                </a:r>
+                <a:endParaRPr lang="en-IN" dirty="0" smtClean="0">
+                  <a:sym typeface="Wingdings" panose="05000000000000000000" pitchFamily="2" charset="2"/>
+                </a:endParaRPr>
+              </a:p>
+              <a:p>
+                <a:pPr lvl="2"/>
+                <a:r>
+                  <a:rPr lang="en-IN" dirty="0" smtClean="0">
+                    <a:sym typeface="Wingdings" panose="05000000000000000000" pitchFamily="2" charset="2"/>
+                  </a:rPr>
+                  <a:t>Simple, for “nice” convex functions </a:t>
+                </a:r>
+                <a14:m>
+                  <m:oMath xmlns:m="http://schemas.openxmlformats.org/officeDocument/2006/math">
+                    <m:r>
+                      <a:rPr lang="en-IN">
+                        <a:latin typeface="Cambria Math" panose="02040503050406030204" pitchFamily="18" charset="0"/>
+                      </a:rPr>
+                      <m:t>𝜖</m:t>
+                    </m:r>
+                  </m:oMath>
+                </a14:m>
+                <a:r>
+                  <a:rPr lang="en-US" dirty="0"/>
+                  <a:t>-convergence in just </a:t>
+                </a:r>
+                <a14:m>
+                  <m:oMath xmlns:m="http://schemas.openxmlformats.org/officeDocument/2006/math">
+                    <m:r>
+                      <a:rPr lang="en-US">
+                        <a:latin typeface="Cambria Math" panose="02040503050406030204" pitchFamily="18" charset="0"/>
+                        <a:ea typeface="Cambria Math" panose="02040503050406030204" pitchFamily="18" charset="0"/>
+                      </a:rPr>
+                      <m:t>𝒪</m:t>
+                    </m:r>
+                    <m:d>
+                      <m:dPr>
+                        <m:ctrlPr>
+                          <a:rPr lang="en-IN" i="1">
+                            <a:latin typeface="Cambria Math" panose="02040503050406030204" pitchFamily="18" charset="0"/>
+                            <a:ea typeface="Cambria Math" panose="02040503050406030204" pitchFamily="18" charset="0"/>
+                          </a:rPr>
+                        </m:ctrlPr>
+                      </m:dPr>
+                      <m:e>
+                        <m:func>
+                          <m:funcPr>
+                            <m:ctrlPr>
+                              <a:rPr lang="en-IN">
+                                <a:latin typeface="Cambria Math" panose="02040503050406030204" pitchFamily="18" charset="0"/>
+                                <a:ea typeface="Cambria Math" panose="02040503050406030204" pitchFamily="18" charset="0"/>
+                              </a:rPr>
+                            </m:ctrlPr>
+                          </m:funcPr>
+                          <m:fName>
+                            <m:r>
+                              <m:rPr>
+                                <m:sty m:val="p"/>
+                              </m:rPr>
+                              <a:rPr lang="en-IN" i="0">
+                                <a:latin typeface="Cambria Math" panose="02040503050406030204" pitchFamily="18" charset="0"/>
+                                <a:ea typeface="Cambria Math" panose="02040503050406030204" pitchFamily="18" charset="0"/>
+                              </a:rPr>
+                              <m:t>log</m:t>
+                            </m:r>
+                          </m:fName>
+                          <m:e>
+                            <m:d>
+                              <m:dPr>
+                                <m:ctrlPr>
+                                  <a:rPr lang="en-IN">
+                                    <a:latin typeface="Cambria Math" panose="02040503050406030204" pitchFamily="18" charset="0"/>
+                                    <a:ea typeface="Cambria Math" panose="02040503050406030204" pitchFamily="18" charset="0"/>
+                                  </a:rPr>
+                                </m:ctrlPr>
+                              </m:dPr>
+                              <m:e>
+                                <m:r>
+                                  <a:rPr lang="en-IN">
+                                    <a:latin typeface="Cambria Math" panose="02040503050406030204" pitchFamily="18" charset="0"/>
+                                    <a:ea typeface="Cambria Math" panose="02040503050406030204" pitchFamily="18" charset="0"/>
+                                  </a:rPr>
+                                  <m:t>1/</m:t>
+                                </m:r>
+                                <m:r>
+                                  <a:rPr lang="en-IN">
+                                    <a:latin typeface="Cambria Math" panose="02040503050406030204" pitchFamily="18" charset="0"/>
+                                    <a:ea typeface="Cambria Math" panose="02040503050406030204" pitchFamily="18" charset="0"/>
+                                  </a:rPr>
+                                  <m:t>𝜖</m:t>
+                                </m:r>
+                              </m:e>
+                            </m:d>
+                          </m:e>
+                        </m:func>
+                      </m:e>
+                    </m:d>
+                  </m:oMath>
+                </a14:m>
+                <a:r>
+                  <a:rPr lang="en-US" dirty="0"/>
+                  <a:t> steps </a:t>
+                </a:r>
+                <a:endParaRPr lang="en-IN" dirty="0" smtClean="0">
+                  <a:sym typeface="Wingdings" panose="05000000000000000000" pitchFamily="2" charset="2"/>
+                </a:endParaRPr>
+              </a:p>
+              <a:p>
+                <a:pPr lvl="2"/>
+                <a:r>
+                  <a:rPr lang="en-IN" dirty="0" smtClean="0">
+                    <a:sym typeface="Wingdings" panose="05000000000000000000" pitchFamily="2" charset="2"/>
+                  </a:rPr>
+                  <a:t>Details (e.g. what is “nice”) beyond scope of CS771 (see CS77X, X = 3,4,7)</a:t>
+                </a:r>
+              </a:p>
+              <a:p>
+                <a:r>
+                  <a:rPr lang="en-IN" dirty="0" smtClean="0">
+                    <a:sym typeface="Wingdings" panose="05000000000000000000" pitchFamily="2" charset="2"/>
+                  </a:rPr>
+                  <a:t>A powerful but expensive technique is the </a:t>
+                </a:r>
+                <a:r>
+                  <a:rPr lang="en-IN" i="1" dirty="0" smtClean="0"/>
+                  <a:t>Newton method</a:t>
+                </a:r>
+                <a:endParaRPr lang="en-IN" dirty="0"/>
+              </a:p>
+              <a:p>
+                <a:pPr marL="0" lvl="2" indent="0">
+                  <a:buNone/>
+                </a:pPr>
+                <a14:m>
+                  <m:oMathPara xmlns:m="http://schemas.openxmlformats.org/officeDocument/2006/math">
+                    <m:oMathParaPr>
+                      <m:jc m:val="centerGroup"/>
+                    </m:oMathParaPr>
+                    <m:oMath xmlns:m="http://schemas.openxmlformats.org/officeDocument/2006/math">
+                      <m:sSup>
+                        <m:sSupPr>
+                          <m:ctrlPr>
+                            <a:rPr lang="en-IN" i="1">
+                              <a:latin typeface="Cambria Math" panose="02040503050406030204" pitchFamily="18" charset="0"/>
+                            </a:rPr>
+                          </m:ctrlPr>
+                        </m:sSupPr>
+                        <m:e>
+                          <m:r>
+                            <a:rPr lang="en-IN" b="1">
+                              <a:latin typeface="Cambria Math" panose="02040503050406030204" pitchFamily="18" charset="0"/>
+                            </a:rPr>
+                            <m:t>𝐠</m:t>
+                          </m:r>
+                        </m:e>
+                        <m:sup>
+                          <m:r>
+                            <a:rPr lang="en-IN">
+                              <a:latin typeface="Cambria Math" panose="02040503050406030204" pitchFamily="18" charset="0"/>
+                            </a:rPr>
+                            <m:t>𝑡</m:t>
+                          </m:r>
+                        </m:sup>
+                      </m:sSup>
+                      <m:r>
+                        <a:rPr lang="en-IN">
+                          <a:latin typeface="Cambria Math" panose="02040503050406030204" pitchFamily="18" charset="0"/>
+                        </a:rPr>
+                        <m:t>=</m:t>
+                      </m:r>
+                      <m:sSup>
+                        <m:sSupPr>
+                          <m:ctrlPr>
+                            <a:rPr lang="en-IN" i="1">
+                              <a:latin typeface="Cambria Math" panose="02040503050406030204" pitchFamily="18" charset="0"/>
+                            </a:rPr>
+                          </m:ctrlPr>
+                        </m:sSupPr>
+                        <m:e>
+                          <m:d>
+                            <m:dPr>
+                              <m:ctrlPr>
+                                <a:rPr lang="en-IN" i="1">
+                                  <a:latin typeface="Cambria Math" panose="02040503050406030204" pitchFamily="18" charset="0"/>
+                                </a:rPr>
+                              </m:ctrlPr>
+                            </m:dPr>
+                            <m:e>
+                              <m:sSup>
+                                <m:sSupPr>
+                                  <m:ctrlPr>
+                                    <a:rPr lang="en-IN" i="1">
+                                      <a:latin typeface="Cambria Math" panose="02040503050406030204" pitchFamily="18" charset="0"/>
+                                    </a:rPr>
+                                  </m:ctrlPr>
+                                </m:sSupPr>
+                                <m:e>
+                                  <m:r>
+                                    <a:rPr lang="en-IN">
+                                      <a:latin typeface="Cambria Math" panose="02040503050406030204" pitchFamily="18" charset="0"/>
+                                    </a:rPr>
+                                    <m:t>𝛻</m:t>
+                                  </m:r>
+                                </m:e>
+                                <m:sup>
+                                  <m:r>
+                                    <a:rPr lang="en-IN">
+                                      <a:latin typeface="Cambria Math" panose="02040503050406030204" pitchFamily="18" charset="0"/>
+                                    </a:rPr>
+                                    <m:t>2</m:t>
+                                  </m:r>
+                                </m:sup>
+                              </m:sSup>
+                              <m:r>
+                                <a:rPr lang="en-IN">
+                                  <a:latin typeface="Cambria Math" panose="02040503050406030204" pitchFamily="18" charset="0"/>
+                                </a:rPr>
+                                <m:t>𝐹</m:t>
+                              </m:r>
+                              <m:d>
+                                <m:dPr>
+                                  <m:ctrlPr>
+                                    <a:rPr lang="en-IN" i="1">
+                                      <a:latin typeface="Cambria Math" panose="02040503050406030204" pitchFamily="18" charset="0"/>
+                                    </a:rPr>
+                                  </m:ctrlPr>
+                                </m:dPr>
+                                <m:e>
+                                  <m:sSup>
+                                    <m:sSupPr>
+                                      <m:ctrlPr>
+                                        <a:rPr lang="en-IN" i="1">
+                                          <a:latin typeface="Cambria Math" panose="02040503050406030204" pitchFamily="18" charset="0"/>
+                                        </a:rPr>
+                                      </m:ctrlPr>
+                                    </m:sSupPr>
+                                    <m:e>
+                                      <m:r>
+                                        <a:rPr lang="en-IN" b="1">
+                                          <a:latin typeface="Cambria Math" panose="02040503050406030204" pitchFamily="18" charset="0"/>
+                                        </a:rPr>
+                                        <m:t>𝐰</m:t>
+                                      </m:r>
+                                    </m:e>
+                                    <m:sup>
+                                      <m:r>
+                                        <a:rPr lang="en-IN">
+                                          <a:latin typeface="Cambria Math" panose="02040503050406030204" pitchFamily="18" charset="0"/>
+                                        </a:rPr>
+                                        <m:t>𝑡</m:t>
+                                      </m:r>
+                                    </m:sup>
+                                  </m:sSup>
+                                </m:e>
+                              </m:d>
+                            </m:e>
+                          </m:d>
+                        </m:e>
+                        <m:sup>
+                          <m:r>
+                            <a:rPr lang="en-IN">
+                              <a:latin typeface="Cambria Math" panose="02040503050406030204" pitchFamily="18" charset="0"/>
+                            </a:rPr>
+                            <m:t>−1</m:t>
+                          </m:r>
+                        </m:sup>
+                      </m:sSup>
+                      <m:r>
+                        <a:rPr lang="en-IN">
+                          <a:latin typeface="Cambria Math" panose="02040503050406030204" pitchFamily="18" charset="0"/>
+                        </a:rPr>
+                        <m:t>𝛻</m:t>
+                      </m:r>
+                      <m:r>
+                        <a:rPr lang="en-IN">
+                          <a:latin typeface="Cambria Math" panose="02040503050406030204" pitchFamily="18" charset="0"/>
+                        </a:rPr>
+                        <m:t>𝐹</m:t>
+                      </m:r>
+                      <m:d>
+                        <m:dPr>
+                          <m:ctrlPr>
+                            <a:rPr lang="en-IN" i="1">
+                              <a:latin typeface="Cambria Math" panose="02040503050406030204" pitchFamily="18" charset="0"/>
+                            </a:rPr>
+                          </m:ctrlPr>
+                        </m:dPr>
+                        <m:e>
+                          <m:sSup>
+                            <m:sSupPr>
+                              <m:ctrlPr>
+                                <a:rPr lang="en-IN" i="1">
+                                  <a:latin typeface="Cambria Math" panose="02040503050406030204" pitchFamily="18" charset="0"/>
+                                </a:rPr>
+                              </m:ctrlPr>
+                            </m:sSupPr>
+                            <m:e>
+                              <m:r>
+                                <a:rPr lang="en-IN" b="1">
+                                  <a:latin typeface="Cambria Math" panose="02040503050406030204" pitchFamily="18" charset="0"/>
+                                </a:rPr>
+                                <m:t>𝐰</m:t>
+                              </m:r>
+                            </m:e>
+                            <m:sup>
+                              <m:r>
+                                <a:rPr lang="en-IN">
+                                  <a:latin typeface="Cambria Math" panose="02040503050406030204" pitchFamily="18" charset="0"/>
+                                </a:rPr>
+                                <m:t>𝑡</m:t>
+                              </m:r>
+                            </m:sup>
+                          </m:sSup>
+                        </m:e>
+                      </m:d>
+                    </m:oMath>
+                  </m:oMathPara>
+                </a14:m>
+                <a:endParaRPr lang="en-IN" dirty="0" smtClean="0"/>
+              </a:p>
+              <a:p>
+                <a:pPr lvl="2"/>
+                <a:r>
+                  <a:rPr lang="en-IN" dirty="0" smtClean="0"/>
+                  <a:t>“</a:t>
+                </a:r>
+                <a:r>
+                  <a:rPr lang="en-IN" dirty="0" err="1" smtClean="0"/>
+                  <a:t>Autotunes</a:t>
+                </a:r>
+                <a:r>
+                  <a:rPr lang="en-IN" dirty="0" smtClean="0"/>
+                  <a:t>” the step length so that we may directly use </a:t>
+                </a:r>
+                <a14:m>
+                  <m:oMath xmlns:m="http://schemas.openxmlformats.org/officeDocument/2006/math">
+                    <m:sSup>
+                      <m:sSupPr>
+                        <m:ctrlPr>
+                          <a:rPr lang="en-IN" i="1">
+                            <a:latin typeface="Cambria Math" panose="02040503050406030204" pitchFamily="18" charset="0"/>
+                          </a:rPr>
+                        </m:ctrlPr>
+                      </m:sSupPr>
+                      <m:e>
+                        <m:r>
+                          <a:rPr lang="en-IN" b="1" i="0">
+                            <a:latin typeface="Cambria Math" panose="02040503050406030204" pitchFamily="18" charset="0"/>
+                          </a:rPr>
+                          <m:t>𝐰</m:t>
+                        </m:r>
+                      </m:e>
+                      <m:sup>
+                        <m:r>
+                          <a:rPr lang="en-IN">
+                            <a:latin typeface="Cambria Math" panose="02040503050406030204" pitchFamily="18" charset="0"/>
+                          </a:rPr>
+                          <m:t>𝑡</m:t>
+                        </m:r>
+                        <m:r>
+                          <a:rPr lang="en-IN">
+                            <a:latin typeface="Cambria Math" panose="02040503050406030204" pitchFamily="18" charset="0"/>
+                          </a:rPr>
+                          <m:t>+1</m:t>
+                        </m:r>
+                      </m:sup>
+                    </m:sSup>
+                    <m:r>
+                      <a:rPr lang="en-IN">
+                        <a:latin typeface="Cambria Math" panose="02040503050406030204" pitchFamily="18" charset="0"/>
+                      </a:rPr>
+                      <m:t>←</m:t>
+                    </m:r>
+                    <m:sSup>
+                      <m:sSupPr>
+                        <m:ctrlPr>
+                          <a:rPr lang="en-IN" i="1">
+                            <a:latin typeface="Cambria Math" panose="02040503050406030204" pitchFamily="18" charset="0"/>
+                          </a:rPr>
+                        </m:ctrlPr>
+                      </m:sSupPr>
+                      <m:e>
+                        <m:r>
+                          <a:rPr lang="en-IN" b="1" i="0">
+                            <a:latin typeface="Cambria Math" panose="02040503050406030204" pitchFamily="18" charset="0"/>
+                          </a:rPr>
+                          <m:t>𝐰</m:t>
+                        </m:r>
+                      </m:e>
+                      <m:sup>
+                        <m:r>
+                          <a:rPr lang="en-IN">
+                            <a:latin typeface="Cambria Math" panose="02040503050406030204" pitchFamily="18" charset="0"/>
+                          </a:rPr>
+                          <m:t>𝑡</m:t>
+                        </m:r>
+                      </m:sup>
+                    </m:sSup>
+                    <m:r>
+                      <a:rPr lang="en-IN">
+                        <a:latin typeface="Cambria Math" panose="02040503050406030204" pitchFamily="18" charset="0"/>
+                      </a:rPr>
+                      <m:t>−</m:t>
+                    </m:r>
+                    <m:sSup>
+                      <m:sSupPr>
+                        <m:ctrlPr>
+                          <a:rPr lang="en-IN" i="1">
+                            <a:latin typeface="Cambria Math" panose="02040503050406030204" pitchFamily="18" charset="0"/>
+                          </a:rPr>
+                        </m:ctrlPr>
+                      </m:sSupPr>
+                      <m:e>
+                        <m:r>
+                          <a:rPr lang="en-IN" b="1" i="0">
+                            <a:latin typeface="Cambria Math" panose="02040503050406030204" pitchFamily="18" charset="0"/>
+                          </a:rPr>
+                          <m:t>𝐠</m:t>
+                        </m:r>
+                      </m:e>
+                      <m:sup>
+                        <m:r>
+                          <a:rPr lang="en-IN">
+                            <a:latin typeface="Cambria Math" panose="02040503050406030204" pitchFamily="18" charset="0"/>
+                          </a:rPr>
+                          <m:t>𝑡</m:t>
+                        </m:r>
+                      </m:sup>
+                    </m:sSup>
+                  </m:oMath>
+                </a14:m>
+                <a:endParaRPr lang="en-IN" dirty="0" smtClean="0"/>
+              </a:p>
+              <a:p>
+                <a:pPr lvl="2"/>
+                <a:r>
+                  <a:rPr lang="en-IN" dirty="0" smtClean="0"/>
+                  <a:t>Offers </a:t>
+                </a:r>
+                <a:r>
+                  <a:rPr lang="en-IN" dirty="0"/>
+                  <a:t>extremely rapid convergence f</a:t>
+                </a:r>
+                <a:r>
+                  <a:rPr lang="en-IN" dirty="0" smtClean="0"/>
+                  <a:t>or “nice” convex </a:t>
+                </a:r>
+                <a:r>
+                  <a:rPr lang="en-IN" dirty="0" smtClean="0"/>
+                  <a:t>problems: roughly, it offers </a:t>
+                </a:r>
+                <a14:m>
+                  <m:oMath xmlns:m="http://schemas.openxmlformats.org/officeDocument/2006/math">
+                    <m:r>
+                      <a:rPr lang="en-IN">
+                        <a:latin typeface="Cambria Math" panose="02040503050406030204" pitchFamily="18" charset="0"/>
+                      </a:rPr>
+                      <m:t>𝜖</m:t>
+                    </m:r>
+                  </m:oMath>
+                </a14:m>
+                <a:r>
+                  <a:rPr lang="en-US" dirty="0"/>
+                  <a:t>-convergence in just </a:t>
+                </a:r>
+                <a14:m>
+                  <m:oMath xmlns:m="http://schemas.openxmlformats.org/officeDocument/2006/math">
+                    <m:r>
+                      <a:rPr lang="en-US">
+                        <a:latin typeface="Cambria Math" panose="02040503050406030204" pitchFamily="18" charset="0"/>
+                        <a:ea typeface="Cambria Math" panose="02040503050406030204" pitchFamily="18" charset="0"/>
+                      </a:rPr>
+                      <m:t>𝒪</m:t>
+                    </m:r>
+                    <m:d>
+                      <m:dPr>
+                        <m:ctrlPr>
+                          <a:rPr lang="en-IN" i="1">
+                            <a:latin typeface="Cambria Math" panose="02040503050406030204" pitchFamily="18" charset="0"/>
+                            <a:ea typeface="Cambria Math" panose="02040503050406030204" pitchFamily="18" charset="0"/>
+                          </a:rPr>
+                        </m:ctrlPr>
+                      </m:dPr>
+                      <m:e>
+                        <m:func>
+                          <m:funcPr>
+                            <m:ctrlPr>
+                              <a:rPr lang="en-IN" b="0" i="1" smtClean="0">
+                                <a:latin typeface="Cambria Math" panose="02040503050406030204" pitchFamily="18" charset="0"/>
+                                <a:ea typeface="Cambria Math" panose="02040503050406030204" pitchFamily="18" charset="0"/>
+                              </a:rPr>
+                            </m:ctrlPr>
+                          </m:funcPr>
+                          <m:fName>
+                            <m:r>
+                              <m:rPr>
+                                <m:sty m:val="p"/>
+                              </m:rPr>
+                              <a:rPr lang="en-IN" b="0" i="0" smtClean="0">
+                                <a:latin typeface="Cambria Math" panose="02040503050406030204" pitchFamily="18" charset="0"/>
+                                <a:ea typeface="Cambria Math" panose="02040503050406030204" pitchFamily="18" charset="0"/>
+                              </a:rPr>
+                              <m:t>log</m:t>
+                            </m:r>
+                          </m:fName>
+                          <m:e>
+                            <m:d>
+                              <m:dPr>
+                                <m:ctrlPr>
+                                  <a:rPr lang="en-IN" b="0" i="1" smtClean="0">
+                                    <a:latin typeface="Cambria Math" panose="02040503050406030204" pitchFamily="18" charset="0"/>
+                                    <a:ea typeface="Cambria Math" panose="02040503050406030204" pitchFamily="18" charset="0"/>
+                                  </a:rPr>
+                                </m:ctrlPr>
+                              </m:dPr>
+                              <m:e>
+                                <m:func>
+                                  <m:funcPr>
+                                    <m:ctrlPr>
+                                      <a:rPr lang="en-IN" i="1">
+                                        <a:latin typeface="Cambria Math" panose="02040503050406030204" pitchFamily="18" charset="0"/>
+                                        <a:ea typeface="Cambria Math" panose="02040503050406030204" pitchFamily="18" charset="0"/>
+                                      </a:rPr>
+                                    </m:ctrlPr>
+                                  </m:funcPr>
+                                  <m:fName>
+                                    <m:r>
+                                      <m:rPr>
+                                        <m:sty m:val="p"/>
+                                      </m:rPr>
+                                      <a:rPr lang="en-IN" i="0">
+                                        <a:latin typeface="Cambria Math" panose="02040503050406030204" pitchFamily="18" charset="0"/>
+                                        <a:ea typeface="Cambria Math" panose="02040503050406030204" pitchFamily="18" charset="0"/>
+                                      </a:rPr>
+                                      <m:t>log</m:t>
+                                    </m:r>
+                                  </m:fName>
+                                  <m:e>
+                                    <m:d>
+                                      <m:dPr>
+                                        <m:ctrlPr>
+                                          <a:rPr lang="en-IN" b="0" i="1" smtClean="0">
+                                            <a:latin typeface="Cambria Math" panose="02040503050406030204" pitchFamily="18" charset="0"/>
+                                            <a:ea typeface="Cambria Math" panose="02040503050406030204" pitchFamily="18" charset="0"/>
+                                          </a:rPr>
+                                        </m:ctrlPr>
+                                      </m:dPr>
+                                      <m:e>
+                                        <m:r>
+                                          <a:rPr lang="en-IN">
+                                            <a:latin typeface="Cambria Math" panose="02040503050406030204" pitchFamily="18" charset="0"/>
+                                            <a:ea typeface="Cambria Math" panose="02040503050406030204" pitchFamily="18" charset="0"/>
+                                          </a:rPr>
+                                          <m:t>1/</m:t>
+                                        </m:r>
+                                        <m:r>
+                                          <a:rPr lang="en-IN">
+                                            <a:latin typeface="Cambria Math" panose="02040503050406030204" pitchFamily="18" charset="0"/>
+                                            <a:ea typeface="Cambria Math" panose="02040503050406030204" pitchFamily="18" charset="0"/>
+                                          </a:rPr>
+                                          <m:t>𝜖</m:t>
+                                        </m:r>
+                                      </m:e>
+                                    </m:d>
+                                  </m:e>
+                                </m:func>
+                              </m:e>
+                            </m:d>
+                          </m:e>
+                        </m:func>
+                      </m:e>
+                    </m:d>
+                  </m:oMath>
+                </a14:m>
+                <a:r>
+                  <a:rPr lang="en-US" dirty="0"/>
+                  <a:t> steps </a:t>
+                </a:r>
+                <a:endParaRPr lang="en-IN" dirty="0" smtClean="0"/>
+              </a:p>
+              <a:p>
+                <a:pPr lvl="2"/>
+                <a:r>
+                  <a:rPr lang="en-IN" dirty="0" smtClean="0"/>
+                  <a:t>However, computation of Hessian </a:t>
+                </a:r>
+                <a14:m>
+                  <m:oMath xmlns:m="http://schemas.openxmlformats.org/officeDocument/2006/math">
+                    <m:sSup>
+                      <m:sSupPr>
+                        <m:ctrlPr>
+                          <a:rPr lang="en-IN" i="1">
+                            <a:latin typeface="Cambria Math" panose="02040503050406030204" pitchFamily="18" charset="0"/>
+                          </a:rPr>
+                        </m:ctrlPr>
+                      </m:sSupPr>
+                      <m:e>
+                        <m:r>
+                          <a:rPr lang="en-IN">
+                            <a:latin typeface="Cambria Math" panose="02040503050406030204" pitchFamily="18" charset="0"/>
+                          </a:rPr>
+                          <m:t>𝛻</m:t>
+                        </m:r>
+                      </m:e>
+                      <m:sup>
+                        <m:r>
+                          <a:rPr lang="en-IN">
+                            <a:latin typeface="Cambria Math" panose="02040503050406030204" pitchFamily="18" charset="0"/>
+                          </a:rPr>
+                          <m:t>2</m:t>
+                        </m:r>
+                      </m:sup>
+                    </m:sSup>
+                    <m:r>
+                      <a:rPr lang="en-IN">
+                        <a:latin typeface="Cambria Math" panose="02040503050406030204" pitchFamily="18" charset="0"/>
+                      </a:rPr>
+                      <m:t>𝐹</m:t>
+                    </m:r>
+                    <m:d>
+                      <m:dPr>
+                        <m:ctrlPr>
+                          <a:rPr lang="en-IN" i="1">
+                            <a:latin typeface="Cambria Math" panose="02040503050406030204" pitchFamily="18" charset="0"/>
+                          </a:rPr>
+                        </m:ctrlPr>
+                      </m:dPr>
+                      <m:e>
+                        <m:sSup>
+                          <m:sSupPr>
+                            <m:ctrlPr>
+                              <a:rPr lang="en-IN" i="1">
+                                <a:latin typeface="Cambria Math" panose="02040503050406030204" pitchFamily="18" charset="0"/>
+                              </a:rPr>
+                            </m:ctrlPr>
+                          </m:sSupPr>
+                          <m:e>
+                            <m:r>
+                              <a:rPr lang="en-IN" b="1">
+                                <a:latin typeface="Cambria Math" panose="02040503050406030204" pitchFamily="18" charset="0"/>
+                              </a:rPr>
+                              <m:t>𝐰</m:t>
+                            </m:r>
+                          </m:e>
+                          <m:sup>
+                            <m:r>
+                              <a:rPr lang="en-IN">
+                                <a:latin typeface="Cambria Math" panose="02040503050406030204" pitchFamily="18" charset="0"/>
+                              </a:rPr>
+                              <m:t>𝑡</m:t>
+                            </m:r>
+                          </m:sup>
+                        </m:sSup>
+                      </m:e>
+                    </m:d>
+                  </m:oMath>
+                </a14:m>
+                <a:r>
+                  <a:rPr lang="en-IN" dirty="0" smtClean="0"/>
+                  <a:t> often expensive</a:t>
+                </a:r>
+              </a:p>
+              <a:p>
+                <a:pPr lvl="2"/>
+                <a:r>
+                  <a:rPr lang="en-IN" dirty="0" smtClean="0"/>
+                  <a:t>Workaround: approximate </a:t>
+                </a:r>
+                <a14:m>
+                  <m:oMath xmlns:m="http://schemas.openxmlformats.org/officeDocument/2006/math">
+                    <m:sSup>
+                      <m:sSupPr>
+                        <m:ctrlPr>
+                          <a:rPr lang="en-IN" i="1">
+                            <a:latin typeface="Cambria Math" panose="02040503050406030204" pitchFamily="18" charset="0"/>
+                          </a:rPr>
+                        </m:ctrlPr>
+                      </m:sSupPr>
+                      <m:e>
+                        <m:r>
+                          <a:rPr lang="en-IN">
+                            <a:latin typeface="Cambria Math" panose="02040503050406030204" pitchFamily="18" charset="0"/>
+                          </a:rPr>
+                          <m:t>𝛻</m:t>
+                        </m:r>
+                      </m:e>
+                      <m:sup>
+                        <m:r>
+                          <a:rPr lang="en-IN">
+                            <a:latin typeface="Cambria Math" panose="02040503050406030204" pitchFamily="18" charset="0"/>
+                          </a:rPr>
+                          <m:t>2</m:t>
+                        </m:r>
+                      </m:sup>
+                    </m:sSup>
+                    <m:r>
+                      <a:rPr lang="en-IN">
+                        <a:latin typeface="Cambria Math" panose="02040503050406030204" pitchFamily="18" charset="0"/>
+                      </a:rPr>
+                      <m:t>𝐹</m:t>
+                    </m:r>
+                    <m:d>
+                      <m:dPr>
+                        <m:ctrlPr>
+                          <a:rPr lang="en-IN" i="1">
+                            <a:latin typeface="Cambria Math" panose="02040503050406030204" pitchFamily="18" charset="0"/>
+                          </a:rPr>
+                        </m:ctrlPr>
+                      </m:dPr>
+                      <m:e>
+                        <m:sSup>
+                          <m:sSupPr>
+                            <m:ctrlPr>
+                              <a:rPr lang="en-IN" i="1">
+                                <a:latin typeface="Cambria Math" panose="02040503050406030204" pitchFamily="18" charset="0"/>
+                              </a:rPr>
+                            </m:ctrlPr>
+                          </m:sSupPr>
+                          <m:e>
+                            <m:r>
+                              <a:rPr lang="en-IN" b="1">
+                                <a:latin typeface="Cambria Math" panose="02040503050406030204" pitchFamily="18" charset="0"/>
+                              </a:rPr>
+                              <m:t>𝐰</m:t>
+                            </m:r>
+                          </m:e>
+                          <m:sup>
+                            <m:r>
+                              <a:rPr lang="en-IN">
+                                <a:latin typeface="Cambria Math" panose="02040503050406030204" pitchFamily="18" charset="0"/>
+                              </a:rPr>
+                              <m:t>𝑡</m:t>
+                            </m:r>
+                          </m:sup>
+                        </m:sSup>
+                      </m:e>
+                    </m:d>
+                  </m:oMath>
+                </a14:m>
+                <a:r>
+                  <a:rPr lang="en-IN" dirty="0" smtClean="0"/>
+                  <a:t> using a diagonal or a low-rank matrix</a:t>
+                </a:r>
+              </a:p>
+              <a:p>
+                <a:pPr lvl="2"/>
+                <a:endParaRPr lang="en-IN" dirty="0"/>
+              </a:p>
+              <a:p>
+                <a:endParaRPr lang="en-IN" dirty="0" smtClean="0">
+                  <a:sym typeface="Wingdings" panose="05000000000000000000" pitchFamily="2" charset="2"/>
+                </a:endParaRPr>
+              </a:p>
+              <a:p>
+                <a:endParaRPr lang="en-IN" dirty="0"/>
+              </a:p>
+            </p:txBody>
+          </p:sp>
+        </mc:Choice>
+        <mc:Fallback>
+          <p:sp>
+            <p:nvSpPr>
+              <p:cNvPr id="3" name="Content Placeholder 2"/>
+              <p:cNvSpPr>
+                <a:spLocks noGrp="1" noRot="1" noChangeAspect="1" noMove="1" noResize="1" noEditPoints="1" noAdjustHandles="1" noChangeArrowheads="1" noChangeShapeType="1" noTextEdit="1"/>
+              </p:cNvSpPr>
+              <p:nvPr>
+                <p:ph idx="1"/>
+              </p:nvPr>
+            </p:nvSpPr>
+            <p:spPr>
+              <a:xfrm>
+                <a:off x="253354" y="1111624"/>
+                <a:ext cx="11938646" cy="5746376"/>
+              </a:xfrm>
+              <a:blipFill>
+                <a:blip r:embed="rId2"/>
+                <a:stretch>
+                  <a:fillRect l="-562" t="-2545" b="-636"/>
+                </a:stretch>
+              </a:blipFill>
+            </p:spPr>
+            <p:txBody>
+              <a:bodyPr/>
+              <a:lstStyle/>
+              <a:p>
+                <a:r>
+                  <a:rPr lang="en-IN">
+                    <a:noFill/>
+                  </a:rPr>
+                  <a:t> </a:t>
+                </a:r>
+              </a:p>
+            </p:txBody>
+          </p:sp>
+        </mc:Fallback>
+      </mc:AlternateContent>
+      <p:sp>
+        <p:nvSpPr>
+          <p:cNvPr id="4" name="Slide Number Placeholder 3"/>
+          <p:cNvSpPr>
+            <a:spLocks noGrp="1"/>
+          </p:cNvSpPr>
+          <p:nvPr>
+            <p:ph type="sldNum" sz="quarter" idx="12"/>
+          </p:nvPr>
+        </p:nvSpPr>
+        <p:spPr/>
+        <p:txBody>
+          <a:bodyPr/>
+          <a:lstStyle/>
+          <a:p>
+            <a:fld id="{157B8E69-23A9-4619-9CFE-E27BFD8A78F9}" type="slidenum">
+              <a:rPr lang="en-US" smtClean="0"/>
+              <a:t>19</a:t>
+            </a:fld>
+            <a:endParaRPr lang="en-US"/>
+          </a:p>
+        </p:txBody>
+      </p:sp>
+    </p:spTree>
+    <p:extLst>
+      <p:ext uri="{BB962C8B-B14F-4D97-AF65-F5344CB8AC3E}">
+        <p14:creationId xmlns:p14="http://schemas.microsoft.com/office/powerpoint/2010/main" val="2579466059"/>
+      </p:ext>
+    </p:extLst>
+  </p:cSld>
+  <p:clrMapOvr>
+    <a:masterClrMapping/>
+  </p:clrMapOvr>
+  <p:timing>
+    <p:tnLst>
+      <p:par>
+        <p:cTn id="1" dur="indefinite" restart="never" nodeType="tmRoot">
+          <p:childTnLst>
+            <p:seq concurrent="1" nextAc="seek">
+              <p:cTn id="2" dur="indefinite" nodeType="mainSeq">
+                <p:childTnLst>
+                  <p:par>
+                    <p:cTn id="3" fill="hold">
+                      <p:stCondLst>
+                        <p:cond delay="indefinite"/>
+                      </p:stCondLst>
+                      <p:childTnLst>
+                        <p:par>
+                          <p:cTn id="4" fill="hold">
+                            <p:stCondLst>
+                              <p:cond delay="0"/>
+                            </p:stCondLst>
+                            <p:childTnLst>
+                              <p:par>
+                                <p:cTn id="5" presetID="1" presetClass="entr" presetSubtype="0" fill="hold" grpId="0" nodeType="clickEffect">
+                                  <p:stCondLst>
+                                    <p:cond delay="0"/>
+                                  </p:stCondLst>
+                                  <p:childTnLst>
+                                    <p:set>
+                                      <p:cBhvr>
+                                        <p:cTn id="6" dur="1" fill="hold">
+                                          <p:stCondLst>
+                                            <p:cond delay="0"/>
+                                          </p:stCondLst>
+                                        </p:cTn>
+                                        <p:tgtEl>
+                                          <p:spTgt spid="3">
+                                            <p:txEl>
+                                              <p:pRg st="0" end="0"/>
+                                            </p:txEl>
+                                          </p:spTgt>
+                                        </p:tgtEl>
+                                        <p:attrNameLst>
+                                          <p:attrName>style.visibility</p:attrName>
+                                        </p:attrNameLst>
+                                      </p:cBhvr>
+                                      <p:to>
+                                        <p:strVal val="visible"/>
+                                      </p:to>
+                                    </p:set>
+                                  </p:childTnLst>
+                                </p:cTn>
+                              </p:par>
+                            </p:childTnLst>
+                          </p:cTn>
+                        </p:par>
+                      </p:childTnLst>
+                    </p:cTn>
+                  </p:par>
+                  <p:par>
+                    <p:cTn id="7" fill="hold">
+                      <p:stCondLst>
+                        <p:cond delay="indefinite"/>
+                      </p:stCondLst>
+                      <p:childTnLst>
+                        <p:par>
+                          <p:cTn id="8" fill="hold">
+                            <p:stCondLst>
+                              <p:cond delay="0"/>
+                            </p:stCondLst>
+                            <p:childTnLst>
+                              <p:par>
+                                <p:cTn id="9" presetID="1" presetClass="entr" presetSubtype="0" fill="hold" grpId="0" nodeType="clickEffect">
+                                  <p:stCondLst>
+                                    <p:cond delay="0"/>
+                                  </p:stCondLst>
+                                  <p:childTnLst>
+                                    <p:set>
+                                      <p:cBhvr>
+                                        <p:cTn id="10" dur="1" fill="hold">
+                                          <p:stCondLst>
+                                            <p:cond delay="0"/>
+                                          </p:stCondLst>
+                                        </p:cTn>
+                                        <p:tgtEl>
+                                          <p:spTgt spid="3">
+                                            <p:txEl>
+                                              <p:pRg st="1" end="1"/>
+                                            </p:txEl>
+                                          </p:spTgt>
+                                        </p:tgtEl>
+                                        <p:attrNameLst>
+                                          <p:attrName>style.visibility</p:attrName>
+                                        </p:attrNameLst>
+                                      </p:cBhvr>
+                                      <p:to>
+                                        <p:strVal val="visible"/>
+                                      </p:to>
+                                    </p:set>
+                                  </p:childTnLst>
+                                </p:cTn>
+                              </p:par>
+                            </p:childTnLst>
+                          </p:cTn>
+                        </p:par>
+                      </p:childTnLst>
+                    </p:cTn>
+                  </p:par>
+                  <p:par>
+                    <p:cTn id="11" fill="hold">
+                      <p:stCondLst>
+                        <p:cond delay="indefinite"/>
+                      </p:stCondLst>
+                      <p:childTnLst>
+                        <p:par>
+                          <p:cTn id="12" fill="hold">
+                            <p:stCondLst>
+                              <p:cond delay="0"/>
+                            </p:stCondLst>
+                            <p:childTnLst>
+                              <p:par>
+                                <p:cTn id="13" presetID="1" presetClass="entr" presetSubtype="0" fill="hold" grpId="0" nodeType="clickEffect">
+                                  <p:stCondLst>
+                                    <p:cond delay="0"/>
+                                  </p:stCondLst>
+                                  <p:childTnLst>
+                                    <p:set>
+                                      <p:cBhvr>
+                                        <p:cTn id="14" dur="1" fill="hold">
+                                          <p:stCondLst>
+                                            <p:cond delay="0"/>
+                                          </p:stCondLst>
+                                        </p:cTn>
+                                        <p:tgtEl>
+                                          <p:spTgt spid="3">
+                                            <p:txEl>
+                                              <p:pRg st="2" end="2"/>
+                                            </p:txEl>
+                                          </p:spTgt>
+                                        </p:tgtEl>
+                                        <p:attrNameLst>
+                                          <p:attrName>style.visibility</p:attrName>
+                                        </p:attrNameLst>
+                                      </p:cBhvr>
+                                      <p:to>
+                                        <p:strVal val="visible"/>
+                                      </p:to>
+                                    </p:set>
+                                  </p:childTnLst>
+                                </p:cTn>
+                              </p:par>
+                            </p:childTnLst>
+                          </p:cTn>
+                        </p:par>
+                      </p:childTnLst>
+                    </p:cTn>
+                  </p:par>
+                  <p:par>
+                    <p:cTn id="15" fill="hold">
+                      <p:stCondLst>
+                        <p:cond delay="indefinite"/>
+                      </p:stCondLst>
+                      <p:childTnLst>
+                        <p:par>
+                          <p:cTn id="16" fill="hold">
+                            <p:stCondLst>
+                              <p:cond delay="0"/>
+                            </p:stCondLst>
+                            <p:childTnLst>
+                              <p:par>
+                                <p:cTn id="17" presetID="1" presetClass="entr" presetSubtype="0" fill="hold" grpId="0" nodeType="clickEffect">
+                                  <p:stCondLst>
+                                    <p:cond delay="0"/>
+                                  </p:stCondLst>
+                                  <p:childTnLst>
+                                    <p:set>
+                                      <p:cBhvr>
+                                        <p:cTn id="18" dur="1" fill="hold">
+                                          <p:stCondLst>
+                                            <p:cond delay="0"/>
+                                          </p:stCondLst>
+                                        </p:cTn>
+                                        <p:tgtEl>
+                                          <p:spTgt spid="3">
+                                            <p:txEl>
+                                              <p:pRg st="3" end="3"/>
+                                            </p:txEl>
+                                          </p:spTgt>
+                                        </p:tgtEl>
+                                        <p:attrNameLst>
+                                          <p:attrName>style.visibility</p:attrName>
+                                        </p:attrNameLst>
+                                      </p:cBhvr>
+                                      <p:to>
+                                        <p:strVal val="visible"/>
+                                      </p:to>
+                                    </p:set>
+                                  </p:childTnLst>
+                                </p:cTn>
+                              </p:par>
+                            </p:childTnLst>
+                          </p:cTn>
+                        </p:par>
+                      </p:childTnLst>
+                    </p:cTn>
+                  </p:par>
+                  <p:par>
+                    <p:cTn id="19" fill="hold">
+                      <p:stCondLst>
+                        <p:cond delay="indefinite"/>
+                      </p:stCondLst>
+                      <p:childTnLst>
+                        <p:par>
+                          <p:cTn id="20" fill="hold">
+                            <p:stCondLst>
+                              <p:cond delay="0"/>
+                            </p:stCondLst>
+                            <p:childTnLst>
+                              <p:par>
+                                <p:cTn id="21" presetID="1" presetClass="entr" presetSubtype="0" fill="hold" grpId="0" nodeType="clickEffect">
+                                  <p:stCondLst>
+                                    <p:cond delay="0"/>
+                                  </p:stCondLst>
+                                  <p:childTnLst>
+                                    <p:set>
+                                      <p:cBhvr>
+                                        <p:cTn id="22" dur="1" fill="hold">
+                                          <p:stCondLst>
+                                            <p:cond delay="0"/>
+                                          </p:stCondLst>
+                                        </p:cTn>
+                                        <p:tgtEl>
+                                          <p:spTgt spid="3">
+                                            <p:txEl>
+                                              <p:pRg st="4" end="4"/>
+                                            </p:txEl>
+                                          </p:spTgt>
+                                        </p:tgtEl>
+                                        <p:attrNameLst>
+                                          <p:attrName>style.visibility</p:attrName>
+                                        </p:attrNameLst>
+                                      </p:cBhvr>
+                                      <p:to>
+                                        <p:strVal val="visible"/>
+                                      </p:to>
+                                    </p:set>
+                                  </p:childTnLst>
+                                </p:cTn>
+                              </p:par>
+                            </p:childTnLst>
+                          </p:cTn>
+                        </p:par>
+                      </p:childTnLst>
+                    </p:cTn>
+                  </p:par>
+                  <p:par>
+                    <p:cTn id="23" fill="hold">
+                      <p:stCondLst>
+                        <p:cond delay="indefinite"/>
+                      </p:stCondLst>
+                      <p:childTnLst>
+                        <p:par>
+                          <p:cTn id="24" fill="hold">
+                            <p:stCondLst>
+                              <p:cond delay="0"/>
+                            </p:stCondLst>
+                            <p:childTnLst>
+                              <p:par>
+                                <p:cTn id="25" presetID="1" presetClass="entr" presetSubtype="0" fill="hold" grpId="0" nodeType="clickEffect">
+                                  <p:stCondLst>
+                                    <p:cond delay="0"/>
+                                  </p:stCondLst>
+                                  <p:childTnLst>
+                                    <p:set>
+                                      <p:cBhvr>
+                                        <p:cTn id="26" dur="1" fill="hold">
+                                          <p:stCondLst>
+                                            <p:cond delay="0"/>
+                                          </p:stCondLst>
+                                        </p:cTn>
+                                        <p:tgtEl>
+                                          <p:spTgt spid="3">
+                                            <p:txEl>
+                                              <p:pRg st="5" end="5"/>
+                                            </p:txEl>
+                                          </p:spTgt>
+                                        </p:tgtEl>
+                                        <p:attrNameLst>
+                                          <p:attrName>style.visibility</p:attrName>
+                                        </p:attrNameLst>
+                                      </p:cBhvr>
+                                      <p:to>
+                                        <p:strVal val="visible"/>
+                                      </p:to>
+                                    </p:set>
+                                  </p:childTnLst>
+                                </p:cTn>
+                              </p:par>
+                            </p:childTnLst>
+                          </p:cTn>
+                        </p:par>
+                      </p:childTnLst>
+                    </p:cTn>
+                  </p:par>
+                  <p:par>
+                    <p:cTn id="27" fill="hold">
+                      <p:stCondLst>
+                        <p:cond delay="indefinite"/>
+                      </p:stCondLst>
+                      <p:childTnLst>
+                        <p:par>
+                          <p:cTn id="28" fill="hold">
+                            <p:stCondLst>
+                              <p:cond delay="0"/>
+                            </p:stCondLst>
+                            <p:childTnLst>
+                              <p:par>
+                                <p:cTn id="29" presetID="1" presetClass="entr" presetSubtype="0" fill="hold" grpId="0" nodeType="clickEffect">
+                                  <p:stCondLst>
+                                    <p:cond delay="0"/>
+                                  </p:stCondLst>
+                                  <p:childTnLst>
+                                    <p:set>
+                                      <p:cBhvr>
+                                        <p:cTn id="30" dur="1" fill="hold">
+                                          <p:stCondLst>
+                                            <p:cond delay="0"/>
+                                          </p:stCondLst>
+                                        </p:cTn>
+                                        <p:tgtEl>
+                                          <p:spTgt spid="3">
+                                            <p:txEl>
+                                              <p:pRg st="6" end="6"/>
+                                            </p:txEl>
+                                          </p:spTgt>
+                                        </p:tgtEl>
+                                        <p:attrNameLst>
+                                          <p:attrName>style.visibility</p:attrName>
+                                        </p:attrNameLst>
+                                      </p:cBhvr>
+                                      <p:to>
+                                        <p:strVal val="visible"/>
+                                      </p:to>
+                                    </p:set>
+                                  </p:childTnLst>
+                                </p:cTn>
+                              </p:par>
+                            </p:childTnLst>
+                          </p:cTn>
+                        </p:par>
+                      </p:childTnLst>
+                    </p:cTn>
+                  </p:par>
+                  <p:par>
+                    <p:cTn id="31" fill="hold">
+                      <p:stCondLst>
+                        <p:cond delay="indefinite"/>
+                      </p:stCondLst>
+                      <p:childTnLst>
+                        <p:par>
+                          <p:cTn id="32" fill="hold">
+                            <p:stCondLst>
+                              <p:cond delay="0"/>
+                            </p:stCondLst>
+                            <p:childTnLst>
+                              <p:par>
+                                <p:cTn id="33" presetID="1" presetClass="entr" presetSubtype="0" fill="hold" grpId="0" nodeType="clickEffect">
+                                  <p:stCondLst>
+                                    <p:cond delay="0"/>
+                                  </p:stCondLst>
+                                  <p:childTnLst>
+                                    <p:set>
+                                      <p:cBhvr>
+                                        <p:cTn id="34" dur="1" fill="hold">
+                                          <p:stCondLst>
+                                            <p:cond delay="0"/>
+                                          </p:stCondLst>
+                                        </p:cTn>
+                                        <p:tgtEl>
+                                          <p:spTgt spid="3">
+                                            <p:txEl>
+                                              <p:pRg st="7" end="7"/>
+                                            </p:txEl>
+                                          </p:spTgt>
+                                        </p:tgtEl>
+                                        <p:attrNameLst>
+                                          <p:attrName>style.visibility</p:attrName>
+                                        </p:attrNameLst>
+                                      </p:cBhvr>
+                                      <p:to>
+                                        <p:strVal val="visible"/>
+                                      </p:to>
+                                    </p:set>
+                                  </p:childTnLst>
+                                </p:cTn>
+                              </p:par>
+                            </p:childTnLst>
+                          </p:cTn>
+                        </p:par>
+                      </p:childTnLst>
+                    </p:cTn>
+                  </p:par>
+                  <p:par>
+                    <p:cTn id="35" fill="hold">
+                      <p:stCondLst>
+                        <p:cond delay="indefinite"/>
+                      </p:stCondLst>
+                      <p:childTnLst>
+                        <p:par>
+                          <p:cTn id="36" fill="hold">
+                            <p:stCondLst>
+                              <p:cond delay="0"/>
+                            </p:stCondLst>
+                            <p:childTnLst>
+                              <p:par>
+                                <p:cTn id="37" presetID="1" presetClass="entr" presetSubtype="0" fill="hold" grpId="0" nodeType="clickEffect">
+                                  <p:stCondLst>
+                                    <p:cond delay="0"/>
+                                  </p:stCondLst>
+                                  <p:childTnLst>
+                                    <p:set>
+                                      <p:cBhvr>
+                                        <p:cTn id="38" dur="1" fill="hold">
+                                          <p:stCondLst>
+                                            <p:cond delay="0"/>
+                                          </p:stCondLst>
+                                        </p:cTn>
+                                        <p:tgtEl>
+                                          <p:spTgt spid="3">
+                                            <p:txEl>
+                                              <p:pRg st="8" end="8"/>
+                                            </p:txEl>
+                                          </p:spTgt>
+                                        </p:tgtEl>
+                                        <p:attrNameLst>
+                                          <p:attrName>style.visibility</p:attrName>
+                                        </p:attrNameLst>
+                                      </p:cBhvr>
+                                      <p:to>
+                                        <p:strVal val="visible"/>
+                                      </p:to>
+                                    </p:set>
+                                  </p:childTnLst>
+                                </p:cTn>
+                              </p:par>
+                            </p:childTnLst>
+                          </p:cTn>
+                        </p:par>
+                      </p:childTnLst>
+                    </p:cTn>
+                  </p:par>
+                  <p:par>
+                    <p:cTn id="39" fill="hold">
+                      <p:stCondLst>
+                        <p:cond delay="indefinite"/>
+                      </p:stCondLst>
+                      <p:childTnLst>
+                        <p:par>
+                          <p:cTn id="40" fill="hold">
+                            <p:stCondLst>
+                              <p:cond delay="0"/>
+                            </p:stCondLst>
+                            <p:childTnLst>
+                              <p:par>
+                                <p:cTn id="41" presetID="1" presetClass="entr" presetSubtype="0" fill="hold" grpId="0" nodeType="clickEffect">
+                                  <p:stCondLst>
+                                    <p:cond delay="0"/>
+                                  </p:stCondLst>
+                                  <p:childTnLst>
+                                    <p:set>
+                                      <p:cBhvr>
+                                        <p:cTn id="42" dur="1" fill="hold">
+                                          <p:stCondLst>
+                                            <p:cond delay="0"/>
+                                          </p:stCondLst>
+                                        </p:cTn>
+                                        <p:tgtEl>
+                                          <p:spTgt spid="3">
+                                            <p:txEl>
+                                              <p:pRg st="9" end="9"/>
+                                            </p:txEl>
+                                          </p:spTgt>
+                                        </p:tgtEl>
+                                        <p:attrNameLst>
+                                          <p:attrName>style.visibility</p:attrName>
+                                        </p:attrNameLst>
+                                      </p:cBhvr>
+                                      <p:to>
+                                        <p:strVal val="visible"/>
+                                      </p:to>
+                                    </p:set>
+                                  </p:childTnLst>
+                                </p:cTn>
+                              </p:par>
+                            </p:childTnLst>
+                          </p:cTn>
+                        </p:par>
+                      </p:childTnLst>
+                    </p:cTn>
+                  </p:par>
+                  <p:par>
+                    <p:cTn id="43" fill="hold">
+                      <p:stCondLst>
+                        <p:cond delay="indefinite"/>
+                      </p:stCondLst>
+                      <p:childTnLst>
+                        <p:par>
+                          <p:cTn id="44" fill="hold">
+                            <p:stCondLst>
+                              <p:cond delay="0"/>
+                            </p:stCondLst>
+                            <p:childTnLst>
+                              <p:par>
+                                <p:cTn id="45" presetID="1" presetClass="entr" presetSubtype="0" fill="hold" grpId="0" nodeType="clickEffect">
+                                  <p:stCondLst>
+                                    <p:cond delay="0"/>
+                                  </p:stCondLst>
+                                  <p:childTnLst>
+                                    <p:set>
+                                      <p:cBhvr>
+                                        <p:cTn id="46" dur="1" fill="hold">
+                                          <p:stCondLst>
+                                            <p:cond delay="0"/>
+                                          </p:stCondLst>
+                                        </p:cTn>
+                                        <p:tgtEl>
+                                          <p:spTgt spid="3">
+                                            <p:txEl>
+                                              <p:pRg st="10" end="10"/>
+                                            </p:txEl>
+                                          </p:spTgt>
+                                        </p:tgtEl>
+                                        <p:attrNameLst>
+                                          <p:attrName>style.visibility</p:attrName>
+                                        </p:attrNameLst>
+                                      </p:cBhvr>
+                                      <p:to>
+                                        <p:strVal val="visible"/>
+                                      </p:to>
+                                    </p:set>
+                                  </p:childTnLst>
+                                </p:cTn>
+                              </p:par>
+                            </p:childTnLst>
+                          </p:cTn>
+                        </p:par>
+                      </p:childTnLst>
+                    </p:cTn>
+                  </p:par>
+                </p:childTnLst>
+              </p:cTn>
+              <p:prevCondLst>
+                <p:cond evt="onPrev" delay="0">
+                  <p:tgtEl>
+                    <p:sldTgt/>
+                  </p:tgtEl>
+                </p:cond>
+              </p:prevCondLst>
+              <p:nextCondLst>
+                <p:cond evt="onNext" delay="0">
+                  <p:tgtEl>
+                    <p:sldTgt/>
+                  </p:tgtEl>
+                </p:cond>
+              </p:nextCondLst>
+            </p:seq>
+          </p:childTnLst>
+        </p:cTn>
+      </p:par>
+    </p:tnLst>
+    <p:bldLst>
+      <p:bldP spid="3" grpId="0" uiExpand="1" build="p"/>
+    </p:bldLst>
+  </p:timing>
+</p:sld>
+</file>
+
 <file path=ppt/slides/slide2.xml><?xml version="1.0" encoding="utf-8"?>
 <p:sld xmlns:a="http://schemas.openxmlformats.org/drawingml/2006/main" xmlns:r="http://schemas.openxmlformats.org/officeDocument/2006/relationships" xmlns:p="http://schemas.openxmlformats.org/presentationml/2006/main">
   <p:cSld>
@@ -18061,8 +19698,8 @@
           </a:p>
         </p:txBody>
       </p:sp>
-      <mc:AlternateContent xmlns:mc="http://schemas.openxmlformats.org/markup-compatibility/2006">
-        <mc:Choice xmlns:a14="http://schemas.microsoft.com/office/drawing/2010/main" Requires="a14">
+      <mc:AlternateContent xmlns:mc="http://schemas.openxmlformats.org/markup-compatibility/2006" xmlns:a14="http://schemas.microsoft.com/office/drawing/2010/main">
+        <mc:Choice Requires="a14">
           <p:sp>
             <p:nvSpPr>
               <p:cNvPr id="6" name="Text Placeholder 5"/>
@@ -18093,20 +19730,11 @@
                   <a:rPr lang="en-IN" dirty="0" smtClean="0"/>
                   <a:t>Practical issues with GD variants</a:t>
                 </a:r>
-                <a:endParaRPr lang="en-IN" dirty="0" smtClean="0"/>
               </a:p>
               <a:p>
                 <a:r>
                   <a:rPr lang="en-IN" dirty="0" smtClean="0"/>
-                  <a:t>We will c</a:t>
-                </a:r>
-                <a:r>
-                  <a:rPr lang="en-IN" dirty="0" smtClean="0"/>
-                  <a:t>onsider </a:t>
-                </a:r>
-                <a:r>
-                  <a:rPr lang="en-IN" dirty="0" smtClean="0"/>
-                  <a:t>the following generic optimization problem</a:t>
+                  <a:t>We will consider the following generic optimization problem</a:t>
                 </a:r>
                 <a:br>
                   <a:rPr lang="en-IN" dirty="0" smtClean="0"/>
@@ -18476,7 +20104,7 @@
             </p:txBody>
           </p:sp>
         </mc:Choice>
-        <mc:Fallback>
+        <mc:Fallback xmlns="">
           <p:sp>
             <p:nvSpPr>
               <p:cNvPr id="6" name="Text Placeholder 5"/>
@@ -19008,8 +20636,8 @@
           </p:txBody>
         </p:sp>
       </p:grpSp>
-      <mc:AlternateContent xmlns:mc="http://schemas.openxmlformats.org/markup-compatibility/2006">
-        <mc:Choice xmlns:a14="http://schemas.microsoft.com/office/drawing/2010/main" Requires="a14">
+      <mc:AlternateContent xmlns:mc="http://schemas.openxmlformats.org/markup-compatibility/2006" xmlns:a14="http://schemas.microsoft.com/office/drawing/2010/main">
+        <mc:Choice Requires="a14">
           <p:sp>
             <p:nvSpPr>
               <p:cNvPr id="13" name="Rectangular Callout 12"/>
@@ -19160,7 +20788,7 @@
             </p:txBody>
           </p:sp>
         </mc:Choice>
-        <mc:Fallback>
+        <mc:Fallback xmlns="">
           <p:sp>
             <p:nvSpPr>
               <p:cNvPr id="13" name="Rectangular Callout 12"/>
@@ -19539,6 +21167,5717 @@
 </p:sld>
 </file>
 
+<file path=ppt/slides/slide20.xml><?xml version="1.0" encoding="utf-8"?>
+<p:sld xmlns:a="http://schemas.openxmlformats.org/drawingml/2006/main" xmlns:r="http://schemas.openxmlformats.org/officeDocument/2006/relationships" xmlns:p="http://schemas.openxmlformats.org/presentationml/2006/main">
+  <p:cSld>
+    <p:spTree>
+      <p:nvGrpSpPr>
+        <p:cNvPr id="1" name=""/>
+        <p:cNvGrpSpPr/>
+        <p:nvPr/>
+      </p:nvGrpSpPr>
+      <p:grpSpPr>
+        <a:xfrm>
+          <a:off x="0" y="0"/>
+          <a:ext cx="0" cy="0"/>
+          <a:chOff x="0" y="0"/>
+          <a:chExt cx="0" cy="0"/>
+        </a:xfrm>
+      </p:grpSpPr>
+      <p:sp>
+        <p:nvSpPr>
+          <p:cNvPr id="2" name="Title 1"/>
+          <p:cNvSpPr>
+            <a:spLocks noGrp="1"/>
+          </p:cNvSpPr>
+          <p:nvPr>
+            <p:ph type="title"/>
+          </p:nvPr>
+        </p:nvSpPr>
+        <p:spPr/>
+        <p:txBody>
+          <a:bodyPr/>
+          <a:lstStyle/>
+          <a:p>
+            <a:r>
+              <a:rPr lang="en-IN" dirty="0"/>
+              <a:t>How to choose Step Length?</a:t>
+            </a:r>
+          </a:p>
+        </p:txBody>
+      </p:sp>
+      <mc:AlternateContent xmlns:mc="http://schemas.openxmlformats.org/markup-compatibility/2006" xmlns:a14="http://schemas.microsoft.com/office/drawing/2010/main">
+        <mc:Choice Requires="a14">
+          <p:sp>
+            <p:nvSpPr>
+              <p:cNvPr id="3" name="Content Placeholder 2"/>
+              <p:cNvSpPr>
+                <a:spLocks noGrp="1"/>
+              </p:cNvSpPr>
+              <p:nvPr>
+                <p:ph idx="1"/>
+              </p:nvPr>
+            </p:nvSpPr>
+            <p:spPr>
+              <a:xfrm>
+                <a:off x="253354" y="1111624"/>
+                <a:ext cx="11600328" cy="5746376"/>
+              </a:xfrm>
+            </p:spPr>
+            <p:txBody>
+              <a:bodyPr>
+                <a:normAutofit/>
+              </a:bodyPr>
+              <a:lstStyle/>
+              <a:p>
+                <a:r>
+                  <a:rPr lang="en-IN" dirty="0">
+                    <a:sym typeface="Wingdings" panose="05000000000000000000" pitchFamily="2" charset="2"/>
+                  </a:rPr>
+                  <a:t>For not so well behaved convex functions and non-convex functions, there exist several heuristics – no guarantee they will always work </a:t>
+                </a:r>
+              </a:p>
+              <a:p>
+                <a:pPr lvl="1"/>
+                <a:r>
+                  <a:rPr lang="en-IN" b="1" dirty="0">
+                    <a:sym typeface="Wingdings" panose="05000000000000000000" pitchFamily="2" charset="2"/>
+                  </a:rPr>
+                  <a:t>Line-search Techniques</a:t>
+                </a:r>
+                <a:r>
+                  <a:rPr lang="en-IN" dirty="0">
+                    <a:sym typeface="Wingdings" panose="05000000000000000000" pitchFamily="2" charset="2"/>
+                  </a:rPr>
+                  <a:t>: find the best step length every time</a:t>
+                </a:r>
+                <a:br>
+                  <a:rPr lang="en-IN" dirty="0">
+                    <a:sym typeface="Wingdings" panose="05000000000000000000" pitchFamily="2" charset="2"/>
+                  </a:rPr>
+                </a:br>
+                <a14:m>
+                  <m:oMath xmlns:m="http://schemas.openxmlformats.org/officeDocument/2006/math">
+                    <m:sSub>
+                      <m:sSubPr>
+                        <m:ctrlPr>
+                          <a:rPr lang="en-IN" i="1">
+                            <a:latin typeface="Cambria Math" panose="02040503050406030204" pitchFamily="18" charset="0"/>
+                          </a:rPr>
+                        </m:ctrlPr>
+                      </m:sSubPr>
+                      <m:e>
+                        <m:r>
+                          <a:rPr lang="en-IN" i="1">
+                            <a:latin typeface="Cambria Math" panose="02040503050406030204" pitchFamily="18" charset="0"/>
+                          </a:rPr>
+                          <m:t>𝜂</m:t>
+                        </m:r>
+                      </m:e>
+                      <m:sub>
+                        <m:r>
+                          <a:rPr lang="en-IN" i="1">
+                            <a:latin typeface="Cambria Math" panose="02040503050406030204" pitchFamily="18" charset="0"/>
+                          </a:rPr>
+                          <m:t>𝑡</m:t>
+                        </m:r>
+                      </m:sub>
+                    </m:sSub>
+                    <m:r>
+                      <a:rPr lang="en-IN" i="1">
+                        <a:latin typeface="Cambria Math" panose="02040503050406030204" pitchFamily="18" charset="0"/>
+                      </a:rPr>
+                      <m:t>=</m:t>
+                    </m:r>
+                    <m:func>
+                      <m:funcPr>
+                        <m:ctrlPr>
+                          <a:rPr lang="en-IN" i="1">
+                            <a:latin typeface="Cambria Math" panose="02040503050406030204" pitchFamily="18" charset="0"/>
+                          </a:rPr>
+                        </m:ctrlPr>
+                      </m:funcPr>
+                      <m:fName>
+                        <m:r>
+                          <m:rPr>
+                            <m:sty m:val="p"/>
+                          </m:rPr>
+                          <a:rPr lang="en-IN">
+                            <a:latin typeface="Cambria Math" panose="02040503050406030204" pitchFamily="18" charset="0"/>
+                          </a:rPr>
+                          <m:t>arg</m:t>
+                        </m:r>
+                      </m:fName>
+                      <m:e>
+                        <m:func>
+                          <m:funcPr>
+                            <m:ctrlPr>
+                              <a:rPr lang="en-IN" i="1">
+                                <a:latin typeface="Cambria Math" panose="02040503050406030204" pitchFamily="18" charset="0"/>
+                              </a:rPr>
+                            </m:ctrlPr>
+                          </m:funcPr>
+                          <m:fName>
+                            <m:limLow>
+                              <m:limLowPr>
+                                <m:ctrlPr>
+                                  <a:rPr lang="en-IN" i="1">
+                                    <a:latin typeface="Cambria Math" panose="02040503050406030204" pitchFamily="18" charset="0"/>
+                                  </a:rPr>
+                                </m:ctrlPr>
+                              </m:limLowPr>
+                              <m:e>
+                                <m:r>
+                                  <m:rPr>
+                                    <m:sty m:val="p"/>
+                                  </m:rPr>
+                                  <a:rPr lang="en-IN">
+                                    <a:latin typeface="Cambria Math" panose="02040503050406030204" pitchFamily="18" charset="0"/>
+                                  </a:rPr>
+                                  <m:t>min</m:t>
+                                </m:r>
+                              </m:e>
+                              <m:lim>
+                                <m:r>
+                                  <a:rPr lang="en-IN" i="1">
+                                    <a:latin typeface="Cambria Math" panose="02040503050406030204" pitchFamily="18" charset="0"/>
+                                  </a:rPr>
+                                  <m:t>𝜂</m:t>
+                                </m:r>
+                                <m:r>
+                                  <a:rPr lang="en-IN" i="1">
+                                    <a:latin typeface="Cambria Math" panose="02040503050406030204" pitchFamily="18" charset="0"/>
+                                  </a:rPr>
+                                  <m:t>≥0</m:t>
+                                </m:r>
+                              </m:lim>
+                            </m:limLow>
+                          </m:fName>
+                          <m:e>
+                            <m:r>
+                              <a:rPr lang="en-IN" i="1">
+                                <a:latin typeface="Cambria Math" panose="02040503050406030204" pitchFamily="18" charset="0"/>
+                              </a:rPr>
+                              <m:t>𝑓</m:t>
+                            </m:r>
+                            <m:d>
+                              <m:dPr>
+                                <m:ctrlPr>
+                                  <a:rPr lang="en-IN" i="1">
+                                    <a:latin typeface="Cambria Math" panose="02040503050406030204" pitchFamily="18" charset="0"/>
+                                  </a:rPr>
+                                </m:ctrlPr>
+                              </m:dPr>
+                              <m:e>
+                                <m:sSup>
+                                  <m:sSupPr>
+                                    <m:ctrlPr>
+                                      <a:rPr lang="en-IN" i="1">
+                                        <a:latin typeface="Cambria Math" panose="02040503050406030204" pitchFamily="18" charset="0"/>
+                                      </a:rPr>
+                                    </m:ctrlPr>
+                                  </m:sSupPr>
+                                  <m:e>
+                                    <m:r>
+                                      <a:rPr lang="en-IN" b="1">
+                                        <a:latin typeface="Cambria Math" panose="02040503050406030204" pitchFamily="18" charset="0"/>
+                                      </a:rPr>
+                                      <m:t>𝐰</m:t>
+                                    </m:r>
+                                  </m:e>
+                                  <m:sup>
+                                    <m:r>
+                                      <a:rPr lang="en-IN" i="1">
+                                        <a:latin typeface="Cambria Math" panose="02040503050406030204" pitchFamily="18" charset="0"/>
+                                      </a:rPr>
+                                      <m:t>𝑡</m:t>
+                                    </m:r>
+                                  </m:sup>
+                                </m:sSup>
+                                <m:r>
+                                  <a:rPr lang="en-IN" i="1">
+                                    <a:latin typeface="Cambria Math" panose="02040503050406030204" pitchFamily="18" charset="0"/>
+                                  </a:rPr>
+                                  <m:t>−</m:t>
+                                </m:r>
+                                <m:r>
+                                  <a:rPr lang="en-IN" i="1">
+                                    <a:latin typeface="Cambria Math" panose="02040503050406030204" pitchFamily="18" charset="0"/>
+                                  </a:rPr>
+                                  <m:t>𝜂</m:t>
+                                </m:r>
+                                <m:r>
+                                  <a:rPr lang="en-IN" i="1">
+                                    <a:latin typeface="Cambria Math" panose="02040503050406030204" pitchFamily="18" charset="0"/>
+                                  </a:rPr>
+                                  <m:t>⋅</m:t>
+                                </m:r>
+                                <m:sSup>
+                                  <m:sSupPr>
+                                    <m:ctrlPr>
+                                      <a:rPr lang="en-IN" i="1">
+                                        <a:latin typeface="Cambria Math" panose="02040503050406030204" pitchFamily="18" charset="0"/>
+                                      </a:rPr>
+                                    </m:ctrlPr>
+                                  </m:sSupPr>
+                                  <m:e>
+                                    <m:r>
+                                      <a:rPr lang="en-IN" b="1">
+                                        <a:latin typeface="Cambria Math" panose="02040503050406030204" pitchFamily="18" charset="0"/>
+                                      </a:rPr>
+                                      <m:t>𝐠</m:t>
+                                    </m:r>
+                                  </m:e>
+                                  <m:sup>
+                                    <m:r>
+                                      <a:rPr lang="en-IN" i="1">
+                                        <a:latin typeface="Cambria Math" panose="02040503050406030204" pitchFamily="18" charset="0"/>
+                                      </a:rPr>
+                                      <m:t>𝑡</m:t>
+                                    </m:r>
+                                  </m:sup>
+                                </m:sSup>
+                              </m:e>
+                            </m:d>
+                          </m:e>
+                        </m:func>
+                      </m:e>
+                    </m:func>
+                  </m:oMath>
+                </a14:m>
+                <a:endParaRPr lang="en-IN" b="1" dirty="0">
+                  <a:sym typeface="Wingdings" panose="05000000000000000000" pitchFamily="2" charset="2"/>
+                </a:endParaRPr>
+              </a:p>
+              <a:p>
+                <a:pPr lvl="2"/>
+                <a:r>
+                  <a:rPr lang="en-IN" dirty="0">
+                    <a:sym typeface="Wingdings" panose="05000000000000000000" pitchFamily="2" charset="2"/>
+                  </a:rPr>
+                  <a:t>E.g. Armijo Rule: start by using with a decently large value of </a:t>
+                </a:r>
+                <a14:m>
+                  <m:oMath xmlns:m="http://schemas.openxmlformats.org/officeDocument/2006/math">
+                    <m:sSub>
+                      <m:sSubPr>
+                        <m:ctrlPr>
+                          <a:rPr lang="en-IN" i="1">
+                            <a:latin typeface="Cambria Math" panose="02040503050406030204" pitchFamily="18" charset="0"/>
+                            <a:sym typeface="Wingdings" panose="05000000000000000000" pitchFamily="2" charset="2"/>
+                          </a:rPr>
+                        </m:ctrlPr>
+                      </m:sSubPr>
+                      <m:e>
+                        <m:r>
+                          <a:rPr lang="en-IN">
+                            <a:latin typeface="Cambria Math" panose="02040503050406030204" pitchFamily="18" charset="0"/>
+                            <a:sym typeface="Wingdings" panose="05000000000000000000" pitchFamily="2" charset="2"/>
+                          </a:rPr>
+                          <m:t>𝜂</m:t>
+                        </m:r>
+                      </m:e>
+                      <m:sub>
+                        <m:r>
+                          <a:rPr lang="en-IN">
+                            <a:latin typeface="Cambria Math" panose="02040503050406030204" pitchFamily="18" charset="0"/>
+                            <a:sym typeface="Wingdings" panose="05000000000000000000" pitchFamily="2" charset="2"/>
+                          </a:rPr>
+                          <m:t>𝑡</m:t>
+                        </m:r>
+                      </m:sub>
+                    </m:sSub>
+                  </m:oMath>
+                </a14:m>
+                <a:r>
+                  <a:rPr lang="en-IN" dirty="0">
+                    <a:sym typeface="Wingdings" panose="05000000000000000000" pitchFamily="2" charset="2"/>
+                  </a:rPr>
+                  <a:t>, if objective function value does not reduce sufficiently, then reduce </a:t>
+                </a:r>
+                <a14:m>
+                  <m:oMath xmlns:m="http://schemas.openxmlformats.org/officeDocument/2006/math">
+                    <m:sSub>
+                      <m:sSubPr>
+                        <m:ctrlPr>
+                          <a:rPr lang="en-IN" i="1">
+                            <a:latin typeface="Cambria Math" panose="02040503050406030204" pitchFamily="18" charset="0"/>
+                            <a:sym typeface="Wingdings" panose="05000000000000000000" pitchFamily="2" charset="2"/>
+                          </a:rPr>
+                        </m:ctrlPr>
+                      </m:sSubPr>
+                      <m:e>
+                        <m:r>
+                          <a:rPr lang="en-IN">
+                            <a:latin typeface="Cambria Math" panose="02040503050406030204" pitchFamily="18" charset="0"/>
+                            <a:sym typeface="Wingdings" panose="05000000000000000000" pitchFamily="2" charset="2"/>
+                          </a:rPr>
+                          <m:t>𝜂</m:t>
+                        </m:r>
+                      </m:e>
+                      <m:sub>
+                        <m:r>
+                          <a:rPr lang="en-IN">
+                            <a:latin typeface="Cambria Math" panose="02040503050406030204" pitchFamily="18" charset="0"/>
+                            <a:sym typeface="Wingdings" panose="05000000000000000000" pitchFamily="2" charset="2"/>
+                          </a:rPr>
+                          <m:t>𝑡</m:t>
+                        </m:r>
+                      </m:sub>
+                    </m:sSub>
+                  </m:oMath>
+                </a14:m>
+                <a:r>
+                  <a:rPr lang="en-IN" dirty="0">
+                    <a:sym typeface="Wingdings" panose="05000000000000000000" pitchFamily="2" charset="2"/>
+                  </a:rPr>
+                  <a:t> and try again</a:t>
+                </a:r>
+              </a:p>
+              <a:p>
+                <a:pPr lvl="2"/>
+                <a:r>
+                  <a:rPr lang="en-IN" dirty="0"/>
+                  <a:t>Line search can be expensive as it involves multiple GD steps, </a:t>
+                </a:r>
+                <a:r>
+                  <a:rPr lang="en-IN" dirty="0" err="1"/>
+                  <a:t>fn</a:t>
+                </a:r>
+                <a:r>
+                  <a:rPr lang="en-IN" dirty="0"/>
+                  <a:t> </a:t>
+                </a:r>
+                <a:r>
+                  <a:rPr lang="en-IN" dirty="0" smtClean="0"/>
+                  <a:t>evaluations</a:t>
+                </a:r>
+              </a:p>
+              <a:p>
+                <a:r>
+                  <a:rPr lang="en-IN" dirty="0"/>
+                  <a:t>C</a:t>
+                </a:r>
+                <a:r>
+                  <a:rPr lang="en-IN" dirty="0" smtClean="0"/>
+                  <a:t>heaper </a:t>
+                </a:r>
+                <a:r>
+                  <a:rPr lang="en-IN" dirty="0"/>
+                  <a:t>“adaptive” techniques </a:t>
+                </a:r>
+                <a:r>
+                  <a:rPr lang="en-IN" dirty="0" smtClean="0"/>
+                  <a:t>exist – these employ several tricks</a:t>
+                </a:r>
+                <a:endParaRPr lang="en-IN" dirty="0"/>
+              </a:p>
+              <a:p>
+                <a:pPr lvl="2"/>
+                <a:r>
+                  <a:rPr lang="en-IN" dirty="0" smtClean="0"/>
+                  <a:t>U</a:t>
+                </a:r>
+                <a:r>
+                  <a:rPr lang="en-IN" dirty="0" smtClean="0">
+                    <a:sym typeface="Wingdings" panose="05000000000000000000" pitchFamily="2" charset="2"/>
+                  </a:rPr>
+                  <a:t>se </a:t>
+                </a:r>
+                <a:r>
+                  <a:rPr lang="en-IN" dirty="0">
+                    <a:sym typeface="Wingdings" panose="05000000000000000000" pitchFamily="2" charset="2"/>
+                  </a:rPr>
+                  <a:t>a different step length for each dimension of </a:t>
+                </a:r>
+                <a14:m>
+                  <m:oMath xmlns:m="http://schemas.openxmlformats.org/officeDocument/2006/math">
+                    <m:r>
+                      <a:rPr lang="en-IN" b="1">
+                        <a:latin typeface="Cambria Math" panose="02040503050406030204" pitchFamily="18" charset="0"/>
+                        <a:sym typeface="Wingdings" panose="05000000000000000000" pitchFamily="2" charset="2"/>
+                      </a:rPr>
+                      <m:t>𝐰</m:t>
+                    </m:r>
+                  </m:oMath>
+                </a14:m>
+                <a:r>
+                  <a:rPr lang="en-IN" b="1" dirty="0">
+                    <a:sym typeface="Wingdings" panose="05000000000000000000" pitchFamily="2" charset="2"/>
+                  </a:rPr>
+                  <a:t> </a:t>
+                </a:r>
+                <a:r>
+                  <a:rPr lang="en-IN" dirty="0">
+                    <a:sym typeface="Wingdings" panose="05000000000000000000" pitchFamily="2" charset="2"/>
+                  </a:rPr>
+                  <a:t>(e.g. </a:t>
+                </a:r>
+                <a:r>
+                  <a:rPr lang="en-IN" dirty="0" err="1">
+                    <a:sym typeface="Wingdings" panose="05000000000000000000" pitchFamily="2" charset="2"/>
+                  </a:rPr>
+                  <a:t>Adagrad</a:t>
+                </a:r>
+                <a:r>
+                  <a:rPr lang="en-IN" dirty="0">
+                    <a:sym typeface="Wingdings" panose="05000000000000000000" pitchFamily="2" charset="2"/>
+                  </a:rPr>
+                  <a:t>) where </a:t>
+                </a:r>
+                <a14:m>
+                  <m:oMath xmlns:m="http://schemas.openxmlformats.org/officeDocument/2006/math">
+                    <m:sSub>
+                      <m:sSubPr>
+                        <m:ctrlPr>
+                          <a:rPr lang="en-IN" i="1">
+                            <a:latin typeface="Cambria Math" panose="02040503050406030204" pitchFamily="18" charset="0"/>
+                            <a:sym typeface="Wingdings" panose="05000000000000000000" pitchFamily="2" charset="2"/>
+                          </a:rPr>
+                        </m:ctrlPr>
+                      </m:sSubPr>
+                      <m:e>
+                        <m:r>
+                          <a:rPr lang="en-IN">
+                            <a:latin typeface="Cambria Math" panose="02040503050406030204" pitchFamily="18" charset="0"/>
+                            <a:sym typeface="Wingdings" panose="05000000000000000000" pitchFamily="2" charset="2"/>
+                          </a:rPr>
+                          <m:t>𝜂</m:t>
+                        </m:r>
+                      </m:e>
+                      <m:sub>
+                        <m:r>
+                          <a:rPr lang="en-IN">
+                            <a:latin typeface="Cambria Math" panose="02040503050406030204" pitchFamily="18" charset="0"/>
+                            <a:sym typeface="Wingdings" panose="05000000000000000000" pitchFamily="2" charset="2"/>
+                          </a:rPr>
+                          <m:t>𝑡</m:t>
+                        </m:r>
+                      </m:sub>
+                    </m:sSub>
+                  </m:oMath>
+                </a14:m>
+                <a:r>
+                  <a:rPr lang="en-IN" dirty="0">
+                    <a:sym typeface="Wingdings" panose="05000000000000000000" pitchFamily="2" charset="2"/>
+                  </a:rPr>
+                  <a:t> replaced with a diagonal matrix </a:t>
+                </a:r>
+                <a14:m>
+                  <m:oMath xmlns:m="http://schemas.openxmlformats.org/officeDocument/2006/math">
+                    <m:sSup>
+                      <m:sSupPr>
+                        <m:ctrlPr>
+                          <a:rPr lang="en-IN" i="1">
+                            <a:latin typeface="Cambria Math" panose="02040503050406030204" pitchFamily="18" charset="0"/>
+                            <a:sym typeface="Wingdings" panose="05000000000000000000" pitchFamily="2" charset="2"/>
+                          </a:rPr>
+                        </m:ctrlPr>
+                      </m:sSupPr>
+                      <m:e>
+                        <m:r>
+                          <a:rPr lang="en-IN">
+                            <a:latin typeface="Cambria Math" panose="02040503050406030204" pitchFamily="18" charset="0"/>
+                            <a:sym typeface="Wingdings" panose="05000000000000000000" pitchFamily="2" charset="2"/>
+                          </a:rPr>
+                          <m:t>𝐸</m:t>
+                        </m:r>
+                      </m:e>
+                      <m:sup>
+                        <m:r>
+                          <a:rPr lang="en-IN">
+                            <a:latin typeface="Cambria Math" panose="02040503050406030204" pitchFamily="18" charset="0"/>
+                            <a:sym typeface="Wingdings" panose="05000000000000000000" pitchFamily="2" charset="2"/>
+                          </a:rPr>
+                          <m:t>𝑡</m:t>
+                        </m:r>
+                      </m:sup>
+                    </m:sSup>
+                  </m:oMath>
+                </a14:m>
+                <a:r>
+                  <a:rPr lang="en-IN" dirty="0">
+                    <a:sym typeface="Wingdings" panose="05000000000000000000" pitchFamily="2" charset="2"/>
+                  </a:rPr>
+                  <a:t> i.e. </a:t>
+                </a:r>
+                <a14:m>
+                  <m:oMath xmlns:m="http://schemas.openxmlformats.org/officeDocument/2006/math">
+                    <m:sSup>
+                      <m:sSupPr>
+                        <m:ctrlPr>
+                          <a:rPr lang="en-IN" i="1">
+                            <a:latin typeface="Cambria Math" panose="02040503050406030204" pitchFamily="18" charset="0"/>
+                          </a:rPr>
+                        </m:ctrlPr>
+                      </m:sSupPr>
+                      <m:e>
+                        <m:r>
+                          <a:rPr lang="en-IN" b="1">
+                            <a:latin typeface="Cambria Math" panose="02040503050406030204" pitchFamily="18" charset="0"/>
+                          </a:rPr>
+                          <m:t>𝐰</m:t>
+                        </m:r>
+                      </m:e>
+                      <m:sup>
+                        <m:r>
+                          <a:rPr lang="en-IN">
+                            <a:latin typeface="Cambria Math" panose="02040503050406030204" pitchFamily="18" charset="0"/>
+                          </a:rPr>
+                          <m:t>𝑡</m:t>
+                        </m:r>
+                        <m:r>
+                          <a:rPr lang="en-IN">
+                            <a:latin typeface="Cambria Math" panose="02040503050406030204" pitchFamily="18" charset="0"/>
+                          </a:rPr>
+                          <m:t>+1</m:t>
+                        </m:r>
+                      </m:sup>
+                    </m:sSup>
+                    <m:r>
+                      <a:rPr lang="en-IN">
+                        <a:latin typeface="Cambria Math" panose="02040503050406030204" pitchFamily="18" charset="0"/>
+                      </a:rPr>
+                      <m:t>←</m:t>
+                    </m:r>
+                    <m:sSup>
+                      <m:sSupPr>
+                        <m:ctrlPr>
+                          <a:rPr lang="en-IN" i="1">
+                            <a:latin typeface="Cambria Math" panose="02040503050406030204" pitchFamily="18" charset="0"/>
+                          </a:rPr>
+                        </m:ctrlPr>
+                      </m:sSupPr>
+                      <m:e>
+                        <m:r>
+                          <a:rPr lang="en-IN" b="1">
+                            <a:latin typeface="Cambria Math" panose="02040503050406030204" pitchFamily="18" charset="0"/>
+                          </a:rPr>
+                          <m:t>𝐰</m:t>
+                        </m:r>
+                      </m:e>
+                      <m:sup>
+                        <m:r>
+                          <a:rPr lang="en-IN">
+                            <a:latin typeface="Cambria Math" panose="02040503050406030204" pitchFamily="18" charset="0"/>
+                          </a:rPr>
+                          <m:t>𝑡</m:t>
+                        </m:r>
+                      </m:sup>
+                    </m:sSup>
+                    <m:r>
+                      <a:rPr lang="en-IN">
+                        <a:latin typeface="Cambria Math" panose="02040503050406030204" pitchFamily="18" charset="0"/>
+                      </a:rPr>
+                      <m:t>−</m:t>
+                    </m:r>
+                    <m:sSup>
+                      <m:sSupPr>
+                        <m:ctrlPr>
+                          <a:rPr lang="en-IN" i="1">
+                            <a:latin typeface="Cambria Math" panose="02040503050406030204" pitchFamily="18" charset="0"/>
+                          </a:rPr>
+                        </m:ctrlPr>
+                      </m:sSupPr>
+                      <m:e>
+                        <m:r>
+                          <a:rPr lang="en-IN">
+                            <a:latin typeface="Cambria Math" panose="02040503050406030204" pitchFamily="18" charset="0"/>
+                          </a:rPr>
+                          <m:t>𝐸</m:t>
+                        </m:r>
+                      </m:e>
+                      <m:sup>
+                        <m:r>
+                          <a:rPr lang="en-IN">
+                            <a:latin typeface="Cambria Math" panose="02040503050406030204" pitchFamily="18" charset="0"/>
+                          </a:rPr>
+                          <m:t>𝑡</m:t>
+                        </m:r>
+                      </m:sup>
+                    </m:sSup>
+                    <m:sSup>
+                      <m:sSupPr>
+                        <m:ctrlPr>
+                          <a:rPr lang="en-IN" i="1">
+                            <a:latin typeface="Cambria Math" panose="02040503050406030204" pitchFamily="18" charset="0"/>
+                          </a:rPr>
+                        </m:ctrlPr>
+                      </m:sSupPr>
+                      <m:e>
+                        <m:r>
+                          <a:rPr lang="en-IN" b="1">
+                            <a:latin typeface="Cambria Math" panose="02040503050406030204" pitchFamily="18" charset="0"/>
+                          </a:rPr>
+                          <m:t>𝐠</m:t>
+                        </m:r>
+                      </m:e>
+                      <m:sup>
+                        <m:r>
+                          <a:rPr lang="en-IN">
+                            <a:latin typeface="Cambria Math" panose="02040503050406030204" pitchFamily="18" charset="0"/>
+                          </a:rPr>
+                          <m:t>𝑡</m:t>
+                        </m:r>
+                      </m:sup>
+                    </m:sSup>
+                  </m:oMath>
+                </a14:m>
+                <a:endParaRPr lang="en-IN" dirty="0">
+                  <a:sym typeface="Wingdings" panose="05000000000000000000" pitchFamily="2" charset="2"/>
+                </a:endParaRPr>
+              </a:p>
+              <a:p>
+                <a:pPr lvl="2"/>
+                <a:r>
+                  <a:rPr lang="en-IN" dirty="0" smtClean="0">
+                    <a:sym typeface="Wingdings" panose="05000000000000000000" pitchFamily="2" charset="2"/>
+                  </a:rPr>
+                  <a:t>Use “momentum” </a:t>
+                </a:r>
+                <a:r>
+                  <a:rPr lang="en-IN" dirty="0">
+                    <a:sym typeface="Wingdings" panose="05000000000000000000" pitchFamily="2" charset="2"/>
+                  </a:rPr>
+                  <a:t>methods (e.g. NAG, Adam) which essentially infuses previous gradients into the current gradient</a:t>
+                </a:r>
+                <a:endParaRPr lang="en-IN" dirty="0"/>
+              </a:p>
+              <a:p>
+                <a:endParaRPr lang="en-IN" dirty="0"/>
+              </a:p>
+            </p:txBody>
+          </p:sp>
+        </mc:Choice>
+        <mc:Fallback xmlns="">
+          <p:sp>
+            <p:nvSpPr>
+              <p:cNvPr id="3" name="Content Placeholder 2"/>
+              <p:cNvSpPr>
+                <a:spLocks noGrp="1" noRot="1" noChangeAspect="1" noMove="1" noResize="1" noEditPoints="1" noAdjustHandles="1" noChangeArrowheads="1" noChangeShapeType="1" noTextEdit="1"/>
+              </p:cNvSpPr>
+              <p:nvPr>
+                <p:ph idx="1"/>
+              </p:nvPr>
+            </p:nvSpPr>
+            <p:spPr>
+              <a:xfrm>
+                <a:off x="253354" y="1111624"/>
+                <a:ext cx="11600328" cy="5746376"/>
+              </a:xfrm>
+              <a:blipFill>
+                <a:blip r:embed="rId2"/>
+                <a:stretch>
+                  <a:fillRect l="-578" t="-2545" r="-315"/>
+                </a:stretch>
+              </a:blipFill>
+            </p:spPr>
+            <p:txBody>
+              <a:bodyPr/>
+              <a:lstStyle/>
+              <a:p>
+                <a:r>
+                  <a:rPr lang="en-IN">
+                    <a:noFill/>
+                  </a:rPr>
+                  <a:t> </a:t>
+                </a:r>
+              </a:p>
+            </p:txBody>
+          </p:sp>
+        </mc:Fallback>
+      </mc:AlternateContent>
+      <p:sp>
+        <p:nvSpPr>
+          <p:cNvPr id="4" name="Slide Number Placeholder 3"/>
+          <p:cNvSpPr>
+            <a:spLocks noGrp="1"/>
+          </p:cNvSpPr>
+          <p:nvPr>
+            <p:ph type="sldNum" sz="quarter" idx="12"/>
+          </p:nvPr>
+        </p:nvSpPr>
+        <p:spPr/>
+        <p:txBody>
+          <a:bodyPr/>
+          <a:lstStyle/>
+          <a:p>
+            <a:fld id="{157B8E69-23A9-4619-9CFE-E27BFD8A78F9}" type="slidenum">
+              <a:rPr lang="en-US" smtClean="0"/>
+              <a:t>20</a:t>
+            </a:fld>
+            <a:endParaRPr lang="en-US"/>
+          </a:p>
+        </p:txBody>
+      </p:sp>
+    </p:spTree>
+    <p:extLst>
+      <p:ext uri="{BB962C8B-B14F-4D97-AF65-F5344CB8AC3E}">
+        <p14:creationId xmlns:p14="http://schemas.microsoft.com/office/powerpoint/2010/main" val="3003267003"/>
+      </p:ext>
+    </p:extLst>
+  </p:cSld>
+  <p:clrMapOvr>
+    <a:masterClrMapping/>
+  </p:clrMapOvr>
+  <p:timing>
+    <p:tnLst>
+      <p:par>
+        <p:cTn id="1" dur="indefinite" restart="never" nodeType="tmRoot">
+          <p:childTnLst>
+            <p:seq concurrent="1" nextAc="seek">
+              <p:cTn id="2" dur="indefinite" nodeType="mainSeq">
+                <p:childTnLst>
+                  <p:par>
+                    <p:cTn id="3" fill="hold">
+                      <p:stCondLst>
+                        <p:cond delay="indefinite"/>
+                      </p:stCondLst>
+                      <p:childTnLst>
+                        <p:par>
+                          <p:cTn id="4" fill="hold">
+                            <p:stCondLst>
+                              <p:cond delay="0"/>
+                            </p:stCondLst>
+                            <p:childTnLst>
+                              <p:par>
+                                <p:cTn id="5" presetID="1" presetClass="entr" presetSubtype="0" fill="hold" grpId="0" nodeType="clickEffect">
+                                  <p:stCondLst>
+                                    <p:cond delay="0"/>
+                                  </p:stCondLst>
+                                  <p:childTnLst>
+                                    <p:set>
+                                      <p:cBhvr>
+                                        <p:cTn id="6" dur="1" fill="hold">
+                                          <p:stCondLst>
+                                            <p:cond delay="0"/>
+                                          </p:stCondLst>
+                                        </p:cTn>
+                                        <p:tgtEl>
+                                          <p:spTgt spid="3">
+                                            <p:txEl>
+                                              <p:pRg st="0" end="0"/>
+                                            </p:txEl>
+                                          </p:spTgt>
+                                        </p:tgtEl>
+                                        <p:attrNameLst>
+                                          <p:attrName>style.visibility</p:attrName>
+                                        </p:attrNameLst>
+                                      </p:cBhvr>
+                                      <p:to>
+                                        <p:strVal val="visible"/>
+                                      </p:to>
+                                    </p:set>
+                                  </p:childTnLst>
+                                </p:cTn>
+                              </p:par>
+                            </p:childTnLst>
+                          </p:cTn>
+                        </p:par>
+                      </p:childTnLst>
+                    </p:cTn>
+                  </p:par>
+                  <p:par>
+                    <p:cTn id="7" fill="hold">
+                      <p:stCondLst>
+                        <p:cond delay="indefinite"/>
+                      </p:stCondLst>
+                      <p:childTnLst>
+                        <p:par>
+                          <p:cTn id="8" fill="hold">
+                            <p:stCondLst>
+                              <p:cond delay="0"/>
+                            </p:stCondLst>
+                            <p:childTnLst>
+                              <p:par>
+                                <p:cTn id="9" presetID="1" presetClass="entr" presetSubtype="0" fill="hold" grpId="0" nodeType="clickEffect">
+                                  <p:stCondLst>
+                                    <p:cond delay="0"/>
+                                  </p:stCondLst>
+                                  <p:childTnLst>
+                                    <p:set>
+                                      <p:cBhvr>
+                                        <p:cTn id="10" dur="1" fill="hold">
+                                          <p:stCondLst>
+                                            <p:cond delay="0"/>
+                                          </p:stCondLst>
+                                        </p:cTn>
+                                        <p:tgtEl>
+                                          <p:spTgt spid="3">
+                                            <p:txEl>
+                                              <p:pRg st="1" end="1"/>
+                                            </p:txEl>
+                                          </p:spTgt>
+                                        </p:tgtEl>
+                                        <p:attrNameLst>
+                                          <p:attrName>style.visibility</p:attrName>
+                                        </p:attrNameLst>
+                                      </p:cBhvr>
+                                      <p:to>
+                                        <p:strVal val="visible"/>
+                                      </p:to>
+                                    </p:set>
+                                  </p:childTnLst>
+                                </p:cTn>
+                              </p:par>
+                            </p:childTnLst>
+                          </p:cTn>
+                        </p:par>
+                      </p:childTnLst>
+                    </p:cTn>
+                  </p:par>
+                  <p:par>
+                    <p:cTn id="11" fill="hold">
+                      <p:stCondLst>
+                        <p:cond delay="indefinite"/>
+                      </p:stCondLst>
+                      <p:childTnLst>
+                        <p:par>
+                          <p:cTn id="12" fill="hold">
+                            <p:stCondLst>
+                              <p:cond delay="0"/>
+                            </p:stCondLst>
+                            <p:childTnLst>
+                              <p:par>
+                                <p:cTn id="13" presetID="1" presetClass="entr" presetSubtype="0" fill="hold" grpId="0" nodeType="clickEffect">
+                                  <p:stCondLst>
+                                    <p:cond delay="0"/>
+                                  </p:stCondLst>
+                                  <p:childTnLst>
+                                    <p:set>
+                                      <p:cBhvr>
+                                        <p:cTn id="14" dur="1" fill="hold">
+                                          <p:stCondLst>
+                                            <p:cond delay="0"/>
+                                          </p:stCondLst>
+                                        </p:cTn>
+                                        <p:tgtEl>
+                                          <p:spTgt spid="3">
+                                            <p:txEl>
+                                              <p:pRg st="2" end="2"/>
+                                            </p:txEl>
+                                          </p:spTgt>
+                                        </p:tgtEl>
+                                        <p:attrNameLst>
+                                          <p:attrName>style.visibility</p:attrName>
+                                        </p:attrNameLst>
+                                      </p:cBhvr>
+                                      <p:to>
+                                        <p:strVal val="visible"/>
+                                      </p:to>
+                                    </p:set>
+                                  </p:childTnLst>
+                                </p:cTn>
+                              </p:par>
+                            </p:childTnLst>
+                          </p:cTn>
+                        </p:par>
+                      </p:childTnLst>
+                    </p:cTn>
+                  </p:par>
+                  <p:par>
+                    <p:cTn id="15" fill="hold">
+                      <p:stCondLst>
+                        <p:cond delay="indefinite"/>
+                      </p:stCondLst>
+                      <p:childTnLst>
+                        <p:par>
+                          <p:cTn id="16" fill="hold">
+                            <p:stCondLst>
+                              <p:cond delay="0"/>
+                            </p:stCondLst>
+                            <p:childTnLst>
+                              <p:par>
+                                <p:cTn id="17" presetID="1" presetClass="entr" presetSubtype="0" fill="hold" grpId="0" nodeType="clickEffect">
+                                  <p:stCondLst>
+                                    <p:cond delay="0"/>
+                                  </p:stCondLst>
+                                  <p:childTnLst>
+                                    <p:set>
+                                      <p:cBhvr>
+                                        <p:cTn id="18" dur="1" fill="hold">
+                                          <p:stCondLst>
+                                            <p:cond delay="0"/>
+                                          </p:stCondLst>
+                                        </p:cTn>
+                                        <p:tgtEl>
+                                          <p:spTgt spid="3">
+                                            <p:txEl>
+                                              <p:pRg st="3" end="3"/>
+                                            </p:txEl>
+                                          </p:spTgt>
+                                        </p:tgtEl>
+                                        <p:attrNameLst>
+                                          <p:attrName>style.visibility</p:attrName>
+                                        </p:attrNameLst>
+                                      </p:cBhvr>
+                                      <p:to>
+                                        <p:strVal val="visible"/>
+                                      </p:to>
+                                    </p:set>
+                                  </p:childTnLst>
+                                </p:cTn>
+                              </p:par>
+                            </p:childTnLst>
+                          </p:cTn>
+                        </p:par>
+                      </p:childTnLst>
+                    </p:cTn>
+                  </p:par>
+                  <p:par>
+                    <p:cTn id="19" fill="hold">
+                      <p:stCondLst>
+                        <p:cond delay="indefinite"/>
+                      </p:stCondLst>
+                      <p:childTnLst>
+                        <p:par>
+                          <p:cTn id="20" fill="hold">
+                            <p:stCondLst>
+                              <p:cond delay="0"/>
+                            </p:stCondLst>
+                            <p:childTnLst>
+                              <p:par>
+                                <p:cTn id="21" presetID="1" presetClass="entr" presetSubtype="0" fill="hold" grpId="0" nodeType="clickEffect">
+                                  <p:stCondLst>
+                                    <p:cond delay="0"/>
+                                  </p:stCondLst>
+                                  <p:childTnLst>
+                                    <p:set>
+                                      <p:cBhvr>
+                                        <p:cTn id="22" dur="1" fill="hold">
+                                          <p:stCondLst>
+                                            <p:cond delay="0"/>
+                                          </p:stCondLst>
+                                        </p:cTn>
+                                        <p:tgtEl>
+                                          <p:spTgt spid="3">
+                                            <p:txEl>
+                                              <p:pRg st="4" end="4"/>
+                                            </p:txEl>
+                                          </p:spTgt>
+                                        </p:tgtEl>
+                                        <p:attrNameLst>
+                                          <p:attrName>style.visibility</p:attrName>
+                                        </p:attrNameLst>
+                                      </p:cBhvr>
+                                      <p:to>
+                                        <p:strVal val="visible"/>
+                                      </p:to>
+                                    </p:set>
+                                  </p:childTnLst>
+                                </p:cTn>
+                              </p:par>
+                            </p:childTnLst>
+                          </p:cTn>
+                        </p:par>
+                      </p:childTnLst>
+                    </p:cTn>
+                  </p:par>
+                  <p:par>
+                    <p:cTn id="23" fill="hold">
+                      <p:stCondLst>
+                        <p:cond delay="indefinite"/>
+                      </p:stCondLst>
+                      <p:childTnLst>
+                        <p:par>
+                          <p:cTn id="24" fill="hold">
+                            <p:stCondLst>
+                              <p:cond delay="0"/>
+                            </p:stCondLst>
+                            <p:childTnLst>
+                              <p:par>
+                                <p:cTn id="25" presetID="1" presetClass="entr" presetSubtype="0" fill="hold" grpId="0" nodeType="clickEffect">
+                                  <p:stCondLst>
+                                    <p:cond delay="0"/>
+                                  </p:stCondLst>
+                                  <p:childTnLst>
+                                    <p:set>
+                                      <p:cBhvr>
+                                        <p:cTn id="26" dur="1" fill="hold">
+                                          <p:stCondLst>
+                                            <p:cond delay="0"/>
+                                          </p:stCondLst>
+                                        </p:cTn>
+                                        <p:tgtEl>
+                                          <p:spTgt spid="3">
+                                            <p:txEl>
+                                              <p:pRg st="5" end="5"/>
+                                            </p:txEl>
+                                          </p:spTgt>
+                                        </p:tgtEl>
+                                        <p:attrNameLst>
+                                          <p:attrName>style.visibility</p:attrName>
+                                        </p:attrNameLst>
+                                      </p:cBhvr>
+                                      <p:to>
+                                        <p:strVal val="visible"/>
+                                      </p:to>
+                                    </p:set>
+                                  </p:childTnLst>
+                                </p:cTn>
+                              </p:par>
+                            </p:childTnLst>
+                          </p:cTn>
+                        </p:par>
+                      </p:childTnLst>
+                    </p:cTn>
+                  </p:par>
+                  <p:par>
+                    <p:cTn id="27" fill="hold">
+                      <p:stCondLst>
+                        <p:cond delay="indefinite"/>
+                      </p:stCondLst>
+                      <p:childTnLst>
+                        <p:par>
+                          <p:cTn id="28" fill="hold">
+                            <p:stCondLst>
+                              <p:cond delay="0"/>
+                            </p:stCondLst>
+                            <p:childTnLst>
+                              <p:par>
+                                <p:cTn id="29" presetID="1" presetClass="entr" presetSubtype="0" fill="hold" grpId="0" nodeType="clickEffect">
+                                  <p:stCondLst>
+                                    <p:cond delay="0"/>
+                                  </p:stCondLst>
+                                  <p:childTnLst>
+                                    <p:set>
+                                      <p:cBhvr>
+                                        <p:cTn id="30" dur="1" fill="hold">
+                                          <p:stCondLst>
+                                            <p:cond delay="0"/>
+                                          </p:stCondLst>
+                                        </p:cTn>
+                                        <p:tgtEl>
+                                          <p:spTgt spid="3">
+                                            <p:txEl>
+                                              <p:pRg st="6" end="6"/>
+                                            </p:txEl>
+                                          </p:spTgt>
+                                        </p:tgtEl>
+                                        <p:attrNameLst>
+                                          <p:attrName>style.visibility</p:attrName>
+                                        </p:attrNameLst>
+                                      </p:cBhvr>
+                                      <p:to>
+                                        <p:strVal val="visible"/>
+                                      </p:to>
+                                    </p:set>
+                                  </p:childTnLst>
+                                </p:cTn>
+                              </p:par>
+                            </p:childTnLst>
+                          </p:cTn>
+                        </p:par>
+                      </p:childTnLst>
+                    </p:cTn>
+                  </p:par>
+                </p:childTnLst>
+              </p:cTn>
+              <p:prevCondLst>
+                <p:cond evt="onPrev" delay="0">
+                  <p:tgtEl>
+                    <p:sldTgt/>
+                  </p:tgtEl>
+                </p:cond>
+              </p:prevCondLst>
+              <p:nextCondLst>
+                <p:cond evt="onNext" delay="0">
+                  <p:tgtEl>
+                    <p:sldTgt/>
+                  </p:tgtEl>
+                </p:cond>
+              </p:nextCondLst>
+            </p:seq>
+          </p:childTnLst>
+        </p:cTn>
+      </p:par>
+    </p:tnLst>
+    <p:bldLst>
+      <p:bldP spid="3" grpId="0" build="p"/>
+    </p:bldLst>
+  </p:timing>
+</p:sld>
+</file>
+
+<file path=ppt/slides/slide21.xml><?xml version="1.0" encoding="utf-8"?>
+<p:sld xmlns:a="http://schemas.openxmlformats.org/drawingml/2006/main" xmlns:r="http://schemas.openxmlformats.org/officeDocument/2006/relationships" xmlns:p="http://schemas.openxmlformats.org/presentationml/2006/main">
+  <p:cSld>
+    <p:spTree>
+      <p:nvGrpSpPr>
+        <p:cNvPr id="1" name=""/>
+        <p:cNvGrpSpPr/>
+        <p:nvPr/>
+      </p:nvGrpSpPr>
+      <p:grpSpPr>
+        <a:xfrm>
+          <a:off x="0" y="0"/>
+          <a:ext cx="0" cy="0"/>
+          <a:chOff x="0" y="0"/>
+          <a:chExt cx="0" cy="0"/>
+        </a:xfrm>
+      </p:grpSpPr>
+      <p:sp>
+        <p:nvSpPr>
+          <p:cNvPr id="2" name="Title 1"/>
+          <p:cNvSpPr>
+            <a:spLocks noGrp="1"/>
+          </p:cNvSpPr>
+          <p:nvPr>
+            <p:ph type="title"/>
+          </p:nvPr>
+        </p:nvSpPr>
+        <p:spPr/>
+        <p:txBody>
+          <a:bodyPr/>
+          <a:lstStyle/>
+          <a:p>
+            <a:r>
+              <a:rPr lang="en-IN" dirty="0"/>
+              <a:t>Adaptive Learning Rates</a:t>
+            </a:r>
+          </a:p>
+        </p:txBody>
+      </p:sp>
+      <mc:AlternateContent xmlns:mc="http://schemas.openxmlformats.org/markup-compatibility/2006">
+        <mc:Choice xmlns:a14="http://schemas.microsoft.com/office/drawing/2010/main" Requires="a14">
+          <p:sp>
+            <p:nvSpPr>
+              <p:cNvPr id="3" name="Content Placeholder 2"/>
+              <p:cNvSpPr>
+                <a:spLocks noGrp="1"/>
+              </p:cNvSpPr>
+              <p:nvPr>
+                <p:ph idx="1"/>
+              </p:nvPr>
+            </p:nvSpPr>
+            <p:spPr>
+              <a:xfrm>
+                <a:off x="253354" y="1111624"/>
+                <a:ext cx="11938646" cy="5956996"/>
+              </a:xfrm>
+            </p:spPr>
+            <p:txBody>
+              <a:bodyPr>
+                <a:normAutofit/>
+              </a:bodyPr>
+              <a:lstStyle/>
+              <a:p>
+                <a:r>
+                  <a:rPr lang="en-IN" dirty="0" smtClean="0"/>
+                  <a:t>Adaptive </a:t>
+                </a:r>
+                <a:r>
+                  <a:rPr lang="en-IN" i="1" dirty="0" smtClean="0"/>
+                  <a:t>momentum</a:t>
+                </a:r>
+                <a:r>
+                  <a:rPr lang="en-IN" dirty="0" smtClean="0"/>
+                  <a:t>-based methods popular (esp. for deep learning)</a:t>
+                </a:r>
+              </a:p>
+              <a:p>
+                <a:pPr lvl="1"/>
+                <a:r>
+                  <a:rPr lang="en-IN" dirty="0"/>
+                  <a:t>GD </a:t>
+                </a:r>
+                <a:r>
+                  <a:rPr lang="en-IN" dirty="0" smtClean="0"/>
+                  <a:t>is known to experience </a:t>
+                </a:r>
+                <a:r>
+                  <a:rPr lang="en-IN" dirty="0"/>
+                  <a:t>oscillations </a:t>
+                </a:r>
+                <a:r>
+                  <a:rPr lang="en-IN" dirty="0" smtClean="0"/>
+                  <a:t>even </a:t>
+                </a:r>
+                <a:r>
+                  <a:rPr lang="en-IN" dirty="0"/>
+                  <a:t>in a </a:t>
+                </a:r>
+                <a:r>
+                  <a:rPr lang="en-IN" dirty="0" smtClean="0"/>
+                  <a:t>simple optimization problems such as least </a:t>
+                </a:r>
+                <a:r>
+                  <a:rPr lang="en-IN" dirty="0"/>
+                  <a:t>squares </a:t>
+                </a:r>
+                <a:r>
+                  <a:rPr lang="en-IN" dirty="0" smtClean="0"/>
+                  <a:t>regression problem (will study soon)</a:t>
+                </a:r>
+              </a:p>
+              <a:p>
+                <a:pPr lvl="1"/>
+                <a:r>
+                  <a:rPr lang="en-IN" dirty="0" smtClean="0"/>
+                  <a:t>These oscillations </a:t>
+                </a:r>
+                <a:r>
+                  <a:rPr lang="en-IN" dirty="0"/>
+                  <a:t>waste time and slow </a:t>
+                </a:r>
+                <a:r>
+                  <a:rPr lang="en-IN" dirty="0" smtClean="0"/>
+                  <a:t>progress</a:t>
+                </a:r>
+              </a:p>
+              <a:p>
+                <a:pPr lvl="1"/>
+                <a:r>
+                  <a:rPr lang="en-IN" dirty="0" smtClean="0"/>
+                  <a:t>Solution: introduce </a:t>
+                </a:r>
+                <a:r>
+                  <a:rPr lang="en-IN" dirty="0"/>
+                  <a:t>a </a:t>
+                </a:r>
+                <a:r>
+                  <a:rPr lang="en-IN" dirty="0" smtClean="0"/>
+                  <a:t>“velocity” term to prevent GD from changing directions abruptly, thus avoiding </a:t>
+                </a:r>
+                <a:r>
+                  <a:rPr lang="en-IN" dirty="0"/>
+                  <a:t>oscillations</a:t>
+                </a:r>
+                <a:br>
+                  <a:rPr lang="en-IN" dirty="0"/>
+                </a:br>
+                <a14:m>
+                  <m:oMath xmlns:m="http://schemas.openxmlformats.org/officeDocument/2006/math">
+                    <m:sSup>
+                      <m:sSupPr>
+                        <m:ctrlPr>
+                          <a:rPr lang="en-IN" i="1">
+                            <a:latin typeface="Cambria Math" panose="02040503050406030204" pitchFamily="18" charset="0"/>
+                          </a:rPr>
+                        </m:ctrlPr>
+                      </m:sSupPr>
+                      <m:e>
+                        <m:r>
+                          <a:rPr lang="en-IN" b="1">
+                            <a:latin typeface="Cambria Math" panose="02040503050406030204" pitchFamily="18" charset="0"/>
+                          </a:rPr>
+                          <m:t>𝐯</m:t>
+                        </m:r>
+                      </m:e>
+                      <m:sup>
+                        <m:r>
+                          <a:rPr lang="en-IN" i="1">
+                            <a:latin typeface="Cambria Math" panose="02040503050406030204" pitchFamily="18" charset="0"/>
+                          </a:rPr>
+                          <m:t>𝑡</m:t>
+                        </m:r>
+                      </m:sup>
+                    </m:sSup>
+                    <m:r>
+                      <a:rPr lang="en-IN" i="1">
+                        <a:latin typeface="Cambria Math" panose="02040503050406030204" pitchFamily="18" charset="0"/>
+                      </a:rPr>
+                      <m:t>=</m:t>
+                    </m:r>
+                    <m:sSup>
+                      <m:sSupPr>
+                        <m:ctrlPr>
+                          <a:rPr lang="en-IN" i="1">
+                            <a:latin typeface="Cambria Math" panose="02040503050406030204" pitchFamily="18" charset="0"/>
+                          </a:rPr>
+                        </m:ctrlPr>
+                      </m:sSupPr>
+                      <m:e>
+                        <m:r>
+                          <a:rPr lang="en-IN" i="1">
+                            <a:latin typeface="Cambria Math" panose="02040503050406030204" pitchFamily="18" charset="0"/>
+                          </a:rPr>
+                          <m:t>𝛾</m:t>
+                        </m:r>
+                        <m:r>
+                          <a:rPr lang="en-IN" i="1">
+                            <a:latin typeface="Cambria Math" panose="02040503050406030204" pitchFamily="18" charset="0"/>
+                          </a:rPr>
+                          <m:t>⋅</m:t>
+                        </m:r>
+                        <m:r>
+                          <a:rPr lang="en-IN" b="1">
+                            <a:latin typeface="Cambria Math" panose="02040503050406030204" pitchFamily="18" charset="0"/>
+                          </a:rPr>
+                          <m:t>𝐯</m:t>
+                        </m:r>
+                      </m:e>
+                      <m:sup>
+                        <m:r>
+                          <a:rPr lang="en-IN" i="1">
+                            <a:latin typeface="Cambria Math" panose="02040503050406030204" pitchFamily="18" charset="0"/>
+                          </a:rPr>
+                          <m:t>𝑡</m:t>
+                        </m:r>
+                        <m:r>
+                          <a:rPr lang="en-IN" i="1">
+                            <a:latin typeface="Cambria Math" panose="02040503050406030204" pitchFamily="18" charset="0"/>
+                          </a:rPr>
+                          <m:t>−1</m:t>
+                        </m:r>
+                      </m:sup>
+                    </m:sSup>
+                    <m:r>
+                      <a:rPr lang="en-IN" i="1">
+                        <a:latin typeface="Cambria Math" panose="02040503050406030204" pitchFamily="18" charset="0"/>
+                      </a:rPr>
+                      <m:t>+</m:t>
+                    </m:r>
+                    <m:r>
+                      <a:rPr lang="en-IN" i="1">
+                        <a:latin typeface="Cambria Math" panose="02040503050406030204" pitchFamily="18" charset="0"/>
+                      </a:rPr>
+                      <m:t>𝜂</m:t>
+                    </m:r>
+                    <m:r>
+                      <a:rPr lang="en-IN" i="1">
+                        <a:latin typeface="Cambria Math" panose="02040503050406030204" pitchFamily="18" charset="0"/>
+                      </a:rPr>
+                      <m:t>⋅</m:t>
+                    </m:r>
+                    <m:r>
+                      <a:rPr lang="en-IN">
+                        <a:latin typeface="Cambria Math" panose="02040503050406030204" pitchFamily="18" charset="0"/>
+                      </a:rPr>
+                      <m:t>𝛻</m:t>
+                    </m:r>
+                    <m:r>
+                      <a:rPr lang="en-IN" b="0" i="1" smtClean="0">
+                        <a:latin typeface="Cambria Math" panose="02040503050406030204" pitchFamily="18" charset="0"/>
+                      </a:rPr>
+                      <m:t>𝑓</m:t>
+                    </m:r>
+                    <m:d>
+                      <m:dPr>
+                        <m:ctrlPr>
+                          <a:rPr lang="en-IN" i="1">
+                            <a:latin typeface="Cambria Math" panose="02040503050406030204" pitchFamily="18" charset="0"/>
+                          </a:rPr>
+                        </m:ctrlPr>
+                      </m:dPr>
+                      <m:e>
+                        <m:sSup>
+                          <m:sSupPr>
+                            <m:ctrlPr>
+                              <a:rPr lang="en-IN" i="1">
+                                <a:latin typeface="Cambria Math" panose="02040503050406030204" pitchFamily="18" charset="0"/>
+                              </a:rPr>
+                            </m:ctrlPr>
+                          </m:sSupPr>
+                          <m:e>
+                            <m:r>
+                              <a:rPr lang="en-IN" b="1">
+                                <a:latin typeface="Cambria Math" panose="02040503050406030204" pitchFamily="18" charset="0"/>
+                              </a:rPr>
+                              <m:t>𝐰</m:t>
+                            </m:r>
+                          </m:e>
+                          <m:sup>
+                            <m:r>
+                              <a:rPr lang="en-IN" i="1">
+                                <a:latin typeface="Cambria Math" panose="02040503050406030204" pitchFamily="18" charset="0"/>
+                              </a:rPr>
+                              <m:t>𝑡</m:t>
+                            </m:r>
+                          </m:sup>
+                        </m:sSup>
+                      </m:e>
+                    </m:d>
+                  </m:oMath>
+                </a14:m>
+                <a:r>
+                  <a:rPr lang="en-IN" dirty="0"/>
+                  <a:t/>
+                </a:r>
+                <a:br>
+                  <a:rPr lang="en-IN" dirty="0"/>
+                </a:br>
+                <a14:m>
+                  <m:oMath xmlns:m="http://schemas.openxmlformats.org/officeDocument/2006/math">
+                    <m:sSup>
+                      <m:sSupPr>
+                        <m:ctrlPr>
+                          <a:rPr lang="en-IN" i="1">
+                            <a:latin typeface="Cambria Math" panose="02040503050406030204" pitchFamily="18" charset="0"/>
+                          </a:rPr>
+                        </m:ctrlPr>
+                      </m:sSupPr>
+                      <m:e>
+                        <m:r>
+                          <a:rPr lang="en-IN" b="1">
+                            <a:latin typeface="Cambria Math" panose="02040503050406030204" pitchFamily="18" charset="0"/>
+                          </a:rPr>
+                          <m:t>𝐰</m:t>
+                        </m:r>
+                      </m:e>
+                      <m:sup>
+                        <m:r>
+                          <a:rPr lang="en-IN" i="1">
+                            <a:latin typeface="Cambria Math" panose="02040503050406030204" pitchFamily="18" charset="0"/>
+                          </a:rPr>
+                          <m:t>𝑡</m:t>
+                        </m:r>
+                        <m:r>
+                          <a:rPr lang="en-IN" i="1">
+                            <a:latin typeface="Cambria Math" panose="02040503050406030204" pitchFamily="18" charset="0"/>
+                          </a:rPr>
+                          <m:t>+1</m:t>
+                        </m:r>
+                      </m:sup>
+                    </m:sSup>
+                    <m:r>
+                      <a:rPr lang="en-IN" i="1">
+                        <a:latin typeface="Cambria Math" panose="02040503050406030204" pitchFamily="18" charset="0"/>
+                      </a:rPr>
+                      <m:t>←</m:t>
+                    </m:r>
+                    <m:sSup>
+                      <m:sSupPr>
+                        <m:ctrlPr>
+                          <a:rPr lang="en-IN" i="1">
+                            <a:latin typeface="Cambria Math" panose="02040503050406030204" pitchFamily="18" charset="0"/>
+                          </a:rPr>
+                        </m:ctrlPr>
+                      </m:sSupPr>
+                      <m:e>
+                        <m:r>
+                          <a:rPr lang="en-IN" b="1">
+                            <a:latin typeface="Cambria Math" panose="02040503050406030204" pitchFamily="18" charset="0"/>
+                          </a:rPr>
+                          <m:t>𝐰</m:t>
+                        </m:r>
+                      </m:e>
+                      <m:sup>
+                        <m:r>
+                          <a:rPr lang="en-IN" i="1">
+                            <a:latin typeface="Cambria Math" panose="02040503050406030204" pitchFamily="18" charset="0"/>
+                          </a:rPr>
+                          <m:t>𝑡</m:t>
+                        </m:r>
+                      </m:sup>
+                    </m:sSup>
+                    <m:r>
+                      <a:rPr lang="en-IN" i="1">
+                        <a:latin typeface="Cambria Math" panose="02040503050406030204" pitchFamily="18" charset="0"/>
+                      </a:rPr>
+                      <m:t>−</m:t>
+                    </m:r>
+                    <m:sSup>
+                      <m:sSupPr>
+                        <m:ctrlPr>
+                          <a:rPr lang="en-IN" i="1">
+                            <a:latin typeface="Cambria Math" panose="02040503050406030204" pitchFamily="18" charset="0"/>
+                          </a:rPr>
+                        </m:ctrlPr>
+                      </m:sSupPr>
+                      <m:e>
+                        <m:r>
+                          <a:rPr lang="en-IN" b="1">
+                            <a:latin typeface="Cambria Math" panose="02040503050406030204" pitchFamily="18" charset="0"/>
+                          </a:rPr>
+                          <m:t>𝐯</m:t>
+                        </m:r>
+                      </m:e>
+                      <m:sup>
+                        <m:r>
+                          <a:rPr lang="en-IN" i="1">
+                            <a:latin typeface="Cambria Math" panose="02040503050406030204" pitchFamily="18" charset="0"/>
+                          </a:rPr>
+                          <m:t>𝑡</m:t>
+                        </m:r>
+                      </m:sup>
+                    </m:sSup>
+                  </m:oMath>
+                </a14:m>
+                <a:endParaRPr lang="en-IN" dirty="0" smtClean="0"/>
+              </a:p>
+              <a:p>
+                <a:pPr lvl="2"/>
+                <a:r>
+                  <a:rPr lang="en-IN" b="1" dirty="0" err="1" smtClean="0"/>
+                  <a:t>Nesterov’s</a:t>
+                </a:r>
+                <a:r>
+                  <a:rPr lang="en-IN" b="1" dirty="0" smtClean="0"/>
+                  <a:t> accelerated gradient </a:t>
+                </a:r>
+                <a:r>
+                  <a:rPr lang="en-IN" dirty="0" smtClean="0"/>
+                  <a:t>(NAG): pioneer method</a:t>
+                </a:r>
+                <a:br>
+                  <a:rPr lang="en-IN" dirty="0" smtClean="0"/>
+                </a:br>
+                <a:r>
+                  <a:rPr lang="en-IN" dirty="0" smtClean="0"/>
+                  <a:t>in the area of momentum methods</a:t>
+                </a:r>
+              </a:p>
+              <a:p>
+                <a:pPr lvl="2"/>
+                <a:r>
+                  <a:rPr lang="en-IN" dirty="0"/>
+                  <a:t>For </a:t>
+                </a:r>
+                <a:r>
+                  <a:rPr lang="en-IN" dirty="0" smtClean="0"/>
+                  <a:t>differentiable convex </a:t>
+                </a:r>
+                <a:r>
+                  <a:rPr lang="en-IN" dirty="0"/>
+                  <a:t>problems, NAG </a:t>
+                </a:r>
+                <a:r>
+                  <a:rPr lang="en-IN" dirty="0" smtClean="0"/>
+                  <a:t>ensures</a:t>
+                </a:r>
+                <a:br>
+                  <a:rPr lang="en-IN" dirty="0" smtClean="0"/>
+                </a:br>
+                <a14:m>
+                  <m:oMath xmlns:m="http://schemas.openxmlformats.org/officeDocument/2006/math">
+                    <m:r>
+                      <a:rPr lang="en-IN">
+                        <a:latin typeface="Cambria Math" panose="02040503050406030204" pitchFamily="18" charset="0"/>
+                      </a:rPr>
+                      <m:t>𝜖</m:t>
+                    </m:r>
+                  </m:oMath>
+                </a14:m>
+                <a:r>
+                  <a:rPr lang="en-US" dirty="0"/>
+                  <a:t>-convergence in just </a:t>
+                </a:r>
+                <a14:m>
+                  <m:oMath xmlns:m="http://schemas.openxmlformats.org/officeDocument/2006/math">
+                    <m:r>
+                      <a:rPr lang="en-US">
+                        <a:latin typeface="Cambria Math" panose="02040503050406030204" pitchFamily="18" charset="0"/>
+                        <a:ea typeface="Cambria Math" panose="02040503050406030204" pitchFamily="18" charset="0"/>
+                      </a:rPr>
+                      <m:t>𝒪</m:t>
+                    </m:r>
+                    <m:d>
+                      <m:dPr>
+                        <m:ctrlPr>
+                          <a:rPr lang="en-IN" i="1">
+                            <a:latin typeface="Cambria Math" panose="02040503050406030204" pitchFamily="18" charset="0"/>
+                            <a:ea typeface="Cambria Math" panose="02040503050406030204" pitchFamily="18" charset="0"/>
+                          </a:rPr>
+                        </m:ctrlPr>
+                      </m:dPr>
+                      <m:e>
+                        <m:rad>
+                          <m:radPr>
+                            <m:degHide m:val="on"/>
+                            <m:ctrlPr>
+                              <a:rPr lang="en-IN" b="0" i="1" smtClean="0">
+                                <a:latin typeface="Cambria Math" panose="02040503050406030204" pitchFamily="18" charset="0"/>
+                                <a:ea typeface="Cambria Math" panose="02040503050406030204" pitchFamily="18" charset="0"/>
+                              </a:rPr>
+                            </m:ctrlPr>
+                          </m:radPr>
+                          <m:deg/>
+                          <m:e>
+                            <m:r>
+                              <a:rPr lang="en-IN">
+                                <a:latin typeface="Cambria Math" panose="02040503050406030204" pitchFamily="18" charset="0"/>
+                                <a:ea typeface="Cambria Math" panose="02040503050406030204" pitchFamily="18" charset="0"/>
+                              </a:rPr>
+                              <m:t>1/</m:t>
+                            </m:r>
+                            <m:r>
+                              <a:rPr lang="en-IN">
+                                <a:latin typeface="Cambria Math" panose="02040503050406030204" pitchFamily="18" charset="0"/>
+                                <a:ea typeface="Cambria Math" panose="02040503050406030204" pitchFamily="18" charset="0"/>
+                              </a:rPr>
+                              <m:t>𝜖</m:t>
+                            </m:r>
+                          </m:e>
+                        </m:rad>
+                      </m:e>
+                    </m:d>
+                  </m:oMath>
+                </a14:m>
+                <a:r>
+                  <a:rPr lang="en-US" dirty="0"/>
+                  <a:t> </a:t>
+                </a:r>
+                <a:r>
+                  <a:rPr lang="en-US" dirty="0" smtClean="0"/>
+                  <a:t>steps hence the name</a:t>
+                </a:r>
+                <a:br>
+                  <a:rPr lang="en-US" dirty="0" smtClean="0"/>
+                </a:br>
+                <a:r>
+                  <a:rPr lang="en-US" dirty="0" smtClean="0"/>
+                  <a:t>“accelerated” gradient</a:t>
+                </a:r>
+                <a:endParaRPr lang="en-US" dirty="0"/>
+              </a:p>
+              <a:p>
+                <a:pPr lvl="2"/>
+                <a:endParaRPr lang="en-IN" dirty="0"/>
+              </a:p>
+            </p:txBody>
+          </p:sp>
+        </mc:Choice>
+        <mc:Fallback>
+          <p:sp>
+            <p:nvSpPr>
+              <p:cNvPr id="3" name="Content Placeholder 2"/>
+              <p:cNvSpPr>
+                <a:spLocks noGrp="1" noRot="1" noChangeAspect="1" noMove="1" noResize="1" noEditPoints="1" noAdjustHandles="1" noChangeArrowheads="1" noChangeShapeType="1" noTextEdit="1"/>
+              </p:cNvSpPr>
+              <p:nvPr>
+                <p:ph idx="1"/>
+              </p:nvPr>
+            </p:nvSpPr>
+            <p:spPr>
+              <a:xfrm>
+                <a:off x="253354" y="1111624"/>
+                <a:ext cx="11938646" cy="5956996"/>
+              </a:xfrm>
+              <a:blipFill>
+                <a:blip r:embed="rId2"/>
+                <a:stretch>
+                  <a:fillRect l="-562" t="-2454"/>
+                </a:stretch>
+              </a:blipFill>
+            </p:spPr>
+            <p:txBody>
+              <a:bodyPr/>
+              <a:lstStyle/>
+              <a:p>
+                <a:r>
+                  <a:rPr lang="en-IN">
+                    <a:noFill/>
+                  </a:rPr>
+                  <a:t> </a:t>
+                </a:r>
+              </a:p>
+            </p:txBody>
+          </p:sp>
+        </mc:Fallback>
+      </mc:AlternateContent>
+      <p:sp>
+        <p:nvSpPr>
+          <p:cNvPr id="4" name="Slide Number Placeholder 3"/>
+          <p:cNvSpPr>
+            <a:spLocks noGrp="1"/>
+          </p:cNvSpPr>
+          <p:nvPr>
+            <p:ph type="sldNum" sz="quarter" idx="12"/>
+          </p:nvPr>
+        </p:nvSpPr>
+        <p:spPr/>
+        <p:txBody>
+          <a:bodyPr/>
+          <a:lstStyle/>
+          <a:p>
+            <a:fld id="{157B8E69-23A9-4619-9CFE-E27BFD8A78F9}" type="slidenum">
+              <a:rPr lang="en-US" smtClean="0"/>
+              <a:t>21</a:t>
+            </a:fld>
+            <a:endParaRPr lang="en-US"/>
+          </a:p>
+        </p:txBody>
+      </p:sp>
+      <p:pic>
+        <p:nvPicPr>
+          <p:cNvPr id="5" name="Picture 4"/>
+          <p:cNvPicPr>
+            <a:picLocks noChangeAspect="1"/>
+          </p:cNvPicPr>
+          <p:nvPr/>
+        </p:nvPicPr>
+        <p:blipFill>
+          <a:blip r:embed="rId3"/>
+          <a:stretch>
+            <a:fillRect/>
+          </a:stretch>
+        </p:blipFill>
+        <p:spPr>
+          <a:xfrm>
+            <a:off x="8829587" y="3625941"/>
+            <a:ext cx="3126106" cy="2978057"/>
+          </a:xfrm>
+          <a:prstGeom prst="rect">
+            <a:avLst/>
+          </a:prstGeom>
+        </p:spPr>
+      </p:pic>
+      <p:pic>
+        <p:nvPicPr>
+          <p:cNvPr id="6" name="Picture 5"/>
+          <p:cNvPicPr>
+            <a:picLocks noChangeAspect="1"/>
+          </p:cNvPicPr>
+          <p:nvPr/>
+        </p:nvPicPr>
+        <p:blipFill>
+          <a:blip r:embed="rId4" cstate="print">
+            <a:extLst>
+              <a:ext uri="{28A0092B-C50C-407E-A947-70E740481C1C}">
+                <a14:useLocalDpi xmlns:a14="http://schemas.microsoft.com/office/drawing/2010/main" val="0"/>
+              </a:ext>
+            </a:extLst>
+          </a:blip>
+          <a:stretch>
+            <a:fillRect/>
+          </a:stretch>
+        </p:blipFill>
+        <p:spPr>
+          <a:xfrm flipH="1">
+            <a:off x="10329076" y="1838152"/>
+            <a:ext cx="1787788" cy="1787788"/>
+          </a:xfrm>
+          <a:prstGeom prst="rect">
+            <a:avLst/>
+          </a:prstGeom>
+        </p:spPr>
+      </p:pic>
+      <mc:AlternateContent xmlns:mc="http://schemas.openxmlformats.org/markup-compatibility/2006">
+        <mc:Choice xmlns:a14="http://schemas.microsoft.com/office/drawing/2010/main" Requires="a14">
+          <p:sp>
+            <p:nvSpPr>
+              <p:cNvPr id="7" name="Rectangular Callout 6"/>
+              <p:cNvSpPr/>
+              <p:nvPr/>
+            </p:nvSpPr>
+            <p:spPr>
+              <a:xfrm>
+                <a:off x="2291137" y="1768169"/>
+                <a:ext cx="8101503" cy="1320056"/>
+              </a:xfrm>
+              <a:prstGeom prst="wedgeRectCallout">
+                <a:avLst>
+                  <a:gd name="adj1" fmla="val 58510"/>
+                  <a:gd name="adj2" fmla="val 51456"/>
+                </a:avLst>
+              </a:prstGeom>
+              <a:solidFill>
+                <a:schemeClr val="bg1"/>
+              </a:solidFill>
+              <a:ln w="38100">
+                <a:solidFill>
+                  <a:schemeClr val="accent1"/>
+                </a:solidFill>
+              </a:ln>
+            </p:spPr>
+            <p:style>
+              <a:lnRef idx="2">
+                <a:schemeClr val="accent1">
+                  <a:shade val="50000"/>
+                </a:schemeClr>
+              </a:lnRef>
+              <a:fillRef idx="1">
+                <a:schemeClr val="accent1"/>
+              </a:fillRef>
+              <a:effectRef idx="0">
+                <a:schemeClr val="accent1"/>
+              </a:effectRef>
+              <a:fontRef idx="minor">
+                <a:schemeClr val="lt1"/>
+              </a:fontRef>
+            </p:style>
+            <p:txBody>
+              <a:bodyPr rtlCol="0" anchor="ctr"/>
+              <a:lstStyle/>
+              <a:p>
+                <a:pPr algn="ctr"/>
+                <a:r>
+                  <a:rPr lang="en-IN" sz="2400" dirty="0" smtClean="0">
+                    <a:solidFill>
+                      <a:schemeClr val="tx1"/>
+                    </a:solidFill>
+                    <a:latin typeface="+mj-lt"/>
+                  </a:rPr>
+                  <a:t>Simple GD, on the other hand, is only able to ensure </a:t>
+                </a:r>
+                <a14:m>
+                  <m:oMath xmlns:m="http://schemas.openxmlformats.org/officeDocument/2006/math">
+                    <m:r>
+                      <a:rPr lang="en-US" sz="2400">
+                        <a:solidFill>
+                          <a:prstClr val="black">
+                            <a:lumMod val="85000"/>
+                            <a:lumOff val="15000"/>
+                          </a:prstClr>
+                        </a:solidFill>
+                        <a:latin typeface="Cambria Math" panose="02040503050406030204" pitchFamily="18" charset="0"/>
+                        <a:ea typeface="Cambria Math" panose="02040503050406030204" pitchFamily="18" charset="0"/>
+                      </a:rPr>
+                      <m:t>𝒪</m:t>
+                    </m:r>
+                    <m:d>
+                      <m:dPr>
+                        <m:ctrlPr>
+                          <a:rPr lang="en-IN" sz="2400" i="1">
+                            <a:solidFill>
+                              <a:prstClr val="black">
+                                <a:lumMod val="85000"/>
+                                <a:lumOff val="15000"/>
+                              </a:prstClr>
+                            </a:solidFill>
+                            <a:latin typeface="Cambria Math" panose="02040503050406030204" pitchFamily="18" charset="0"/>
+                            <a:ea typeface="Cambria Math" panose="02040503050406030204" pitchFamily="18" charset="0"/>
+                          </a:rPr>
+                        </m:ctrlPr>
+                      </m:dPr>
+                      <m:e>
+                        <m:r>
+                          <a:rPr lang="en-IN" sz="2400">
+                            <a:solidFill>
+                              <a:prstClr val="black">
+                                <a:lumMod val="85000"/>
+                                <a:lumOff val="15000"/>
+                              </a:prstClr>
+                            </a:solidFill>
+                            <a:latin typeface="Cambria Math" panose="02040503050406030204" pitchFamily="18" charset="0"/>
+                            <a:ea typeface="Cambria Math" panose="02040503050406030204" pitchFamily="18" charset="0"/>
+                          </a:rPr>
+                          <m:t>1/</m:t>
+                        </m:r>
+                        <m:r>
+                          <a:rPr lang="en-IN" sz="2400">
+                            <a:solidFill>
+                              <a:prstClr val="black">
+                                <a:lumMod val="85000"/>
+                                <a:lumOff val="15000"/>
+                              </a:prstClr>
+                            </a:solidFill>
+                            <a:latin typeface="Cambria Math" panose="02040503050406030204" pitchFamily="18" charset="0"/>
+                            <a:ea typeface="Cambria Math" panose="02040503050406030204" pitchFamily="18" charset="0"/>
+                          </a:rPr>
+                          <m:t>𝜖</m:t>
+                        </m:r>
+                      </m:e>
+                    </m:d>
+                  </m:oMath>
+                </a14:m>
+                <a:r>
+                  <a:rPr lang="en-IN" sz="2400" dirty="0" smtClean="0">
+                    <a:solidFill>
+                      <a:schemeClr val="tx1"/>
+                    </a:solidFill>
+                    <a:latin typeface="+mj-lt"/>
+                  </a:rPr>
+                  <a:t> rate of convergence for differentiable convex functions in general. Thus, NAG is able to bring a quadratic reduction in run time!</a:t>
+                </a:r>
+                <a:endParaRPr lang="en-IN" sz="2400" dirty="0">
+                  <a:solidFill>
+                    <a:schemeClr val="tx1"/>
+                  </a:solidFill>
+                  <a:latin typeface="+mj-lt"/>
+                </a:endParaRPr>
+              </a:p>
+            </p:txBody>
+          </p:sp>
+        </mc:Choice>
+        <mc:Fallback>
+          <p:sp>
+            <p:nvSpPr>
+              <p:cNvPr id="7" name="Rectangular Callout 6"/>
+              <p:cNvSpPr>
+                <a:spLocks noRot="1" noChangeAspect="1" noMove="1" noResize="1" noEditPoints="1" noAdjustHandles="1" noChangeArrowheads="1" noChangeShapeType="1" noTextEdit="1"/>
+              </p:cNvSpPr>
+              <p:nvPr/>
+            </p:nvSpPr>
+            <p:spPr>
+              <a:xfrm>
+                <a:off x="2291137" y="1768169"/>
+                <a:ext cx="8101503" cy="1320056"/>
+              </a:xfrm>
+              <a:prstGeom prst="wedgeRectCallout">
+                <a:avLst>
+                  <a:gd name="adj1" fmla="val 58510"/>
+                  <a:gd name="adj2" fmla="val 51456"/>
+                </a:avLst>
+              </a:prstGeom>
+              <a:blipFill>
+                <a:blip r:embed="rId5"/>
+                <a:stretch>
+                  <a:fillRect l="-897" b="-2203"/>
+                </a:stretch>
+              </a:blipFill>
+              <a:ln w="38100">
+                <a:solidFill>
+                  <a:schemeClr val="accent1"/>
+                </a:solidFill>
+              </a:ln>
+            </p:spPr>
+            <p:txBody>
+              <a:bodyPr/>
+              <a:lstStyle/>
+              <a:p>
+                <a:r>
+                  <a:rPr lang="en-IN">
+                    <a:noFill/>
+                  </a:rPr>
+                  <a:t> </a:t>
+                </a:r>
+              </a:p>
+            </p:txBody>
+          </p:sp>
+        </mc:Fallback>
+      </mc:AlternateContent>
+    </p:spTree>
+    <p:extLst>
+      <p:ext uri="{BB962C8B-B14F-4D97-AF65-F5344CB8AC3E}">
+        <p14:creationId xmlns:p14="http://schemas.microsoft.com/office/powerpoint/2010/main" val="2470085050"/>
+      </p:ext>
+    </p:extLst>
+  </p:cSld>
+  <p:clrMapOvr>
+    <a:masterClrMapping/>
+  </p:clrMapOvr>
+  <p:timing>
+    <p:tnLst>
+      <p:par>
+        <p:cTn id="1" dur="indefinite" restart="never" nodeType="tmRoot">
+          <p:childTnLst>
+            <p:seq concurrent="1" nextAc="seek">
+              <p:cTn id="2" dur="indefinite" nodeType="mainSeq">
+                <p:childTnLst>
+                  <p:par>
+                    <p:cTn id="3" fill="hold">
+                      <p:stCondLst>
+                        <p:cond delay="indefinite"/>
+                      </p:stCondLst>
+                      <p:childTnLst>
+                        <p:par>
+                          <p:cTn id="4" fill="hold">
+                            <p:stCondLst>
+                              <p:cond delay="0"/>
+                            </p:stCondLst>
+                            <p:childTnLst>
+                              <p:par>
+                                <p:cTn id="5" presetID="1" presetClass="entr" presetSubtype="0" fill="hold" grpId="0" nodeType="clickEffect">
+                                  <p:stCondLst>
+                                    <p:cond delay="0"/>
+                                  </p:stCondLst>
+                                  <p:childTnLst>
+                                    <p:set>
+                                      <p:cBhvr>
+                                        <p:cTn id="6" dur="1" fill="hold">
+                                          <p:stCondLst>
+                                            <p:cond delay="0"/>
+                                          </p:stCondLst>
+                                        </p:cTn>
+                                        <p:tgtEl>
+                                          <p:spTgt spid="3">
+                                            <p:txEl>
+                                              <p:pRg st="0" end="0"/>
+                                            </p:txEl>
+                                          </p:spTgt>
+                                        </p:tgtEl>
+                                        <p:attrNameLst>
+                                          <p:attrName>style.visibility</p:attrName>
+                                        </p:attrNameLst>
+                                      </p:cBhvr>
+                                      <p:to>
+                                        <p:strVal val="visible"/>
+                                      </p:to>
+                                    </p:set>
+                                  </p:childTnLst>
+                                </p:cTn>
+                              </p:par>
+                            </p:childTnLst>
+                          </p:cTn>
+                        </p:par>
+                      </p:childTnLst>
+                    </p:cTn>
+                  </p:par>
+                  <p:par>
+                    <p:cTn id="7" fill="hold">
+                      <p:stCondLst>
+                        <p:cond delay="indefinite"/>
+                      </p:stCondLst>
+                      <p:childTnLst>
+                        <p:par>
+                          <p:cTn id="8" fill="hold">
+                            <p:stCondLst>
+                              <p:cond delay="0"/>
+                            </p:stCondLst>
+                            <p:childTnLst>
+                              <p:par>
+                                <p:cTn id="9" presetID="1" presetClass="entr" presetSubtype="0" fill="hold" grpId="0" nodeType="clickEffect">
+                                  <p:stCondLst>
+                                    <p:cond delay="0"/>
+                                  </p:stCondLst>
+                                  <p:childTnLst>
+                                    <p:set>
+                                      <p:cBhvr>
+                                        <p:cTn id="10" dur="1" fill="hold">
+                                          <p:stCondLst>
+                                            <p:cond delay="0"/>
+                                          </p:stCondLst>
+                                        </p:cTn>
+                                        <p:tgtEl>
+                                          <p:spTgt spid="3">
+                                            <p:txEl>
+                                              <p:pRg st="1" end="1"/>
+                                            </p:txEl>
+                                          </p:spTgt>
+                                        </p:tgtEl>
+                                        <p:attrNameLst>
+                                          <p:attrName>style.visibility</p:attrName>
+                                        </p:attrNameLst>
+                                      </p:cBhvr>
+                                      <p:to>
+                                        <p:strVal val="visible"/>
+                                      </p:to>
+                                    </p:set>
+                                  </p:childTnLst>
+                                </p:cTn>
+                              </p:par>
+                            </p:childTnLst>
+                          </p:cTn>
+                        </p:par>
+                      </p:childTnLst>
+                    </p:cTn>
+                  </p:par>
+                  <p:par>
+                    <p:cTn id="11" fill="hold">
+                      <p:stCondLst>
+                        <p:cond delay="indefinite"/>
+                      </p:stCondLst>
+                      <p:childTnLst>
+                        <p:par>
+                          <p:cTn id="12" fill="hold">
+                            <p:stCondLst>
+                              <p:cond delay="0"/>
+                            </p:stCondLst>
+                            <p:childTnLst>
+                              <p:par>
+                                <p:cTn id="13" presetID="10" presetClass="entr" presetSubtype="0" fill="hold" nodeType="clickEffect">
+                                  <p:stCondLst>
+                                    <p:cond delay="0"/>
+                                  </p:stCondLst>
+                                  <p:childTnLst>
+                                    <p:set>
+                                      <p:cBhvr>
+                                        <p:cTn id="14" dur="1" fill="hold">
+                                          <p:stCondLst>
+                                            <p:cond delay="0"/>
+                                          </p:stCondLst>
+                                        </p:cTn>
+                                        <p:tgtEl>
+                                          <p:spTgt spid="5"/>
+                                        </p:tgtEl>
+                                        <p:attrNameLst>
+                                          <p:attrName>style.visibility</p:attrName>
+                                        </p:attrNameLst>
+                                      </p:cBhvr>
+                                      <p:to>
+                                        <p:strVal val="visible"/>
+                                      </p:to>
+                                    </p:set>
+                                    <p:animEffect transition="in" filter="fade">
+                                      <p:cBhvr>
+                                        <p:cTn id="15" dur="500"/>
+                                        <p:tgtEl>
+                                          <p:spTgt spid="5"/>
+                                        </p:tgtEl>
+                                      </p:cBhvr>
+                                    </p:animEffect>
+                                  </p:childTnLst>
+                                </p:cTn>
+                              </p:par>
+                            </p:childTnLst>
+                          </p:cTn>
+                        </p:par>
+                      </p:childTnLst>
+                    </p:cTn>
+                  </p:par>
+                  <p:par>
+                    <p:cTn id="16" fill="hold">
+                      <p:stCondLst>
+                        <p:cond delay="indefinite"/>
+                      </p:stCondLst>
+                      <p:childTnLst>
+                        <p:par>
+                          <p:cTn id="17" fill="hold">
+                            <p:stCondLst>
+                              <p:cond delay="0"/>
+                            </p:stCondLst>
+                            <p:childTnLst>
+                              <p:par>
+                                <p:cTn id="18" presetID="1" presetClass="entr" presetSubtype="0" fill="hold" grpId="0" nodeType="clickEffect">
+                                  <p:stCondLst>
+                                    <p:cond delay="0"/>
+                                  </p:stCondLst>
+                                  <p:childTnLst>
+                                    <p:set>
+                                      <p:cBhvr>
+                                        <p:cTn id="19" dur="1" fill="hold">
+                                          <p:stCondLst>
+                                            <p:cond delay="0"/>
+                                          </p:stCondLst>
+                                        </p:cTn>
+                                        <p:tgtEl>
+                                          <p:spTgt spid="3">
+                                            <p:txEl>
+                                              <p:pRg st="2" end="2"/>
+                                            </p:txEl>
+                                          </p:spTgt>
+                                        </p:tgtEl>
+                                        <p:attrNameLst>
+                                          <p:attrName>style.visibility</p:attrName>
+                                        </p:attrNameLst>
+                                      </p:cBhvr>
+                                      <p:to>
+                                        <p:strVal val="visible"/>
+                                      </p:to>
+                                    </p:set>
+                                  </p:childTnLst>
+                                </p:cTn>
+                              </p:par>
+                            </p:childTnLst>
+                          </p:cTn>
+                        </p:par>
+                      </p:childTnLst>
+                    </p:cTn>
+                  </p:par>
+                  <p:par>
+                    <p:cTn id="20" fill="hold">
+                      <p:stCondLst>
+                        <p:cond delay="indefinite"/>
+                      </p:stCondLst>
+                      <p:childTnLst>
+                        <p:par>
+                          <p:cTn id="21" fill="hold">
+                            <p:stCondLst>
+                              <p:cond delay="0"/>
+                            </p:stCondLst>
+                            <p:childTnLst>
+                              <p:par>
+                                <p:cTn id="22" presetID="1" presetClass="entr" presetSubtype="0" fill="hold" grpId="0" nodeType="clickEffect">
+                                  <p:stCondLst>
+                                    <p:cond delay="0"/>
+                                  </p:stCondLst>
+                                  <p:childTnLst>
+                                    <p:set>
+                                      <p:cBhvr>
+                                        <p:cTn id="23" dur="1" fill="hold">
+                                          <p:stCondLst>
+                                            <p:cond delay="0"/>
+                                          </p:stCondLst>
+                                        </p:cTn>
+                                        <p:tgtEl>
+                                          <p:spTgt spid="3">
+                                            <p:txEl>
+                                              <p:pRg st="3" end="3"/>
+                                            </p:txEl>
+                                          </p:spTgt>
+                                        </p:tgtEl>
+                                        <p:attrNameLst>
+                                          <p:attrName>style.visibility</p:attrName>
+                                        </p:attrNameLst>
+                                      </p:cBhvr>
+                                      <p:to>
+                                        <p:strVal val="visible"/>
+                                      </p:to>
+                                    </p:set>
+                                  </p:childTnLst>
+                                </p:cTn>
+                              </p:par>
+                            </p:childTnLst>
+                          </p:cTn>
+                        </p:par>
+                      </p:childTnLst>
+                    </p:cTn>
+                  </p:par>
+                  <p:par>
+                    <p:cTn id="24" fill="hold">
+                      <p:stCondLst>
+                        <p:cond delay="indefinite"/>
+                      </p:stCondLst>
+                      <p:childTnLst>
+                        <p:par>
+                          <p:cTn id="25" fill="hold">
+                            <p:stCondLst>
+                              <p:cond delay="0"/>
+                            </p:stCondLst>
+                            <p:childTnLst>
+                              <p:par>
+                                <p:cTn id="26" presetID="1" presetClass="entr" presetSubtype="0" fill="hold" grpId="0" nodeType="clickEffect">
+                                  <p:stCondLst>
+                                    <p:cond delay="0"/>
+                                  </p:stCondLst>
+                                  <p:childTnLst>
+                                    <p:set>
+                                      <p:cBhvr>
+                                        <p:cTn id="27" dur="1" fill="hold">
+                                          <p:stCondLst>
+                                            <p:cond delay="0"/>
+                                          </p:stCondLst>
+                                        </p:cTn>
+                                        <p:tgtEl>
+                                          <p:spTgt spid="3">
+                                            <p:txEl>
+                                              <p:pRg st="4" end="4"/>
+                                            </p:txEl>
+                                          </p:spTgt>
+                                        </p:tgtEl>
+                                        <p:attrNameLst>
+                                          <p:attrName>style.visibility</p:attrName>
+                                        </p:attrNameLst>
+                                      </p:cBhvr>
+                                      <p:to>
+                                        <p:strVal val="visible"/>
+                                      </p:to>
+                                    </p:set>
+                                  </p:childTnLst>
+                                </p:cTn>
+                              </p:par>
+                            </p:childTnLst>
+                          </p:cTn>
+                        </p:par>
+                      </p:childTnLst>
+                    </p:cTn>
+                  </p:par>
+                  <p:par>
+                    <p:cTn id="28" fill="hold">
+                      <p:stCondLst>
+                        <p:cond delay="indefinite"/>
+                      </p:stCondLst>
+                      <p:childTnLst>
+                        <p:par>
+                          <p:cTn id="29" fill="hold">
+                            <p:stCondLst>
+                              <p:cond delay="0"/>
+                            </p:stCondLst>
+                            <p:childTnLst>
+                              <p:par>
+                                <p:cTn id="30" presetID="1" presetClass="entr" presetSubtype="0" fill="hold" grpId="0" nodeType="clickEffect">
+                                  <p:stCondLst>
+                                    <p:cond delay="0"/>
+                                  </p:stCondLst>
+                                  <p:childTnLst>
+                                    <p:set>
+                                      <p:cBhvr>
+                                        <p:cTn id="31" dur="1" fill="hold">
+                                          <p:stCondLst>
+                                            <p:cond delay="0"/>
+                                          </p:stCondLst>
+                                        </p:cTn>
+                                        <p:tgtEl>
+                                          <p:spTgt spid="3">
+                                            <p:txEl>
+                                              <p:pRg st="5" end="5"/>
+                                            </p:txEl>
+                                          </p:spTgt>
+                                        </p:tgtEl>
+                                        <p:attrNameLst>
+                                          <p:attrName>style.visibility</p:attrName>
+                                        </p:attrNameLst>
+                                      </p:cBhvr>
+                                      <p:to>
+                                        <p:strVal val="visible"/>
+                                      </p:to>
+                                    </p:set>
+                                  </p:childTnLst>
+                                </p:cTn>
+                              </p:par>
+                            </p:childTnLst>
+                          </p:cTn>
+                        </p:par>
+                      </p:childTnLst>
+                    </p:cTn>
+                  </p:par>
+                  <p:par>
+                    <p:cTn id="32" fill="hold">
+                      <p:stCondLst>
+                        <p:cond delay="indefinite"/>
+                      </p:stCondLst>
+                      <p:childTnLst>
+                        <p:par>
+                          <p:cTn id="33" fill="hold">
+                            <p:stCondLst>
+                              <p:cond delay="0"/>
+                            </p:stCondLst>
+                            <p:childTnLst>
+                              <p:par>
+                                <p:cTn id="34" presetID="1" presetClass="entr" presetSubtype="0" fill="hold" nodeType="clickEffect">
+                                  <p:stCondLst>
+                                    <p:cond delay="0"/>
+                                  </p:stCondLst>
+                                  <p:childTnLst>
+                                    <p:set>
+                                      <p:cBhvr>
+                                        <p:cTn id="35" dur="1" fill="hold">
+                                          <p:stCondLst>
+                                            <p:cond delay="0"/>
+                                          </p:stCondLst>
+                                        </p:cTn>
+                                        <p:tgtEl>
+                                          <p:spTgt spid="6"/>
+                                        </p:tgtEl>
+                                        <p:attrNameLst>
+                                          <p:attrName>style.visibility</p:attrName>
+                                        </p:attrNameLst>
+                                      </p:cBhvr>
+                                      <p:to>
+                                        <p:strVal val="visible"/>
+                                      </p:to>
+                                    </p:set>
+                                  </p:childTnLst>
+                                </p:cTn>
+                              </p:par>
+                            </p:childTnLst>
+                          </p:cTn>
+                        </p:par>
+                        <p:par>
+                          <p:cTn id="36" fill="hold">
+                            <p:stCondLst>
+                              <p:cond delay="0"/>
+                            </p:stCondLst>
+                            <p:childTnLst>
+                              <p:par>
+                                <p:cTn id="37" presetID="22" presetClass="entr" presetSubtype="2" fill="hold" grpId="0" nodeType="afterEffect">
+                                  <p:stCondLst>
+                                    <p:cond delay="0"/>
+                                  </p:stCondLst>
+                                  <p:childTnLst>
+                                    <p:set>
+                                      <p:cBhvr>
+                                        <p:cTn id="38" dur="1" fill="hold">
+                                          <p:stCondLst>
+                                            <p:cond delay="0"/>
+                                          </p:stCondLst>
+                                        </p:cTn>
+                                        <p:tgtEl>
+                                          <p:spTgt spid="7"/>
+                                        </p:tgtEl>
+                                        <p:attrNameLst>
+                                          <p:attrName>style.visibility</p:attrName>
+                                        </p:attrNameLst>
+                                      </p:cBhvr>
+                                      <p:to>
+                                        <p:strVal val="visible"/>
+                                      </p:to>
+                                    </p:set>
+                                    <p:animEffect transition="in" filter="wipe(right)">
+                                      <p:cBhvr>
+                                        <p:cTn id="39" dur="500"/>
+                                        <p:tgtEl>
+                                          <p:spTgt spid="7"/>
+                                        </p:tgtEl>
+                                      </p:cBhvr>
+                                    </p:animEffect>
+                                  </p:childTnLst>
+                                </p:cTn>
+                              </p:par>
+                            </p:childTnLst>
+                          </p:cTn>
+                        </p:par>
+                      </p:childTnLst>
+                    </p:cTn>
+                  </p:par>
+                </p:childTnLst>
+              </p:cTn>
+              <p:prevCondLst>
+                <p:cond evt="onPrev" delay="0">
+                  <p:tgtEl>
+                    <p:sldTgt/>
+                  </p:tgtEl>
+                </p:cond>
+              </p:prevCondLst>
+              <p:nextCondLst>
+                <p:cond evt="onNext" delay="0">
+                  <p:tgtEl>
+                    <p:sldTgt/>
+                  </p:tgtEl>
+                </p:cond>
+              </p:nextCondLst>
+            </p:seq>
+          </p:childTnLst>
+        </p:cTn>
+      </p:par>
+    </p:tnLst>
+    <p:bldLst>
+      <p:bldP spid="3" grpId="0" uiExpand="1" build="p"/>
+      <p:bldP spid="7" grpId="0" animBg="1"/>
+    </p:bldLst>
+  </p:timing>
+</p:sld>
+</file>
+
+<file path=ppt/slides/slide22.xml><?xml version="1.0" encoding="utf-8"?>
+<p:sld xmlns:a="http://schemas.openxmlformats.org/drawingml/2006/main" xmlns:r="http://schemas.openxmlformats.org/officeDocument/2006/relationships" xmlns:p="http://schemas.openxmlformats.org/presentationml/2006/main">
+  <p:cSld>
+    <p:spTree>
+      <p:nvGrpSpPr>
+        <p:cNvPr id="1" name=""/>
+        <p:cNvGrpSpPr/>
+        <p:nvPr/>
+      </p:nvGrpSpPr>
+      <p:grpSpPr>
+        <a:xfrm>
+          <a:off x="0" y="0"/>
+          <a:ext cx="0" cy="0"/>
+          <a:chOff x="0" y="0"/>
+          <a:chExt cx="0" cy="0"/>
+        </a:xfrm>
+      </p:grpSpPr>
+      <p:sp>
+        <p:nvSpPr>
+          <p:cNvPr id="2" name="Title 1"/>
+          <p:cNvSpPr>
+            <a:spLocks noGrp="1"/>
+          </p:cNvSpPr>
+          <p:nvPr>
+            <p:ph type="title"/>
+          </p:nvPr>
+        </p:nvSpPr>
+        <p:spPr/>
+        <p:txBody>
+          <a:bodyPr/>
+          <a:lstStyle/>
+          <a:p>
+            <a:r>
+              <a:rPr lang="en-IN" dirty="0" smtClean="0"/>
+              <a:t>Adaptive Learning Rates</a:t>
+            </a:r>
+            <a:endParaRPr lang="en-IN" dirty="0"/>
+          </a:p>
+        </p:txBody>
+      </p:sp>
+      <mc:AlternateContent xmlns:mc="http://schemas.openxmlformats.org/markup-compatibility/2006" xmlns:a14="http://schemas.microsoft.com/office/drawing/2010/main">
+        <mc:Choice Requires="a14">
+          <p:sp>
+            <p:nvSpPr>
+              <p:cNvPr id="3" name="Content Placeholder 2"/>
+              <p:cNvSpPr>
+                <a:spLocks noGrp="1"/>
+              </p:cNvSpPr>
+              <p:nvPr>
+                <p:ph idx="1"/>
+              </p:nvPr>
+            </p:nvSpPr>
+            <p:spPr>
+              <a:xfrm>
+                <a:off x="253353" y="1111624"/>
+                <a:ext cx="11938645" cy="5746376"/>
+              </a:xfrm>
+            </p:spPr>
+            <p:txBody>
+              <a:bodyPr>
+                <a:normAutofit/>
+              </a:bodyPr>
+              <a:lstStyle/>
+              <a:p>
+                <a:r>
+                  <a:rPr lang="en-IN" b="1" dirty="0" err="1" smtClean="0"/>
+                  <a:t>Adagrad</a:t>
+                </a:r>
+                <a:r>
+                  <a:rPr lang="en-IN" dirty="0" smtClean="0"/>
+                  <a:t> (</a:t>
+                </a:r>
+                <a:r>
+                  <a:rPr lang="en-IN" dirty="0" err="1" smtClean="0"/>
+                  <a:t>Duchi</a:t>
+                </a:r>
+                <a:r>
+                  <a:rPr lang="en-IN" dirty="0" smtClean="0"/>
+                  <a:t> et al. 2011) – takes inspiration from Newton’s method</a:t>
+                </a:r>
+              </a:p>
+              <a:p>
+                <a:pPr lvl="2"/>
+                <a:r>
+                  <a:rPr lang="en-IN" dirty="0" smtClean="0"/>
+                  <a:t>Key idea: replace </a:t>
+                </a:r>
+                <a14:m>
+                  <m:oMath xmlns:m="http://schemas.openxmlformats.org/officeDocument/2006/math">
+                    <m:sSup>
+                      <m:sSupPr>
+                        <m:ctrlPr>
+                          <a:rPr lang="en-IN" i="1">
+                            <a:latin typeface="Cambria Math" panose="02040503050406030204" pitchFamily="18" charset="0"/>
+                          </a:rPr>
+                        </m:ctrlPr>
+                      </m:sSupPr>
+                      <m:e>
+                        <m:r>
+                          <a:rPr lang="en-IN">
+                            <a:latin typeface="Cambria Math" panose="02040503050406030204" pitchFamily="18" charset="0"/>
+                          </a:rPr>
+                          <m:t>𝛻</m:t>
+                        </m:r>
+                      </m:e>
+                      <m:sup>
+                        <m:r>
+                          <a:rPr lang="en-IN">
+                            <a:latin typeface="Cambria Math" panose="02040503050406030204" pitchFamily="18" charset="0"/>
+                          </a:rPr>
+                          <m:t>2</m:t>
+                        </m:r>
+                      </m:sup>
+                    </m:sSup>
+                    <m:r>
+                      <a:rPr lang="en-IN">
+                        <a:latin typeface="Cambria Math" panose="02040503050406030204" pitchFamily="18" charset="0"/>
+                      </a:rPr>
+                      <m:t>𝐹</m:t>
+                    </m:r>
+                    <m:d>
+                      <m:dPr>
+                        <m:ctrlPr>
+                          <a:rPr lang="en-IN" i="1">
+                            <a:latin typeface="Cambria Math" panose="02040503050406030204" pitchFamily="18" charset="0"/>
+                          </a:rPr>
+                        </m:ctrlPr>
+                      </m:dPr>
+                      <m:e>
+                        <m:sSup>
+                          <m:sSupPr>
+                            <m:ctrlPr>
+                              <a:rPr lang="en-IN" i="1">
+                                <a:latin typeface="Cambria Math" panose="02040503050406030204" pitchFamily="18" charset="0"/>
+                              </a:rPr>
+                            </m:ctrlPr>
+                          </m:sSupPr>
+                          <m:e>
+                            <m:r>
+                              <a:rPr lang="en-IN" b="1">
+                                <a:latin typeface="Cambria Math" panose="02040503050406030204" pitchFamily="18" charset="0"/>
+                              </a:rPr>
+                              <m:t>𝐰</m:t>
+                            </m:r>
+                          </m:e>
+                          <m:sup>
+                            <m:r>
+                              <a:rPr lang="en-IN">
+                                <a:latin typeface="Cambria Math" panose="02040503050406030204" pitchFamily="18" charset="0"/>
+                              </a:rPr>
+                              <m:t>𝑡</m:t>
+                            </m:r>
+                          </m:sup>
+                        </m:sSup>
+                      </m:e>
+                    </m:d>
+                  </m:oMath>
+                </a14:m>
+                <a:r>
+                  <a:rPr lang="en-IN" dirty="0"/>
+                  <a:t> with a diagonal matrix </a:t>
+                </a:r>
+                <a14:m>
+                  <m:oMath xmlns:m="http://schemas.openxmlformats.org/officeDocument/2006/math">
+                    <m:sSup>
+                      <m:sSupPr>
+                        <m:ctrlPr>
+                          <a:rPr lang="en-IN" i="1">
+                            <a:latin typeface="Cambria Math" panose="02040503050406030204" pitchFamily="18" charset="0"/>
+                          </a:rPr>
+                        </m:ctrlPr>
+                      </m:sSupPr>
+                      <m:e>
+                        <m:r>
+                          <a:rPr lang="en-IN">
+                            <a:latin typeface="Cambria Math" panose="02040503050406030204" pitchFamily="18" charset="0"/>
+                          </a:rPr>
+                          <m:t>𝐻</m:t>
+                        </m:r>
+                      </m:e>
+                      <m:sup>
+                        <m:r>
+                          <a:rPr lang="en-IN">
+                            <a:latin typeface="Cambria Math" panose="02040503050406030204" pitchFamily="18" charset="0"/>
+                          </a:rPr>
+                          <m:t>𝑡</m:t>
+                        </m:r>
+                      </m:sup>
+                    </m:sSup>
+                  </m:oMath>
+                </a14:m>
+                <a:r>
+                  <a:rPr lang="en-IN" dirty="0"/>
+                  <a:t> – much </a:t>
+                </a:r>
+                <a:r>
+                  <a:rPr lang="en-IN" dirty="0" smtClean="0"/>
+                  <a:t>cheaper</a:t>
+                </a:r>
+              </a:p>
+              <a:p>
+                <a:pPr lvl="2"/>
+                <a:r>
+                  <a:rPr lang="en-IN" dirty="0"/>
+                  <a:t>U</a:t>
+                </a:r>
+                <a:r>
+                  <a:rPr lang="en-IN" dirty="0" smtClean="0"/>
+                  <a:t>se past updates to calculate </a:t>
+                </a:r>
+                <a14:m>
+                  <m:oMath xmlns:m="http://schemas.openxmlformats.org/officeDocument/2006/math">
+                    <m:sSup>
+                      <m:sSupPr>
+                        <m:ctrlPr>
+                          <a:rPr lang="en-IN" b="0" i="1" smtClean="0">
+                            <a:latin typeface="Cambria Math" panose="02040503050406030204" pitchFamily="18" charset="0"/>
+                          </a:rPr>
+                        </m:ctrlPr>
+                      </m:sSupPr>
+                      <m:e>
+                        <m:r>
+                          <a:rPr lang="en-IN" b="0" i="1" smtClean="0">
+                            <a:latin typeface="Cambria Math" panose="02040503050406030204" pitchFamily="18" charset="0"/>
+                          </a:rPr>
+                          <m:t>𝐻</m:t>
+                        </m:r>
+                      </m:e>
+                      <m:sup>
+                        <m:r>
+                          <a:rPr lang="en-IN" b="0" i="1" smtClean="0">
+                            <a:latin typeface="Cambria Math" panose="02040503050406030204" pitchFamily="18" charset="0"/>
+                          </a:rPr>
+                          <m:t>𝑡</m:t>
+                        </m:r>
+                      </m:sup>
+                    </m:sSup>
+                  </m:oMath>
+                </a14:m>
+                <a:endParaRPr lang="en-IN" b="0" i="1" dirty="0" smtClean="0">
+                  <a:latin typeface="Cambria Math" panose="02040503050406030204" pitchFamily="18" charset="0"/>
+                </a:endParaRPr>
+              </a:p>
+              <a:p>
+                <a:pPr lvl="2" algn="ctr"/>
+                <a14:m>
+                  <m:oMath xmlns:m="http://schemas.openxmlformats.org/officeDocument/2006/math">
+                    <m:sSup>
+                      <m:sSupPr>
+                        <m:ctrlPr>
+                          <a:rPr lang="en-IN" i="1">
+                            <a:latin typeface="Cambria Math" panose="02040503050406030204" pitchFamily="18" charset="0"/>
+                          </a:rPr>
+                        </m:ctrlPr>
+                      </m:sSupPr>
+                      <m:e>
+                        <m:r>
+                          <a:rPr lang="en-IN">
+                            <a:latin typeface="Cambria Math" panose="02040503050406030204" pitchFamily="18" charset="0"/>
+                          </a:rPr>
+                          <m:t>𝐻</m:t>
+                        </m:r>
+                      </m:e>
+                      <m:sup>
+                        <m:r>
+                          <a:rPr lang="en-IN">
+                            <a:latin typeface="Cambria Math" panose="02040503050406030204" pitchFamily="18" charset="0"/>
+                          </a:rPr>
+                          <m:t>𝑡</m:t>
+                        </m:r>
+                      </m:sup>
+                    </m:sSup>
+                    <m:r>
+                      <a:rPr lang="en-IN">
+                        <a:latin typeface="Cambria Math" panose="02040503050406030204" pitchFamily="18" charset="0"/>
+                      </a:rPr>
+                      <m:t>=</m:t>
+                    </m:r>
+                    <m:r>
+                      <m:rPr>
+                        <m:sty m:val="p"/>
+                      </m:rPr>
+                      <a:rPr lang="en-IN">
+                        <a:latin typeface="Cambria Math" panose="02040503050406030204" pitchFamily="18" charset="0"/>
+                      </a:rPr>
+                      <m:t>diag</m:t>
+                    </m:r>
+                    <m:d>
+                      <m:dPr>
+                        <m:ctrlPr>
+                          <a:rPr lang="en-IN" i="1">
+                            <a:latin typeface="Cambria Math" panose="02040503050406030204" pitchFamily="18" charset="0"/>
+                          </a:rPr>
+                        </m:ctrlPr>
+                      </m:dPr>
+                      <m:e>
+                        <m:sSubSup>
+                          <m:sSubSupPr>
+                            <m:ctrlPr>
+                              <a:rPr lang="en-IN" i="1">
+                                <a:latin typeface="Cambria Math" panose="02040503050406030204" pitchFamily="18" charset="0"/>
+                              </a:rPr>
+                            </m:ctrlPr>
+                          </m:sSubSupPr>
+                          <m:e>
+                            <m:r>
+                              <a:rPr lang="en-IN">
+                                <a:latin typeface="Cambria Math" panose="02040503050406030204" pitchFamily="18" charset="0"/>
+                              </a:rPr>
+                              <m:t>h</m:t>
+                            </m:r>
+                          </m:e>
+                          <m:sub>
+                            <m:r>
+                              <a:rPr lang="en-IN">
+                                <a:latin typeface="Cambria Math" panose="02040503050406030204" pitchFamily="18" charset="0"/>
+                              </a:rPr>
+                              <m:t>1</m:t>
+                            </m:r>
+                          </m:sub>
+                          <m:sup>
+                            <m:r>
+                              <a:rPr lang="en-IN">
+                                <a:latin typeface="Cambria Math" panose="02040503050406030204" pitchFamily="18" charset="0"/>
+                              </a:rPr>
+                              <m:t>𝑡</m:t>
+                            </m:r>
+                          </m:sup>
+                        </m:sSubSup>
+                        <m:r>
+                          <a:rPr lang="en-IN">
+                            <a:latin typeface="Cambria Math" panose="02040503050406030204" pitchFamily="18" charset="0"/>
+                          </a:rPr>
+                          <m:t>,</m:t>
+                        </m:r>
+                        <m:r>
+                          <a:rPr lang="en-IN" i="1" smtClean="0">
+                            <a:latin typeface="Cambria Math" panose="02040503050406030204" pitchFamily="18" charset="0"/>
+                          </a:rPr>
+                          <m:t> </m:t>
+                        </m:r>
+                        <m:r>
+                          <a:rPr lang="en-IN">
+                            <a:latin typeface="Cambria Math" panose="02040503050406030204" pitchFamily="18" charset="0"/>
+                          </a:rPr>
+                          <m:t>…,</m:t>
+                        </m:r>
+                        <m:sSubSup>
+                          <m:sSubSupPr>
+                            <m:ctrlPr>
+                              <a:rPr lang="en-IN" i="1">
+                                <a:latin typeface="Cambria Math" panose="02040503050406030204" pitchFamily="18" charset="0"/>
+                              </a:rPr>
+                            </m:ctrlPr>
+                          </m:sSubSupPr>
+                          <m:e>
+                            <m:r>
+                              <a:rPr lang="en-IN">
+                                <a:latin typeface="Cambria Math" panose="02040503050406030204" pitchFamily="18" charset="0"/>
+                              </a:rPr>
+                              <m:t>h</m:t>
+                            </m:r>
+                          </m:e>
+                          <m:sub>
+                            <m:r>
+                              <a:rPr lang="en-IN">
+                                <a:latin typeface="Cambria Math" panose="02040503050406030204" pitchFamily="18" charset="0"/>
+                              </a:rPr>
+                              <m:t>𝑑</m:t>
+                            </m:r>
+                          </m:sub>
+                          <m:sup>
+                            <m:r>
+                              <a:rPr lang="en-IN">
+                                <a:latin typeface="Cambria Math" panose="02040503050406030204" pitchFamily="18" charset="0"/>
+                              </a:rPr>
+                              <m:t>𝑡</m:t>
+                            </m:r>
+                          </m:sup>
+                        </m:sSubSup>
+                      </m:e>
+                    </m:d>
+                  </m:oMath>
+                </a14:m>
+                <a:r>
+                  <a:rPr lang="en-IN" dirty="0" smtClean="0"/>
+                  <a:t> where </a:t>
+                </a:r>
+                <a14:m>
+                  <m:oMath xmlns:m="http://schemas.openxmlformats.org/officeDocument/2006/math">
+                    <m:sSubSup>
+                      <m:sSubSupPr>
+                        <m:ctrlPr>
+                          <a:rPr lang="en-IN" i="1">
+                            <a:latin typeface="Cambria Math" panose="02040503050406030204" pitchFamily="18" charset="0"/>
+                          </a:rPr>
+                        </m:ctrlPr>
+                      </m:sSubSupPr>
+                      <m:e>
+                        <m:r>
+                          <a:rPr lang="en-IN" i="1">
+                            <a:latin typeface="Cambria Math" panose="02040503050406030204" pitchFamily="18" charset="0"/>
+                          </a:rPr>
+                          <m:t>h</m:t>
+                        </m:r>
+                      </m:e>
+                      <m:sub>
+                        <m:r>
+                          <a:rPr lang="en-IN" i="1">
+                            <a:latin typeface="Cambria Math" panose="02040503050406030204" pitchFamily="18" charset="0"/>
+                          </a:rPr>
+                          <m:t>𝑖</m:t>
+                        </m:r>
+                      </m:sub>
+                      <m:sup>
+                        <m:r>
+                          <a:rPr lang="en-IN" i="1">
+                            <a:latin typeface="Cambria Math" panose="02040503050406030204" pitchFamily="18" charset="0"/>
+                          </a:rPr>
+                          <m:t>𝑡</m:t>
+                        </m:r>
+                      </m:sup>
+                    </m:sSubSup>
+                    <m:r>
+                      <a:rPr lang="en-IN" i="1">
+                        <a:latin typeface="Cambria Math" panose="02040503050406030204" pitchFamily="18" charset="0"/>
+                      </a:rPr>
+                      <m:t>=</m:t>
+                    </m:r>
+                    <m:rad>
+                      <m:radPr>
+                        <m:degHide m:val="on"/>
+                        <m:ctrlPr>
+                          <a:rPr lang="en-IN" i="1">
+                            <a:latin typeface="Cambria Math" panose="02040503050406030204" pitchFamily="18" charset="0"/>
+                          </a:rPr>
+                        </m:ctrlPr>
+                      </m:radPr>
+                      <m:deg/>
+                      <m:e>
+                        <m:r>
+                          <a:rPr lang="en-IN" i="1">
+                            <a:latin typeface="Cambria Math" panose="02040503050406030204" pitchFamily="18" charset="0"/>
+                          </a:rPr>
+                          <m:t>𝜖</m:t>
+                        </m:r>
+                        <m:r>
+                          <a:rPr lang="en-IN" i="1">
+                            <a:latin typeface="Cambria Math" panose="02040503050406030204" pitchFamily="18" charset="0"/>
+                          </a:rPr>
+                          <m:t>+</m:t>
+                        </m:r>
+                        <m:nary>
+                          <m:naryPr>
+                            <m:chr m:val="∑"/>
+                            <m:ctrlPr>
+                              <a:rPr lang="en-IN" i="1">
+                                <a:latin typeface="Cambria Math" panose="02040503050406030204" pitchFamily="18" charset="0"/>
+                              </a:rPr>
+                            </m:ctrlPr>
+                          </m:naryPr>
+                          <m:sub>
+                            <m:r>
+                              <a:rPr lang="en-IN" i="1">
+                                <a:latin typeface="Cambria Math" panose="02040503050406030204" pitchFamily="18" charset="0"/>
+                              </a:rPr>
+                              <m:t>𝜏</m:t>
+                            </m:r>
+                            <m:r>
+                              <a:rPr lang="en-IN" i="1">
+                                <a:latin typeface="Cambria Math" panose="02040503050406030204" pitchFamily="18" charset="0"/>
+                              </a:rPr>
+                              <m:t>=1</m:t>
+                            </m:r>
+                          </m:sub>
+                          <m:sup>
+                            <m:r>
+                              <a:rPr lang="en-IN" i="1">
+                                <a:latin typeface="Cambria Math" panose="02040503050406030204" pitchFamily="18" charset="0"/>
+                              </a:rPr>
+                              <m:t>𝑡</m:t>
+                            </m:r>
+                          </m:sup>
+                          <m:e>
+                            <m:sSup>
+                              <m:sSupPr>
+                                <m:ctrlPr>
+                                  <a:rPr lang="en-IN" i="1">
+                                    <a:latin typeface="Cambria Math" panose="02040503050406030204" pitchFamily="18" charset="0"/>
+                                  </a:rPr>
+                                </m:ctrlPr>
+                              </m:sSupPr>
+                              <m:e>
+                                <m:d>
+                                  <m:dPr>
+                                    <m:ctrlPr>
+                                      <a:rPr lang="en-IN" i="1">
+                                        <a:latin typeface="Cambria Math" panose="02040503050406030204" pitchFamily="18" charset="0"/>
+                                      </a:rPr>
+                                    </m:ctrlPr>
+                                  </m:dPr>
+                                  <m:e>
+                                    <m:sSubSup>
+                                      <m:sSubSupPr>
+                                        <m:ctrlPr>
+                                          <a:rPr lang="en-IN" i="1">
+                                            <a:latin typeface="Cambria Math" panose="02040503050406030204" pitchFamily="18" charset="0"/>
+                                          </a:rPr>
+                                        </m:ctrlPr>
+                                      </m:sSubSupPr>
+                                      <m:e>
+                                        <m:r>
+                                          <a:rPr lang="en-IN" b="1">
+                                            <a:latin typeface="Cambria Math" panose="02040503050406030204" pitchFamily="18" charset="0"/>
+                                          </a:rPr>
+                                          <m:t>𝐠</m:t>
+                                        </m:r>
+                                      </m:e>
+                                      <m:sub>
+                                        <m:r>
+                                          <a:rPr lang="en-IN" i="1">
+                                            <a:latin typeface="Cambria Math" panose="02040503050406030204" pitchFamily="18" charset="0"/>
+                                          </a:rPr>
+                                          <m:t>𝑖</m:t>
+                                        </m:r>
+                                      </m:sub>
+                                      <m:sup>
+                                        <m:r>
+                                          <a:rPr lang="en-IN" i="1">
+                                            <a:latin typeface="Cambria Math" panose="02040503050406030204" pitchFamily="18" charset="0"/>
+                                          </a:rPr>
+                                          <m:t>𝜏</m:t>
+                                        </m:r>
+                                      </m:sup>
+                                    </m:sSubSup>
+                                  </m:e>
+                                </m:d>
+                              </m:e>
+                              <m:sup>
+                                <m:r>
+                                  <a:rPr lang="en-IN" i="1">
+                                    <a:latin typeface="Cambria Math" panose="02040503050406030204" pitchFamily="18" charset="0"/>
+                                  </a:rPr>
+                                  <m:t>2</m:t>
+                                </m:r>
+                              </m:sup>
+                            </m:sSup>
+                          </m:e>
+                        </m:nary>
+                      </m:e>
+                    </m:rad>
+                  </m:oMath>
+                </a14:m>
+                <a:endParaRPr lang="en-IN" dirty="0" smtClean="0"/>
+              </a:p>
+              <a:p>
+                <a:pPr lvl="2"/>
+                <a:r>
+                  <a:rPr lang="en-IN" dirty="0" smtClean="0"/>
+                  <a:t>If a coordinate got very vigorous updates in the past </a:t>
+                </a:r>
+                <a14:m>
+                  <m:oMath xmlns:m="http://schemas.openxmlformats.org/officeDocument/2006/math">
+                    <m:d>
+                      <m:dPr>
+                        <m:begChr m:val="|"/>
+                        <m:endChr m:val="|"/>
+                        <m:ctrlPr>
+                          <a:rPr lang="en-IN" b="0" i="1" smtClean="0">
+                            <a:latin typeface="Cambria Math" panose="02040503050406030204" pitchFamily="18" charset="0"/>
+                          </a:rPr>
+                        </m:ctrlPr>
+                      </m:dPr>
+                      <m:e>
+                        <m:sSubSup>
+                          <m:sSubSupPr>
+                            <m:ctrlPr>
+                              <a:rPr lang="en-IN" b="0" i="1" smtClean="0">
+                                <a:latin typeface="Cambria Math" panose="02040503050406030204" pitchFamily="18" charset="0"/>
+                              </a:rPr>
+                            </m:ctrlPr>
+                          </m:sSubSupPr>
+                          <m:e>
+                            <m:r>
+                              <a:rPr lang="en-IN" b="0" i="1" smtClean="0">
+                                <a:latin typeface="Cambria Math" panose="02040503050406030204" pitchFamily="18" charset="0"/>
+                              </a:rPr>
+                              <m:t>𝑔</m:t>
+                            </m:r>
+                          </m:e>
+                          <m:sub>
+                            <m:r>
+                              <a:rPr lang="en-IN" b="0" i="1" smtClean="0">
+                                <a:latin typeface="Cambria Math" panose="02040503050406030204" pitchFamily="18" charset="0"/>
+                              </a:rPr>
+                              <m:t>𝑖</m:t>
+                            </m:r>
+                          </m:sub>
+                          <m:sup>
+                            <m:r>
+                              <a:rPr lang="en-IN" b="0" i="1" smtClean="0">
+                                <a:latin typeface="Cambria Math" panose="02040503050406030204" pitchFamily="18" charset="0"/>
+                              </a:rPr>
+                              <m:t>𝜏</m:t>
+                            </m:r>
+                          </m:sup>
+                        </m:sSubSup>
+                      </m:e>
+                    </m:d>
+                    <m:r>
+                      <a:rPr lang="en-IN" b="0" i="1" smtClean="0">
+                        <a:latin typeface="Cambria Math" panose="02040503050406030204" pitchFamily="18" charset="0"/>
+                      </a:rPr>
+                      <m:t>≫0</m:t>
+                    </m:r>
+                  </m:oMath>
+                </a14:m>
+                <a:r>
+                  <a:rPr lang="en-IN" dirty="0" smtClean="0"/>
+                  <a:t>, mellow its future updates</a:t>
+                </a:r>
+              </a:p>
+              <a:p>
+                <a:pPr lvl="2"/>
+                <a:r>
+                  <a:rPr lang="en-IN" dirty="0" smtClean="0"/>
+                  <a:t>Reduces to </a:t>
+                </a:r>
+                <a14:m>
+                  <m:oMath xmlns:m="http://schemas.openxmlformats.org/officeDocument/2006/math">
+                    <m:sSub>
+                      <m:sSubPr>
+                        <m:ctrlPr>
+                          <a:rPr lang="en-IN" i="1">
+                            <a:latin typeface="Cambria Math" panose="02040503050406030204" pitchFamily="18" charset="0"/>
+                          </a:rPr>
+                        </m:ctrlPr>
+                      </m:sSubPr>
+                      <m:e>
+                        <m:r>
+                          <a:rPr lang="en-IN">
+                            <a:latin typeface="Cambria Math" panose="02040503050406030204" pitchFamily="18" charset="0"/>
+                          </a:rPr>
+                          <m:t>𝜂</m:t>
+                        </m:r>
+                      </m:e>
+                      <m:sub>
+                        <m:r>
+                          <a:rPr lang="en-IN">
+                            <a:latin typeface="Cambria Math" panose="02040503050406030204" pitchFamily="18" charset="0"/>
+                          </a:rPr>
+                          <m:t>𝑡</m:t>
+                        </m:r>
+                      </m:sub>
+                    </m:sSub>
+                    <m:r>
+                      <a:rPr lang="en-IN">
+                        <a:latin typeface="Cambria Math" panose="02040503050406030204" pitchFamily="18" charset="0"/>
+                      </a:rPr>
+                      <m:t>≈</m:t>
+                    </m:r>
+                    <m:r>
+                      <a:rPr lang="en-IN">
+                        <a:latin typeface="Cambria Math" panose="02040503050406030204" pitchFamily="18" charset="0"/>
+                      </a:rPr>
+                      <m:t>𝜂</m:t>
+                    </m:r>
+                    <m:r>
+                      <a:rPr lang="en-IN">
+                        <a:latin typeface="Cambria Math" panose="02040503050406030204" pitchFamily="18" charset="0"/>
+                      </a:rPr>
+                      <m:t>/</m:t>
+                    </m:r>
+                    <m:r>
+                      <a:rPr lang="en-IN">
+                        <a:latin typeface="Cambria Math" panose="02040503050406030204" pitchFamily="18" charset="0"/>
+                      </a:rPr>
+                      <m:t>𝑡</m:t>
+                    </m:r>
+                  </m:oMath>
+                </a14:m>
+                <a:r>
+                  <a:rPr lang="en-US" dirty="0" smtClean="0"/>
+                  <a:t> if </a:t>
+                </a:r>
+                <a:r>
+                  <a:rPr lang="en-IN" dirty="0"/>
+                  <a:t>all coordinates </a:t>
+                </a:r>
+                <a:r>
+                  <a:rPr lang="en-IN" dirty="0" smtClean="0"/>
+                  <a:t>got </a:t>
+                </a:r>
+                <a:r>
+                  <a:rPr lang="en-IN" dirty="0"/>
+                  <a:t>roughly similar gradients </a:t>
+                </a:r>
+                <a:r>
+                  <a:rPr lang="en-IN" dirty="0" smtClean="0"/>
+                  <a:t>in the past since then we would have had </a:t>
+                </a:r>
+                <a14:m>
+                  <m:oMath xmlns:m="http://schemas.openxmlformats.org/officeDocument/2006/math">
+                    <m:sSubSup>
+                      <m:sSubSupPr>
+                        <m:ctrlPr>
+                          <a:rPr lang="en-IN" i="1">
+                            <a:latin typeface="Cambria Math" panose="02040503050406030204" pitchFamily="18" charset="0"/>
+                          </a:rPr>
+                        </m:ctrlPr>
+                      </m:sSubSupPr>
+                      <m:e>
+                        <m:r>
+                          <a:rPr lang="en-IN">
+                            <a:latin typeface="Cambria Math" panose="02040503050406030204" pitchFamily="18" charset="0"/>
+                          </a:rPr>
+                          <m:t>h</m:t>
+                        </m:r>
+                      </m:e>
+                      <m:sub>
+                        <m:r>
+                          <a:rPr lang="en-IN">
+                            <a:latin typeface="Cambria Math" panose="02040503050406030204" pitchFamily="18" charset="0"/>
+                          </a:rPr>
+                          <m:t>𝑖</m:t>
+                        </m:r>
+                      </m:sub>
+                      <m:sup>
+                        <m:r>
+                          <a:rPr lang="en-IN">
+                            <a:latin typeface="Cambria Math" panose="02040503050406030204" pitchFamily="18" charset="0"/>
+                          </a:rPr>
+                          <m:t>𝑡</m:t>
+                        </m:r>
+                      </m:sup>
+                    </m:sSubSup>
+                    <m:r>
+                      <a:rPr lang="en-IN">
+                        <a:latin typeface="Cambria Math" panose="02040503050406030204" pitchFamily="18" charset="0"/>
+                      </a:rPr>
+                      <m:t>≈</m:t>
+                    </m:r>
+                    <m:r>
+                      <a:rPr lang="en-IN" i="1" smtClean="0">
+                        <a:latin typeface="Cambria Math" panose="02040503050406030204" pitchFamily="18" charset="0"/>
+                        <a:ea typeface="Cambria Math" panose="02040503050406030204" pitchFamily="18" charset="0"/>
+                      </a:rPr>
+                      <m:t>𝒪</m:t>
+                    </m:r>
+                    <m:d>
+                      <m:dPr>
+                        <m:ctrlPr>
+                          <a:rPr lang="en-IN" b="0" i="1" smtClean="0">
+                            <a:latin typeface="Cambria Math" panose="02040503050406030204" pitchFamily="18" charset="0"/>
+                            <a:ea typeface="Cambria Math" panose="02040503050406030204" pitchFamily="18" charset="0"/>
+                          </a:rPr>
+                        </m:ctrlPr>
+                      </m:dPr>
+                      <m:e>
+                        <m:r>
+                          <a:rPr lang="en-IN">
+                            <a:latin typeface="Cambria Math" panose="02040503050406030204" pitchFamily="18" charset="0"/>
+                          </a:rPr>
+                          <m:t>𝑡</m:t>
+                        </m:r>
+                      </m:e>
+                    </m:d>
+                  </m:oMath>
+                </a14:m>
+                <a:r>
+                  <a:rPr lang="en-US" dirty="0"/>
+                  <a:t> </a:t>
+                </a:r>
+                <a:r>
+                  <a:rPr lang="en-US" dirty="0" smtClean="0"/>
+                  <a:t>for all </a:t>
+                </a:r>
+                <a14:m>
+                  <m:oMath xmlns:m="http://schemas.openxmlformats.org/officeDocument/2006/math">
+                    <m:r>
+                      <a:rPr lang="en-IN" b="0" i="1" smtClean="0">
+                        <a:latin typeface="Cambria Math" panose="02040503050406030204" pitchFamily="18" charset="0"/>
+                      </a:rPr>
+                      <m:t>𝑖</m:t>
+                    </m:r>
+                    <m:r>
+                      <a:rPr lang="en-IN" b="0" i="1" smtClean="0">
+                        <a:latin typeface="Cambria Math" panose="02040503050406030204" pitchFamily="18" charset="0"/>
+                      </a:rPr>
+                      <m:t>∈</m:t>
+                    </m:r>
+                    <m:d>
+                      <m:dPr>
+                        <m:begChr m:val="["/>
+                        <m:endChr m:val="]"/>
+                        <m:ctrlPr>
+                          <a:rPr lang="en-IN" b="0" i="1" smtClean="0">
+                            <a:latin typeface="Cambria Math" panose="02040503050406030204" pitchFamily="18" charset="0"/>
+                          </a:rPr>
+                        </m:ctrlPr>
+                      </m:dPr>
+                      <m:e>
+                        <m:r>
+                          <a:rPr lang="en-IN" b="0" i="1" smtClean="0">
+                            <a:latin typeface="Cambria Math" panose="02040503050406030204" pitchFamily="18" charset="0"/>
+                          </a:rPr>
+                          <m:t>𝑑</m:t>
+                        </m:r>
+                      </m:e>
+                    </m:d>
+                  </m:oMath>
+                </a14:m>
+                <a:endParaRPr lang="en-US" dirty="0" smtClean="0"/>
+              </a:p>
+              <a:p>
+                <a:pPr lvl="2"/>
+                <a:r>
+                  <a:rPr lang="en-IN" dirty="0"/>
+                  <a:t>If some coordinate is </a:t>
+                </a:r>
+                <a:r>
+                  <a:rPr lang="en-IN" dirty="0" smtClean="0"/>
+                  <a:t>static, not getting updated at all i.e. </a:t>
+                </a:r>
+                <a14:m>
+                  <m:oMath xmlns:m="http://schemas.openxmlformats.org/officeDocument/2006/math">
+                    <m:sSubSup>
+                      <m:sSubSupPr>
+                        <m:ctrlPr>
+                          <a:rPr lang="en-IN" i="1">
+                            <a:latin typeface="Cambria Math" panose="02040503050406030204" pitchFamily="18" charset="0"/>
+                          </a:rPr>
+                        </m:ctrlPr>
+                      </m:sSubSupPr>
+                      <m:e>
+                        <m:r>
+                          <a:rPr lang="en-IN" b="1" i="0">
+                            <a:latin typeface="Cambria Math" panose="02040503050406030204" pitchFamily="18" charset="0"/>
+                          </a:rPr>
+                          <m:t>𝐠</m:t>
+                        </m:r>
+                      </m:e>
+                      <m:sub>
+                        <m:r>
+                          <a:rPr lang="en-IN">
+                            <a:latin typeface="Cambria Math" panose="02040503050406030204" pitchFamily="18" charset="0"/>
+                          </a:rPr>
+                          <m:t>𝑖</m:t>
+                        </m:r>
+                      </m:sub>
+                      <m:sup>
+                        <m:r>
+                          <a:rPr lang="en-IN">
+                            <a:latin typeface="Cambria Math" panose="02040503050406030204" pitchFamily="18" charset="0"/>
+                          </a:rPr>
+                          <m:t>𝜏</m:t>
+                        </m:r>
+                      </m:sup>
+                    </m:sSubSup>
+                    <m:r>
+                      <a:rPr lang="en-IN">
+                        <a:latin typeface="Cambria Math" panose="02040503050406030204" pitchFamily="18" charset="0"/>
+                      </a:rPr>
+                      <m:t>≡0</m:t>
+                    </m:r>
+                  </m:oMath>
+                </a14:m>
+                <a:r>
+                  <a:rPr lang="en-US" dirty="0"/>
+                  <a:t> for all </a:t>
+                </a:r>
+                <a14:m>
+                  <m:oMath xmlns:m="http://schemas.openxmlformats.org/officeDocument/2006/math">
+                    <m:r>
+                      <a:rPr lang="en-IN">
+                        <a:latin typeface="Cambria Math" panose="02040503050406030204" pitchFamily="18" charset="0"/>
+                      </a:rPr>
+                      <m:t>𝜏</m:t>
+                    </m:r>
+                  </m:oMath>
+                </a14:m>
+                <a:r>
+                  <a:rPr lang="en-US" dirty="0"/>
+                  <a:t>, then </a:t>
+                </a:r>
+                <a14:m>
+                  <m:oMath xmlns:m="http://schemas.openxmlformats.org/officeDocument/2006/math">
+                    <m:sSubSup>
+                      <m:sSubSupPr>
+                        <m:ctrlPr>
+                          <a:rPr lang="en-IN" i="1">
+                            <a:latin typeface="Cambria Math" panose="02040503050406030204" pitchFamily="18" charset="0"/>
+                          </a:rPr>
+                        </m:ctrlPr>
+                      </m:sSubSupPr>
+                      <m:e>
+                        <m:r>
+                          <a:rPr lang="en-IN">
+                            <a:latin typeface="Cambria Math" panose="02040503050406030204" pitchFamily="18" charset="0"/>
+                          </a:rPr>
+                          <m:t>h</m:t>
+                        </m:r>
+                      </m:e>
+                      <m:sub>
+                        <m:r>
+                          <a:rPr lang="en-IN">
+                            <a:latin typeface="Cambria Math" panose="02040503050406030204" pitchFamily="18" charset="0"/>
+                          </a:rPr>
+                          <m:t>𝑖</m:t>
+                        </m:r>
+                      </m:sub>
+                      <m:sup>
+                        <m:r>
+                          <a:rPr lang="en-IN">
+                            <a:latin typeface="Cambria Math" panose="02040503050406030204" pitchFamily="18" charset="0"/>
+                          </a:rPr>
+                          <m:t>𝑡</m:t>
+                        </m:r>
+                      </m:sup>
+                    </m:sSubSup>
+                    <m:r>
+                      <a:rPr lang="en-IN">
+                        <a:latin typeface="Cambria Math" panose="02040503050406030204" pitchFamily="18" charset="0"/>
+                      </a:rPr>
+                      <m:t>=</m:t>
+                    </m:r>
+                    <m:rad>
+                      <m:radPr>
+                        <m:degHide m:val="on"/>
+                        <m:ctrlPr>
+                          <a:rPr lang="en-IN" b="0" i="1" smtClean="0">
+                            <a:latin typeface="Cambria Math" panose="02040503050406030204" pitchFamily="18" charset="0"/>
+                          </a:rPr>
+                        </m:ctrlPr>
+                      </m:radPr>
+                      <m:deg/>
+                      <m:e>
+                        <m:r>
+                          <a:rPr lang="en-IN">
+                            <a:latin typeface="Cambria Math" panose="02040503050406030204" pitchFamily="18" charset="0"/>
+                          </a:rPr>
+                          <m:t>𝜖</m:t>
+                        </m:r>
+                      </m:e>
+                    </m:rad>
+                  </m:oMath>
+                </a14:m>
+                <a:r>
+                  <a:rPr lang="en-US" dirty="0" smtClean="0"/>
+                  <a:t> to prevent a divide-by-zero error when we take inverse of </a:t>
+                </a:r>
+                <a14:m>
+                  <m:oMath xmlns:m="http://schemas.openxmlformats.org/officeDocument/2006/math">
+                    <m:sSup>
+                      <m:sSupPr>
+                        <m:ctrlPr>
+                          <a:rPr lang="en-IN" i="1">
+                            <a:latin typeface="Cambria Math" panose="02040503050406030204" pitchFamily="18" charset="0"/>
+                          </a:rPr>
+                        </m:ctrlPr>
+                      </m:sSupPr>
+                      <m:e>
+                        <m:r>
+                          <a:rPr lang="en-IN">
+                            <a:latin typeface="Cambria Math" panose="02040503050406030204" pitchFamily="18" charset="0"/>
+                          </a:rPr>
+                          <m:t>𝐻</m:t>
+                        </m:r>
+                      </m:e>
+                      <m:sup>
+                        <m:r>
+                          <a:rPr lang="en-IN">
+                            <a:latin typeface="Cambria Math" panose="02040503050406030204" pitchFamily="18" charset="0"/>
+                          </a:rPr>
+                          <m:t>𝑡</m:t>
+                        </m:r>
+                      </m:sup>
+                    </m:sSup>
+                  </m:oMath>
+                </a14:m>
+                <a:endParaRPr lang="en-US" dirty="0"/>
+              </a:p>
+              <a:p>
+                <a:pPr lvl="2"/>
+                <a:endParaRPr lang="en-IN" dirty="0"/>
+              </a:p>
+            </p:txBody>
+          </p:sp>
+        </mc:Choice>
+        <mc:Fallback xmlns="">
+          <p:sp>
+            <p:nvSpPr>
+              <p:cNvPr id="3" name="Content Placeholder 2"/>
+              <p:cNvSpPr>
+                <a:spLocks noGrp="1" noRot="1" noChangeAspect="1" noMove="1" noResize="1" noEditPoints="1" noAdjustHandles="1" noChangeArrowheads="1" noChangeShapeType="1" noTextEdit="1"/>
+              </p:cNvSpPr>
+              <p:nvPr>
+                <p:ph idx="1"/>
+              </p:nvPr>
+            </p:nvSpPr>
+            <p:spPr>
+              <a:xfrm>
+                <a:off x="253353" y="1111624"/>
+                <a:ext cx="11938645" cy="5746376"/>
+              </a:xfrm>
+              <a:blipFill>
+                <a:blip r:embed="rId2"/>
+                <a:stretch>
+                  <a:fillRect l="-562" t="-2545" r="-1379"/>
+                </a:stretch>
+              </a:blipFill>
+            </p:spPr>
+            <p:txBody>
+              <a:bodyPr/>
+              <a:lstStyle/>
+              <a:p>
+                <a:r>
+                  <a:rPr lang="en-IN">
+                    <a:noFill/>
+                  </a:rPr>
+                  <a:t> </a:t>
+                </a:r>
+              </a:p>
+            </p:txBody>
+          </p:sp>
+        </mc:Fallback>
+      </mc:AlternateContent>
+      <p:sp>
+        <p:nvSpPr>
+          <p:cNvPr id="4" name="Slide Number Placeholder 3"/>
+          <p:cNvSpPr>
+            <a:spLocks noGrp="1"/>
+          </p:cNvSpPr>
+          <p:nvPr>
+            <p:ph type="sldNum" sz="quarter" idx="12"/>
+          </p:nvPr>
+        </p:nvSpPr>
+        <p:spPr/>
+        <p:txBody>
+          <a:bodyPr/>
+          <a:lstStyle/>
+          <a:p>
+            <a:fld id="{157B8E69-23A9-4619-9CFE-E27BFD8A78F9}" type="slidenum">
+              <a:rPr lang="en-US" smtClean="0"/>
+              <a:t>22</a:t>
+            </a:fld>
+            <a:endParaRPr lang="en-US"/>
+          </a:p>
+        </p:txBody>
+      </p:sp>
+    </p:spTree>
+    <p:extLst>
+      <p:ext uri="{BB962C8B-B14F-4D97-AF65-F5344CB8AC3E}">
+        <p14:creationId xmlns:p14="http://schemas.microsoft.com/office/powerpoint/2010/main" val="1916632828"/>
+      </p:ext>
+    </p:extLst>
+  </p:cSld>
+  <p:clrMapOvr>
+    <a:masterClrMapping/>
+  </p:clrMapOvr>
+  <p:timing>
+    <p:tnLst>
+      <p:par>
+        <p:cTn id="1" dur="indefinite" restart="never" nodeType="tmRoot">
+          <p:childTnLst>
+            <p:seq concurrent="1" nextAc="seek">
+              <p:cTn id="2" dur="indefinite" nodeType="mainSeq">
+                <p:childTnLst>
+                  <p:par>
+                    <p:cTn id="3" fill="hold">
+                      <p:stCondLst>
+                        <p:cond delay="indefinite"/>
+                      </p:stCondLst>
+                      <p:childTnLst>
+                        <p:par>
+                          <p:cTn id="4" fill="hold">
+                            <p:stCondLst>
+                              <p:cond delay="0"/>
+                            </p:stCondLst>
+                            <p:childTnLst>
+                              <p:par>
+                                <p:cTn id="5" presetID="1" presetClass="entr" presetSubtype="0" fill="hold" grpId="0" nodeType="clickEffect">
+                                  <p:stCondLst>
+                                    <p:cond delay="0"/>
+                                  </p:stCondLst>
+                                  <p:childTnLst>
+                                    <p:set>
+                                      <p:cBhvr>
+                                        <p:cTn id="6" dur="1" fill="hold">
+                                          <p:stCondLst>
+                                            <p:cond delay="0"/>
+                                          </p:stCondLst>
+                                        </p:cTn>
+                                        <p:tgtEl>
+                                          <p:spTgt spid="3">
+                                            <p:txEl>
+                                              <p:pRg st="0" end="0"/>
+                                            </p:txEl>
+                                          </p:spTgt>
+                                        </p:tgtEl>
+                                        <p:attrNameLst>
+                                          <p:attrName>style.visibility</p:attrName>
+                                        </p:attrNameLst>
+                                      </p:cBhvr>
+                                      <p:to>
+                                        <p:strVal val="visible"/>
+                                      </p:to>
+                                    </p:set>
+                                  </p:childTnLst>
+                                </p:cTn>
+                              </p:par>
+                            </p:childTnLst>
+                          </p:cTn>
+                        </p:par>
+                      </p:childTnLst>
+                    </p:cTn>
+                  </p:par>
+                  <p:par>
+                    <p:cTn id="7" fill="hold">
+                      <p:stCondLst>
+                        <p:cond delay="indefinite"/>
+                      </p:stCondLst>
+                      <p:childTnLst>
+                        <p:par>
+                          <p:cTn id="8" fill="hold">
+                            <p:stCondLst>
+                              <p:cond delay="0"/>
+                            </p:stCondLst>
+                            <p:childTnLst>
+                              <p:par>
+                                <p:cTn id="9" presetID="1" presetClass="entr" presetSubtype="0" fill="hold" grpId="0" nodeType="clickEffect">
+                                  <p:stCondLst>
+                                    <p:cond delay="0"/>
+                                  </p:stCondLst>
+                                  <p:childTnLst>
+                                    <p:set>
+                                      <p:cBhvr>
+                                        <p:cTn id="10" dur="1" fill="hold">
+                                          <p:stCondLst>
+                                            <p:cond delay="0"/>
+                                          </p:stCondLst>
+                                        </p:cTn>
+                                        <p:tgtEl>
+                                          <p:spTgt spid="3">
+                                            <p:txEl>
+                                              <p:pRg st="1" end="1"/>
+                                            </p:txEl>
+                                          </p:spTgt>
+                                        </p:tgtEl>
+                                        <p:attrNameLst>
+                                          <p:attrName>style.visibility</p:attrName>
+                                        </p:attrNameLst>
+                                      </p:cBhvr>
+                                      <p:to>
+                                        <p:strVal val="visible"/>
+                                      </p:to>
+                                    </p:set>
+                                  </p:childTnLst>
+                                </p:cTn>
+                              </p:par>
+                            </p:childTnLst>
+                          </p:cTn>
+                        </p:par>
+                      </p:childTnLst>
+                    </p:cTn>
+                  </p:par>
+                  <p:par>
+                    <p:cTn id="11" fill="hold">
+                      <p:stCondLst>
+                        <p:cond delay="indefinite"/>
+                      </p:stCondLst>
+                      <p:childTnLst>
+                        <p:par>
+                          <p:cTn id="12" fill="hold">
+                            <p:stCondLst>
+                              <p:cond delay="0"/>
+                            </p:stCondLst>
+                            <p:childTnLst>
+                              <p:par>
+                                <p:cTn id="13" presetID="1" presetClass="entr" presetSubtype="0" fill="hold" grpId="0" nodeType="clickEffect">
+                                  <p:stCondLst>
+                                    <p:cond delay="0"/>
+                                  </p:stCondLst>
+                                  <p:childTnLst>
+                                    <p:set>
+                                      <p:cBhvr>
+                                        <p:cTn id="14" dur="1" fill="hold">
+                                          <p:stCondLst>
+                                            <p:cond delay="0"/>
+                                          </p:stCondLst>
+                                        </p:cTn>
+                                        <p:tgtEl>
+                                          <p:spTgt spid="3">
+                                            <p:txEl>
+                                              <p:pRg st="2" end="2"/>
+                                            </p:txEl>
+                                          </p:spTgt>
+                                        </p:tgtEl>
+                                        <p:attrNameLst>
+                                          <p:attrName>style.visibility</p:attrName>
+                                        </p:attrNameLst>
+                                      </p:cBhvr>
+                                      <p:to>
+                                        <p:strVal val="visible"/>
+                                      </p:to>
+                                    </p:set>
+                                  </p:childTnLst>
+                                </p:cTn>
+                              </p:par>
+                            </p:childTnLst>
+                          </p:cTn>
+                        </p:par>
+                      </p:childTnLst>
+                    </p:cTn>
+                  </p:par>
+                  <p:par>
+                    <p:cTn id="15" fill="hold">
+                      <p:stCondLst>
+                        <p:cond delay="indefinite"/>
+                      </p:stCondLst>
+                      <p:childTnLst>
+                        <p:par>
+                          <p:cTn id="16" fill="hold">
+                            <p:stCondLst>
+                              <p:cond delay="0"/>
+                            </p:stCondLst>
+                            <p:childTnLst>
+                              <p:par>
+                                <p:cTn id="17" presetID="1" presetClass="entr" presetSubtype="0" fill="hold" grpId="0" nodeType="clickEffect">
+                                  <p:stCondLst>
+                                    <p:cond delay="0"/>
+                                  </p:stCondLst>
+                                  <p:childTnLst>
+                                    <p:set>
+                                      <p:cBhvr>
+                                        <p:cTn id="18" dur="1" fill="hold">
+                                          <p:stCondLst>
+                                            <p:cond delay="0"/>
+                                          </p:stCondLst>
+                                        </p:cTn>
+                                        <p:tgtEl>
+                                          <p:spTgt spid="3">
+                                            <p:txEl>
+                                              <p:pRg st="3" end="3"/>
+                                            </p:txEl>
+                                          </p:spTgt>
+                                        </p:tgtEl>
+                                        <p:attrNameLst>
+                                          <p:attrName>style.visibility</p:attrName>
+                                        </p:attrNameLst>
+                                      </p:cBhvr>
+                                      <p:to>
+                                        <p:strVal val="visible"/>
+                                      </p:to>
+                                    </p:set>
+                                  </p:childTnLst>
+                                </p:cTn>
+                              </p:par>
+                            </p:childTnLst>
+                          </p:cTn>
+                        </p:par>
+                      </p:childTnLst>
+                    </p:cTn>
+                  </p:par>
+                  <p:par>
+                    <p:cTn id="19" fill="hold">
+                      <p:stCondLst>
+                        <p:cond delay="indefinite"/>
+                      </p:stCondLst>
+                      <p:childTnLst>
+                        <p:par>
+                          <p:cTn id="20" fill="hold">
+                            <p:stCondLst>
+                              <p:cond delay="0"/>
+                            </p:stCondLst>
+                            <p:childTnLst>
+                              <p:par>
+                                <p:cTn id="21" presetID="1" presetClass="entr" presetSubtype="0" fill="hold" grpId="0" nodeType="clickEffect">
+                                  <p:stCondLst>
+                                    <p:cond delay="0"/>
+                                  </p:stCondLst>
+                                  <p:childTnLst>
+                                    <p:set>
+                                      <p:cBhvr>
+                                        <p:cTn id="22" dur="1" fill="hold">
+                                          <p:stCondLst>
+                                            <p:cond delay="0"/>
+                                          </p:stCondLst>
+                                        </p:cTn>
+                                        <p:tgtEl>
+                                          <p:spTgt spid="3">
+                                            <p:txEl>
+                                              <p:pRg st="4" end="4"/>
+                                            </p:txEl>
+                                          </p:spTgt>
+                                        </p:tgtEl>
+                                        <p:attrNameLst>
+                                          <p:attrName>style.visibility</p:attrName>
+                                        </p:attrNameLst>
+                                      </p:cBhvr>
+                                      <p:to>
+                                        <p:strVal val="visible"/>
+                                      </p:to>
+                                    </p:set>
+                                  </p:childTnLst>
+                                </p:cTn>
+                              </p:par>
+                            </p:childTnLst>
+                          </p:cTn>
+                        </p:par>
+                      </p:childTnLst>
+                    </p:cTn>
+                  </p:par>
+                  <p:par>
+                    <p:cTn id="23" fill="hold">
+                      <p:stCondLst>
+                        <p:cond delay="indefinite"/>
+                      </p:stCondLst>
+                      <p:childTnLst>
+                        <p:par>
+                          <p:cTn id="24" fill="hold">
+                            <p:stCondLst>
+                              <p:cond delay="0"/>
+                            </p:stCondLst>
+                            <p:childTnLst>
+                              <p:par>
+                                <p:cTn id="25" presetID="1" presetClass="entr" presetSubtype="0" fill="hold" grpId="0" nodeType="clickEffect">
+                                  <p:stCondLst>
+                                    <p:cond delay="0"/>
+                                  </p:stCondLst>
+                                  <p:childTnLst>
+                                    <p:set>
+                                      <p:cBhvr>
+                                        <p:cTn id="26" dur="1" fill="hold">
+                                          <p:stCondLst>
+                                            <p:cond delay="0"/>
+                                          </p:stCondLst>
+                                        </p:cTn>
+                                        <p:tgtEl>
+                                          <p:spTgt spid="3">
+                                            <p:txEl>
+                                              <p:pRg st="5" end="5"/>
+                                            </p:txEl>
+                                          </p:spTgt>
+                                        </p:tgtEl>
+                                        <p:attrNameLst>
+                                          <p:attrName>style.visibility</p:attrName>
+                                        </p:attrNameLst>
+                                      </p:cBhvr>
+                                      <p:to>
+                                        <p:strVal val="visible"/>
+                                      </p:to>
+                                    </p:set>
+                                  </p:childTnLst>
+                                </p:cTn>
+                              </p:par>
+                            </p:childTnLst>
+                          </p:cTn>
+                        </p:par>
+                      </p:childTnLst>
+                    </p:cTn>
+                  </p:par>
+                  <p:par>
+                    <p:cTn id="27" fill="hold">
+                      <p:stCondLst>
+                        <p:cond delay="indefinite"/>
+                      </p:stCondLst>
+                      <p:childTnLst>
+                        <p:par>
+                          <p:cTn id="28" fill="hold">
+                            <p:stCondLst>
+                              <p:cond delay="0"/>
+                            </p:stCondLst>
+                            <p:childTnLst>
+                              <p:par>
+                                <p:cTn id="29" presetID="1" presetClass="entr" presetSubtype="0" fill="hold" grpId="0" nodeType="clickEffect">
+                                  <p:stCondLst>
+                                    <p:cond delay="0"/>
+                                  </p:stCondLst>
+                                  <p:childTnLst>
+                                    <p:set>
+                                      <p:cBhvr>
+                                        <p:cTn id="30" dur="1" fill="hold">
+                                          <p:stCondLst>
+                                            <p:cond delay="0"/>
+                                          </p:stCondLst>
+                                        </p:cTn>
+                                        <p:tgtEl>
+                                          <p:spTgt spid="3">
+                                            <p:txEl>
+                                              <p:pRg st="6" end="6"/>
+                                            </p:txEl>
+                                          </p:spTgt>
+                                        </p:tgtEl>
+                                        <p:attrNameLst>
+                                          <p:attrName>style.visibility</p:attrName>
+                                        </p:attrNameLst>
+                                      </p:cBhvr>
+                                      <p:to>
+                                        <p:strVal val="visible"/>
+                                      </p:to>
+                                    </p:set>
+                                  </p:childTnLst>
+                                </p:cTn>
+                              </p:par>
+                            </p:childTnLst>
+                          </p:cTn>
+                        </p:par>
+                      </p:childTnLst>
+                    </p:cTn>
+                  </p:par>
+                </p:childTnLst>
+              </p:cTn>
+              <p:prevCondLst>
+                <p:cond evt="onPrev" delay="0">
+                  <p:tgtEl>
+                    <p:sldTgt/>
+                  </p:tgtEl>
+                </p:cond>
+              </p:prevCondLst>
+              <p:nextCondLst>
+                <p:cond evt="onNext" delay="0">
+                  <p:tgtEl>
+                    <p:sldTgt/>
+                  </p:tgtEl>
+                </p:cond>
+              </p:nextCondLst>
+            </p:seq>
+          </p:childTnLst>
+        </p:cTn>
+      </p:par>
+    </p:tnLst>
+    <p:bldLst>
+      <p:bldP spid="3" grpId="0" build="p"/>
+    </p:bldLst>
+  </p:timing>
+</p:sld>
+</file>
+
+<file path=ppt/slides/slide23.xml><?xml version="1.0" encoding="utf-8"?>
+<p:sld xmlns:a="http://schemas.openxmlformats.org/drawingml/2006/main" xmlns:r="http://schemas.openxmlformats.org/officeDocument/2006/relationships" xmlns:p="http://schemas.openxmlformats.org/presentationml/2006/main">
+  <p:cSld>
+    <p:spTree>
+      <p:nvGrpSpPr>
+        <p:cNvPr id="1" name=""/>
+        <p:cNvGrpSpPr/>
+        <p:nvPr/>
+      </p:nvGrpSpPr>
+      <p:grpSpPr>
+        <a:xfrm>
+          <a:off x="0" y="0"/>
+          <a:ext cx="0" cy="0"/>
+          <a:chOff x="0" y="0"/>
+          <a:chExt cx="0" cy="0"/>
+        </a:xfrm>
+      </p:grpSpPr>
+      <p:sp>
+        <p:nvSpPr>
+          <p:cNvPr id="2" name="Title 1"/>
+          <p:cNvSpPr>
+            <a:spLocks noGrp="1"/>
+          </p:cNvSpPr>
+          <p:nvPr>
+            <p:ph type="title"/>
+          </p:nvPr>
+        </p:nvSpPr>
+        <p:spPr/>
+        <p:txBody>
+          <a:bodyPr/>
+          <a:lstStyle/>
+          <a:p>
+            <a:r>
+              <a:rPr lang="en-IN" dirty="0" smtClean="0"/>
+              <a:t>Adaptive Learning Rates</a:t>
+            </a:r>
+            <a:endParaRPr lang="en-IN" dirty="0"/>
+          </a:p>
+        </p:txBody>
+      </p:sp>
+      <mc:AlternateContent xmlns:mc="http://schemas.openxmlformats.org/markup-compatibility/2006" xmlns:a14="http://schemas.microsoft.com/office/drawing/2010/main">
+        <mc:Choice Requires="a14">
+          <p:sp>
+            <p:nvSpPr>
+              <p:cNvPr id="3" name="Content Placeholder 2"/>
+              <p:cNvSpPr>
+                <a:spLocks noGrp="1"/>
+              </p:cNvSpPr>
+              <p:nvPr>
+                <p:ph idx="1"/>
+              </p:nvPr>
+            </p:nvSpPr>
+            <p:spPr>
+              <a:xfrm>
+                <a:off x="253353" y="1111624"/>
+                <a:ext cx="11938645" cy="5746376"/>
+              </a:xfrm>
+            </p:spPr>
+            <p:txBody>
+              <a:bodyPr>
+                <a:normAutofit/>
+              </a:bodyPr>
+              <a:lstStyle/>
+              <a:p>
+                <a:r>
+                  <a:rPr lang="en-IN" b="1" dirty="0" smtClean="0"/>
+                  <a:t>RMSProp</a:t>
+                </a:r>
+                <a:r>
+                  <a:rPr lang="en-IN" dirty="0" smtClean="0"/>
+                  <a:t> (Hinton 2012) – apply momentum idea to </a:t>
+                </a:r>
+                <a:r>
+                  <a:rPr lang="en-IN" dirty="0" err="1" smtClean="0"/>
+                  <a:t>Adagrad</a:t>
+                </a:r>
+                <a:endParaRPr lang="en-IN" b="0" i="1" dirty="0" smtClean="0">
+                  <a:latin typeface="Cambria Math" panose="02040503050406030204" pitchFamily="18" charset="0"/>
+                </a:endParaRPr>
+              </a:p>
+              <a:p>
+                <a:pPr lvl="2"/>
+                <a14:m>
+                  <m:oMath xmlns:m="http://schemas.openxmlformats.org/officeDocument/2006/math">
+                    <m:sSubSup>
+                      <m:sSubSupPr>
+                        <m:ctrlPr>
+                          <a:rPr lang="en-IN" i="1">
+                            <a:latin typeface="Cambria Math" panose="02040503050406030204" pitchFamily="18" charset="0"/>
+                          </a:rPr>
+                        </m:ctrlPr>
+                      </m:sSubSupPr>
+                      <m:e>
+                        <m:r>
+                          <a:rPr lang="en-IN" i="1">
+                            <a:latin typeface="Cambria Math" panose="02040503050406030204" pitchFamily="18" charset="0"/>
+                          </a:rPr>
+                          <m:t>h</m:t>
+                        </m:r>
+                      </m:e>
+                      <m:sub>
+                        <m:r>
+                          <a:rPr lang="en-IN" i="1">
+                            <a:latin typeface="Cambria Math" panose="02040503050406030204" pitchFamily="18" charset="0"/>
+                          </a:rPr>
+                          <m:t>𝑖</m:t>
+                        </m:r>
+                      </m:sub>
+                      <m:sup>
+                        <m:r>
+                          <a:rPr lang="en-IN" i="1">
+                            <a:latin typeface="Cambria Math" panose="02040503050406030204" pitchFamily="18" charset="0"/>
+                          </a:rPr>
+                          <m:t>𝑡</m:t>
+                        </m:r>
+                      </m:sup>
+                    </m:sSubSup>
+                    <m:r>
+                      <a:rPr lang="en-IN" i="1">
+                        <a:latin typeface="Cambria Math" panose="02040503050406030204" pitchFamily="18" charset="0"/>
+                      </a:rPr>
+                      <m:t>=</m:t>
+                    </m:r>
+                    <m:sSubSup>
+                      <m:sSubSupPr>
+                        <m:ctrlPr>
+                          <a:rPr lang="en-IN" i="1">
+                            <a:latin typeface="Cambria Math" panose="02040503050406030204" pitchFamily="18" charset="0"/>
+                          </a:rPr>
+                        </m:ctrlPr>
+                      </m:sSubSupPr>
+                      <m:e>
+                        <m:r>
+                          <a:rPr lang="en-IN">
+                            <a:latin typeface="Cambria Math" panose="02040503050406030204" pitchFamily="18" charset="0"/>
+                          </a:rPr>
+                          <m:t>h</m:t>
+                        </m:r>
+                      </m:e>
+                      <m:sub>
+                        <m:r>
+                          <a:rPr lang="en-IN">
+                            <a:latin typeface="Cambria Math" panose="02040503050406030204" pitchFamily="18" charset="0"/>
+                          </a:rPr>
+                          <m:t>𝑖</m:t>
+                        </m:r>
+                      </m:sub>
+                      <m:sup>
+                        <m:r>
+                          <a:rPr lang="en-IN">
+                            <a:latin typeface="Cambria Math" panose="02040503050406030204" pitchFamily="18" charset="0"/>
+                          </a:rPr>
+                          <m:t>𝑡</m:t>
+                        </m:r>
+                      </m:sup>
+                    </m:sSubSup>
+                    <m:r>
+                      <a:rPr lang="en-IN">
+                        <a:latin typeface="Cambria Math" panose="02040503050406030204" pitchFamily="18" charset="0"/>
+                      </a:rPr>
+                      <m:t>=</m:t>
+                    </m:r>
+                    <m:rad>
+                      <m:radPr>
+                        <m:degHide m:val="on"/>
+                        <m:ctrlPr>
+                          <a:rPr lang="en-IN" i="1">
+                            <a:latin typeface="Cambria Math" panose="02040503050406030204" pitchFamily="18" charset="0"/>
+                          </a:rPr>
+                        </m:ctrlPr>
+                      </m:radPr>
+                      <m:deg/>
+                      <m:e>
+                        <m:sSubSup>
+                          <m:sSubSupPr>
+                            <m:ctrlPr>
+                              <a:rPr lang="en-IN" i="1">
+                                <a:latin typeface="Cambria Math" panose="02040503050406030204" pitchFamily="18" charset="0"/>
+                              </a:rPr>
+                            </m:ctrlPr>
+                          </m:sSubSupPr>
+                          <m:e>
+                            <m:r>
+                              <a:rPr lang="en-IN">
+                                <a:latin typeface="Cambria Math" panose="02040503050406030204" pitchFamily="18" charset="0"/>
+                              </a:rPr>
+                              <m:t>𝜖</m:t>
+                            </m:r>
+                            <m:r>
+                              <a:rPr lang="en-IN">
+                                <a:latin typeface="Cambria Math" panose="02040503050406030204" pitchFamily="18" charset="0"/>
+                              </a:rPr>
+                              <m:t>+</m:t>
+                            </m:r>
+                            <m:r>
+                              <a:rPr lang="en-IN">
+                                <a:latin typeface="Cambria Math" panose="02040503050406030204" pitchFamily="18" charset="0"/>
+                              </a:rPr>
+                              <m:t>𝑣</m:t>
+                            </m:r>
+                          </m:e>
+                          <m:sub>
+                            <m:r>
+                              <a:rPr lang="en-IN">
+                                <a:latin typeface="Cambria Math" panose="02040503050406030204" pitchFamily="18" charset="0"/>
+                              </a:rPr>
+                              <m:t>𝑖</m:t>
+                            </m:r>
+                          </m:sub>
+                          <m:sup>
+                            <m:r>
+                              <a:rPr lang="en-IN">
+                                <a:latin typeface="Cambria Math" panose="02040503050406030204" pitchFamily="18" charset="0"/>
+                              </a:rPr>
+                              <m:t>𝑡</m:t>
+                            </m:r>
+                          </m:sup>
+                        </m:sSubSup>
+                      </m:e>
+                    </m:rad>
+                  </m:oMath>
+                </a14:m>
+                <a:r>
+                  <a:rPr lang="en-IN" dirty="0" smtClean="0"/>
+                  <a:t> where </a:t>
+                </a:r>
+                <a14:m>
+                  <m:oMath xmlns:m="http://schemas.openxmlformats.org/officeDocument/2006/math">
+                    <m:sSubSup>
+                      <m:sSubSupPr>
+                        <m:ctrlPr>
+                          <a:rPr lang="en-IN" i="1">
+                            <a:latin typeface="Cambria Math" panose="02040503050406030204" pitchFamily="18" charset="0"/>
+                          </a:rPr>
+                        </m:ctrlPr>
+                      </m:sSubSupPr>
+                      <m:e>
+                        <m:r>
+                          <a:rPr lang="en-IN">
+                            <a:latin typeface="Cambria Math" panose="02040503050406030204" pitchFamily="18" charset="0"/>
+                          </a:rPr>
+                          <m:t>𝑣</m:t>
+                        </m:r>
+                      </m:e>
+                      <m:sub>
+                        <m:r>
+                          <a:rPr lang="en-IN">
+                            <a:latin typeface="Cambria Math" panose="02040503050406030204" pitchFamily="18" charset="0"/>
+                          </a:rPr>
+                          <m:t>𝑖</m:t>
+                        </m:r>
+                      </m:sub>
+                      <m:sup>
+                        <m:r>
+                          <a:rPr lang="en-IN">
+                            <a:latin typeface="Cambria Math" panose="02040503050406030204" pitchFamily="18" charset="0"/>
+                          </a:rPr>
+                          <m:t>𝑡</m:t>
+                        </m:r>
+                      </m:sup>
+                    </m:sSubSup>
+                    <m:r>
+                      <a:rPr lang="en-IN">
+                        <a:latin typeface="Cambria Math" panose="02040503050406030204" pitchFamily="18" charset="0"/>
+                      </a:rPr>
+                      <m:t>=</m:t>
+                    </m:r>
+                    <m:r>
+                      <a:rPr lang="en-IN">
+                        <a:latin typeface="Cambria Math" panose="02040503050406030204" pitchFamily="18" charset="0"/>
+                      </a:rPr>
+                      <m:t>𝛾</m:t>
+                    </m:r>
+                    <m:r>
+                      <a:rPr lang="en-IN">
+                        <a:latin typeface="Cambria Math" panose="02040503050406030204" pitchFamily="18" charset="0"/>
+                      </a:rPr>
+                      <m:t>⋅</m:t>
+                    </m:r>
+                    <m:sSubSup>
+                      <m:sSubSupPr>
+                        <m:ctrlPr>
+                          <a:rPr lang="en-IN" i="1">
+                            <a:latin typeface="Cambria Math" panose="02040503050406030204" pitchFamily="18" charset="0"/>
+                          </a:rPr>
+                        </m:ctrlPr>
+                      </m:sSubSupPr>
+                      <m:e>
+                        <m:r>
+                          <a:rPr lang="en-IN">
+                            <a:latin typeface="Cambria Math" panose="02040503050406030204" pitchFamily="18" charset="0"/>
+                          </a:rPr>
+                          <m:t>𝑣</m:t>
+                        </m:r>
+                      </m:e>
+                      <m:sub>
+                        <m:r>
+                          <a:rPr lang="en-IN">
+                            <a:latin typeface="Cambria Math" panose="02040503050406030204" pitchFamily="18" charset="0"/>
+                          </a:rPr>
+                          <m:t>𝑖</m:t>
+                        </m:r>
+                      </m:sub>
+                      <m:sup>
+                        <m:r>
+                          <a:rPr lang="en-IN">
+                            <a:latin typeface="Cambria Math" panose="02040503050406030204" pitchFamily="18" charset="0"/>
+                          </a:rPr>
+                          <m:t>𝑡</m:t>
+                        </m:r>
+                        <m:r>
+                          <a:rPr lang="en-IN">
+                            <a:latin typeface="Cambria Math" panose="02040503050406030204" pitchFamily="18" charset="0"/>
+                          </a:rPr>
+                          <m:t>−1</m:t>
+                        </m:r>
+                      </m:sup>
+                    </m:sSubSup>
+                    <m:r>
+                      <a:rPr lang="en-IN">
+                        <a:latin typeface="Cambria Math" panose="02040503050406030204" pitchFamily="18" charset="0"/>
+                      </a:rPr>
+                      <m:t>+</m:t>
+                    </m:r>
+                    <m:d>
+                      <m:dPr>
+                        <m:ctrlPr>
+                          <a:rPr lang="en-IN" i="1">
+                            <a:latin typeface="Cambria Math" panose="02040503050406030204" pitchFamily="18" charset="0"/>
+                          </a:rPr>
+                        </m:ctrlPr>
+                      </m:dPr>
+                      <m:e>
+                        <m:r>
+                          <a:rPr lang="en-IN">
+                            <a:latin typeface="Cambria Math" panose="02040503050406030204" pitchFamily="18" charset="0"/>
+                          </a:rPr>
+                          <m:t>1−</m:t>
+                        </m:r>
+                        <m:r>
+                          <a:rPr lang="en-IN">
+                            <a:latin typeface="Cambria Math" panose="02040503050406030204" pitchFamily="18" charset="0"/>
+                          </a:rPr>
+                          <m:t>𝛾</m:t>
+                        </m:r>
+                      </m:e>
+                    </m:d>
+                    <m:r>
+                      <a:rPr lang="en-IN">
+                        <a:latin typeface="Cambria Math" panose="02040503050406030204" pitchFamily="18" charset="0"/>
+                      </a:rPr>
+                      <m:t>⋅</m:t>
+                    </m:r>
+                    <m:sSup>
+                      <m:sSupPr>
+                        <m:ctrlPr>
+                          <a:rPr lang="en-IN" i="1">
+                            <a:latin typeface="Cambria Math" panose="02040503050406030204" pitchFamily="18" charset="0"/>
+                          </a:rPr>
+                        </m:ctrlPr>
+                      </m:sSupPr>
+                      <m:e>
+                        <m:d>
+                          <m:dPr>
+                            <m:ctrlPr>
+                              <a:rPr lang="en-IN" b="1" i="1">
+                                <a:latin typeface="Cambria Math" panose="02040503050406030204" pitchFamily="18" charset="0"/>
+                              </a:rPr>
+                            </m:ctrlPr>
+                          </m:dPr>
+                          <m:e>
+                            <m:sSubSup>
+                              <m:sSubSupPr>
+                                <m:ctrlPr>
+                                  <a:rPr lang="en-IN" b="1" i="1">
+                                    <a:latin typeface="Cambria Math" panose="02040503050406030204" pitchFamily="18" charset="0"/>
+                                  </a:rPr>
+                                </m:ctrlPr>
+                              </m:sSubSupPr>
+                              <m:e>
+                                <m:r>
+                                  <a:rPr lang="en-IN" b="1" i="0">
+                                    <a:latin typeface="Cambria Math" panose="02040503050406030204" pitchFamily="18" charset="0"/>
+                                  </a:rPr>
+                                  <m:t>𝐠</m:t>
+                                </m:r>
+                              </m:e>
+                              <m:sub>
+                                <m:r>
+                                  <a:rPr lang="en-IN">
+                                    <a:latin typeface="Cambria Math" panose="02040503050406030204" pitchFamily="18" charset="0"/>
+                                  </a:rPr>
+                                  <m:t>𝑖</m:t>
+                                </m:r>
+                              </m:sub>
+                              <m:sup>
+                                <m:r>
+                                  <a:rPr lang="en-IN">
+                                    <a:latin typeface="Cambria Math" panose="02040503050406030204" pitchFamily="18" charset="0"/>
+                                  </a:rPr>
+                                  <m:t>𝑡</m:t>
+                                </m:r>
+                              </m:sup>
+                            </m:sSubSup>
+                          </m:e>
+                        </m:d>
+                      </m:e>
+                      <m:sup>
+                        <m:r>
+                          <a:rPr lang="en-IN">
+                            <a:latin typeface="Cambria Math" panose="02040503050406030204" pitchFamily="18" charset="0"/>
+                          </a:rPr>
+                          <m:t>2</m:t>
+                        </m:r>
+                      </m:sup>
+                    </m:sSup>
+                  </m:oMath>
+                </a14:m>
+                <a:endParaRPr lang="en-IN" dirty="0" smtClean="0"/>
+              </a:p>
+              <a:p>
+                <a:pPr lvl="2"/>
+                <a:r>
+                  <a:rPr lang="en-IN" dirty="0" err="1" smtClean="0"/>
+                  <a:t>Adagrad</a:t>
+                </a:r>
+                <a:r>
+                  <a:rPr lang="en-IN" dirty="0" smtClean="0"/>
+                  <a:t> sometimes forces step sizes to go down too much – this avoids that</a:t>
+                </a:r>
+              </a:p>
+              <a:p>
+                <a:pPr>
+                  <a:lnSpc>
+                    <a:spcPct val="100000"/>
+                  </a:lnSpc>
+                </a:pPr>
+                <a:r>
+                  <a:rPr lang="en-IN" b="1" dirty="0">
+                    <a:solidFill>
+                      <a:schemeClr val="tx1"/>
+                    </a:solidFill>
+                    <a:latin typeface="+mj-lt"/>
+                  </a:rPr>
+                  <a:t>Adam</a:t>
+                </a:r>
+                <a:r>
+                  <a:rPr lang="en-IN" dirty="0">
+                    <a:solidFill>
+                      <a:schemeClr val="tx1"/>
+                    </a:solidFill>
+                    <a:latin typeface="+mj-lt"/>
+                  </a:rPr>
+                  <a:t> (</a:t>
+                </a:r>
+                <a:r>
+                  <a:rPr lang="en-IN" dirty="0" err="1">
+                    <a:solidFill>
+                      <a:schemeClr val="tx1"/>
+                    </a:solidFill>
+                    <a:latin typeface="+mj-lt"/>
+                  </a:rPr>
+                  <a:t>Kingma</a:t>
+                </a:r>
+                <a:r>
+                  <a:rPr lang="en-IN" dirty="0">
+                    <a:solidFill>
+                      <a:schemeClr val="tx1"/>
+                    </a:solidFill>
+                    <a:latin typeface="+mj-lt"/>
+                  </a:rPr>
+                  <a:t> and Ba 2014</a:t>
+                </a:r>
+                <a:r>
+                  <a:rPr lang="en-IN" dirty="0" smtClean="0">
+                    <a:solidFill>
+                      <a:schemeClr val="tx1"/>
+                    </a:solidFill>
+                    <a:latin typeface="+mj-lt"/>
+                  </a:rPr>
+                  <a:t>) – combine NAG and RMS-Prop</a:t>
+                </a:r>
+              </a:p>
+              <a:p>
+                <a:pPr lvl="2">
+                  <a:lnSpc>
+                    <a:spcPct val="100000"/>
+                  </a:lnSpc>
+                </a:pPr>
+                <a14:m>
+                  <m:oMath xmlns:m="http://schemas.openxmlformats.org/officeDocument/2006/math">
+                    <m:sSup>
+                      <m:sSupPr>
+                        <m:ctrlPr>
+                          <a:rPr lang="en-IN" i="1">
+                            <a:latin typeface="Cambria Math" panose="02040503050406030204" pitchFamily="18" charset="0"/>
+                          </a:rPr>
+                        </m:ctrlPr>
+                      </m:sSupPr>
+                      <m:e>
+                        <m:r>
+                          <a:rPr lang="en-IN" b="1">
+                            <a:latin typeface="Cambria Math" panose="02040503050406030204" pitchFamily="18" charset="0"/>
+                          </a:rPr>
+                          <m:t>𝐠</m:t>
+                        </m:r>
+                      </m:e>
+                      <m:sup>
+                        <m:r>
+                          <a:rPr lang="en-IN">
+                            <a:latin typeface="Cambria Math" panose="02040503050406030204" pitchFamily="18" charset="0"/>
+                          </a:rPr>
+                          <m:t>𝑡</m:t>
+                        </m:r>
+                      </m:sup>
+                    </m:sSup>
+                    <m:r>
+                      <a:rPr lang="en-IN">
+                        <a:latin typeface="Cambria Math" panose="02040503050406030204" pitchFamily="18" charset="0"/>
+                      </a:rPr>
+                      <m:t>=</m:t>
+                    </m:r>
+                    <m:sSup>
+                      <m:sSupPr>
+                        <m:ctrlPr>
+                          <a:rPr lang="en-IN" i="1">
+                            <a:latin typeface="Cambria Math" panose="02040503050406030204" pitchFamily="18" charset="0"/>
+                          </a:rPr>
+                        </m:ctrlPr>
+                      </m:sSupPr>
+                      <m:e>
+                        <m:d>
+                          <m:dPr>
+                            <m:ctrlPr>
+                              <a:rPr lang="en-IN" i="1">
+                                <a:latin typeface="Cambria Math" panose="02040503050406030204" pitchFamily="18" charset="0"/>
+                              </a:rPr>
+                            </m:ctrlPr>
+                          </m:dPr>
+                          <m:e>
+                            <m:sSup>
+                              <m:sSupPr>
+                                <m:ctrlPr>
+                                  <a:rPr lang="en-IN" b="0" i="1" smtClean="0">
+                                    <a:latin typeface="Cambria Math" panose="02040503050406030204" pitchFamily="18" charset="0"/>
+                                  </a:rPr>
+                                </m:ctrlPr>
+                              </m:sSupPr>
+                              <m:e>
+                                <m:r>
+                                  <a:rPr lang="en-IN" i="1" smtClean="0">
+                                    <a:latin typeface="Cambria Math" panose="02040503050406030204" pitchFamily="18" charset="0"/>
+                                  </a:rPr>
+                                  <m:t>𝐻</m:t>
+                                </m:r>
+                              </m:e>
+                              <m:sup>
+                                <m:r>
+                                  <a:rPr lang="en-IN" b="0" i="1" smtClean="0">
+                                    <a:latin typeface="Cambria Math" panose="02040503050406030204" pitchFamily="18" charset="0"/>
+                                  </a:rPr>
+                                  <m:t>𝑡</m:t>
+                                </m:r>
+                              </m:sup>
+                            </m:sSup>
+                          </m:e>
+                        </m:d>
+                      </m:e>
+                      <m:sup>
+                        <m:r>
+                          <a:rPr lang="en-IN">
+                            <a:latin typeface="Cambria Math" panose="02040503050406030204" pitchFamily="18" charset="0"/>
+                          </a:rPr>
+                          <m:t>−1</m:t>
+                        </m:r>
+                      </m:sup>
+                    </m:sSup>
+                    <m:sSup>
+                      <m:sSupPr>
+                        <m:ctrlPr>
+                          <a:rPr lang="en-IN" i="1">
+                            <a:latin typeface="Cambria Math" panose="02040503050406030204" pitchFamily="18" charset="0"/>
+                          </a:rPr>
+                        </m:ctrlPr>
+                      </m:sSupPr>
+                      <m:e>
+                        <m:r>
+                          <a:rPr lang="en-IN" b="1">
+                            <a:latin typeface="Cambria Math" panose="02040503050406030204" pitchFamily="18" charset="0"/>
+                          </a:rPr>
+                          <m:t>𝐮</m:t>
+                        </m:r>
+                      </m:e>
+                      <m:sup>
+                        <m:r>
+                          <a:rPr lang="en-IN">
+                            <a:latin typeface="Cambria Math" panose="02040503050406030204" pitchFamily="18" charset="0"/>
+                          </a:rPr>
+                          <m:t>𝑡</m:t>
+                        </m:r>
+                      </m:sup>
+                    </m:sSup>
+                  </m:oMath>
+                </a14:m>
+                <a:r>
+                  <a:rPr lang="en-IN" i="1" dirty="0" smtClean="0">
+                    <a:latin typeface="Cambria Math" panose="02040503050406030204" pitchFamily="18" charset="0"/>
+                  </a:rPr>
+                  <a:t> </a:t>
+                </a:r>
+                <a:r>
+                  <a:rPr lang="en-IN" dirty="0" smtClean="0"/>
+                  <a:t>where </a:t>
+                </a:r>
+                <a14:m>
+                  <m:oMath xmlns:m="http://schemas.openxmlformats.org/officeDocument/2006/math">
+                    <m:sSup>
+                      <m:sSupPr>
+                        <m:ctrlPr>
+                          <a:rPr lang="en-IN" i="1">
+                            <a:latin typeface="Cambria Math" panose="02040503050406030204" pitchFamily="18" charset="0"/>
+                          </a:rPr>
+                        </m:ctrlPr>
+                      </m:sSupPr>
+                      <m:e>
+                        <m:r>
+                          <a:rPr lang="en-IN">
+                            <a:latin typeface="Cambria Math" panose="02040503050406030204" pitchFamily="18" charset="0"/>
+                          </a:rPr>
+                          <m:t>𝐻</m:t>
+                        </m:r>
+                      </m:e>
+                      <m:sup>
+                        <m:r>
+                          <a:rPr lang="en-IN">
+                            <a:latin typeface="Cambria Math" panose="02040503050406030204" pitchFamily="18" charset="0"/>
+                          </a:rPr>
+                          <m:t>𝑡</m:t>
+                        </m:r>
+                      </m:sup>
+                    </m:sSup>
+                    <m:r>
+                      <a:rPr lang="en-IN">
+                        <a:latin typeface="Cambria Math" panose="02040503050406030204" pitchFamily="18" charset="0"/>
+                      </a:rPr>
+                      <m:t>=</m:t>
+                    </m:r>
+                    <m:r>
+                      <m:rPr>
+                        <m:sty m:val="p"/>
+                      </m:rPr>
+                      <a:rPr lang="en-IN">
+                        <a:latin typeface="Cambria Math" panose="02040503050406030204" pitchFamily="18" charset="0"/>
+                      </a:rPr>
+                      <m:t>diag</m:t>
+                    </m:r>
+                    <m:d>
+                      <m:dPr>
+                        <m:ctrlPr>
+                          <a:rPr lang="en-IN" i="1">
+                            <a:latin typeface="Cambria Math" panose="02040503050406030204" pitchFamily="18" charset="0"/>
+                          </a:rPr>
+                        </m:ctrlPr>
+                      </m:dPr>
+                      <m:e>
+                        <m:sSubSup>
+                          <m:sSubSupPr>
+                            <m:ctrlPr>
+                              <a:rPr lang="en-IN" i="1">
+                                <a:latin typeface="Cambria Math" panose="02040503050406030204" pitchFamily="18" charset="0"/>
+                              </a:rPr>
+                            </m:ctrlPr>
+                          </m:sSubSupPr>
+                          <m:e>
+                            <m:r>
+                              <a:rPr lang="en-IN">
+                                <a:latin typeface="Cambria Math" panose="02040503050406030204" pitchFamily="18" charset="0"/>
+                              </a:rPr>
+                              <m:t>h</m:t>
+                            </m:r>
+                          </m:e>
+                          <m:sub>
+                            <m:r>
+                              <a:rPr lang="en-IN">
+                                <a:latin typeface="Cambria Math" panose="02040503050406030204" pitchFamily="18" charset="0"/>
+                              </a:rPr>
+                              <m:t>1</m:t>
+                            </m:r>
+                          </m:sub>
+                          <m:sup>
+                            <m:r>
+                              <a:rPr lang="en-IN">
+                                <a:latin typeface="Cambria Math" panose="02040503050406030204" pitchFamily="18" charset="0"/>
+                              </a:rPr>
+                              <m:t>𝑡</m:t>
+                            </m:r>
+                          </m:sup>
+                        </m:sSubSup>
+                        <m:r>
+                          <a:rPr lang="en-IN">
+                            <a:latin typeface="Cambria Math" panose="02040503050406030204" pitchFamily="18" charset="0"/>
+                          </a:rPr>
+                          <m:t>,…,</m:t>
+                        </m:r>
+                        <m:sSubSup>
+                          <m:sSubSupPr>
+                            <m:ctrlPr>
+                              <a:rPr lang="en-IN" i="1">
+                                <a:latin typeface="Cambria Math" panose="02040503050406030204" pitchFamily="18" charset="0"/>
+                              </a:rPr>
+                            </m:ctrlPr>
+                          </m:sSubSupPr>
+                          <m:e>
+                            <m:r>
+                              <a:rPr lang="en-IN">
+                                <a:latin typeface="Cambria Math" panose="02040503050406030204" pitchFamily="18" charset="0"/>
+                              </a:rPr>
+                              <m:t>h</m:t>
+                            </m:r>
+                          </m:e>
+                          <m:sub>
+                            <m:r>
+                              <a:rPr lang="en-IN">
+                                <a:latin typeface="Cambria Math" panose="02040503050406030204" pitchFamily="18" charset="0"/>
+                              </a:rPr>
+                              <m:t>𝑑</m:t>
+                            </m:r>
+                          </m:sub>
+                          <m:sup>
+                            <m:r>
+                              <a:rPr lang="en-IN">
+                                <a:latin typeface="Cambria Math" panose="02040503050406030204" pitchFamily="18" charset="0"/>
+                              </a:rPr>
+                              <m:t>𝑡</m:t>
+                            </m:r>
+                          </m:sup>
+                        </m:sSubSup>
+                      </m:e>
+                    </m:d>
+                  </m:oMath>
+                </a14:m>
+                <a:r>
+                  <a:rPr lang="en-IN" dirty="0" smtClean="0"/>
+                  <a:t>, </a:t>
+                </a:r>
+                <a14:m>
+                  <m:oMath xmlns:m="http://schemas.openxmlformats.org/officeDocument/2006/math">
+                    <m:sSubSup>
+                      <m:sSubSupPr>
+                        <m:ctrlPr>
+                          <a:rPr lang="en-IN" i="1">
+                            <a:latin typeface="Cambria Math" panose="02040503050406030204" pitchFamily="18" charset="0"/>
+                          </a:rPr>
+                        </m:ctrlPr>
+                      </m:sSubSupPr>
+                      <m:e>
+                        <m:r>
+                          <a:rPr lang="en-IN" i="1">
+                            <a:latin typeface="Cambria Math" panose="02040503050406030204" pitchFamily="18" charset="0"/>
+                          </a:rPr>
+                          <m:t>h</m:t>
+                        </m:r>
+                      </m:e>
+                      <m:sub>
+                        <m:r>
+                          <a:rPr lang="en-IN" i="1">
+                            <a:latin typeface="Cambria Math" panose="02040503050406030204" pitchFamily="18" charset="0"/>
+                          </a:rPr>
+                          <m:t>𝑖</m:t>
+                        </m:r>
+                      </m:sub>
+                      <m:sup>
+                        <m:r>
+                          <a:rPr lang="en-IN" i="1">
+                            <a:latin typeface="Cambria Math" panose="02040503050406030204" pitchFamily="18" charset="0"/>
+                          </a:rPr>
+                          <m:t>𝑡</m:t>
+                        </m:r>
+                      </m:sup>
+                    </m:sSubSup>
+                    <m:r>
+                      <a:rPr lang="en-IN" i="1">
+                        <a:latin typeface="Cambria Math" panose="02040503050406030204" pitchFamily="18" charset="0"/>
+                      </a:rPr>
+                      <m:t>=</m:t>
+                    </m:r>
+                    <m:rad>
+                      <m:radPr>
+                        <m:degHide m:val="on"/>
+                        <m:ctrlPr>
+                          <a:rPr lang="en-IN" i="1">
+                            <a:latin typeface="Cambria Math" panose="02040503050406030204" pitchFamily="18" charset="0"/>
+                          </a:rPr>
+                        </m:ctrlPr>
+                      </m:radPr>
+                      <m:deg/>
+                      <m:e>
+                        <m:sSubSup>
+                          <m:sSubSupPr>
+                            <m:ctrlPr>
+                              <a:rPr lang="en-IN" i="1">
+                                <a:latin typeface="Cambria Math" panose="02040503050406030204" pitchFamily="18" charset="0"/>
+                              </a:rPr>
+                            </m:ctrlPr>
+                          </m:sSubSupPr>
+                          <m:e>
+                            <m:r>
+                              <a:rPr lang="en-IN" i="1">
+                                <a:latin typeface="Cambria Math" panose="02040503050406030204" pitchFamily="18" charset="0"/>
+                              </a:rPr>
+                              <m:t>𝑣</m:t>
+                            </m:r>
+                          </m:e>
+                          <m:sub>
+                            <m:r>
+                              <a:rPr lang="en-IN" i="1">
+                                <a:latin typeface="Cambria Math" panose="02040503050406030204" pitchFamily="18" charset="0"/>
+                              </a:rPr>
+                              <m:t>𝑖</m:t>
+                            </m:r>
+                          </m:sub>
+                          <m:sup>
+                            <m:r>
+                              <a:rPr lang="en-IN" i="1">
+                                <a:latin typeface="Cambria Math" panose="02040503050406030204" pitchFamily="18" charset="0"/>
+                              </a:rPr>
+                              <m:t>𝑡</m:t>
+                            </m:r>
+                          </m:sup>
+                        </m:sSubSup>
+                      </m:e>
+                    </m:rad>
+                    <m:r>
+                      <a:rPr lang="en-IN" b="0" i="1" smtClean="0">
+                        <a:latin typeface="Cambria Math" panose="02040503050406030204" pitchFamily="18" charset="0"/>
+                      </a:rPr>
+                      <m:t>+</m:t>
+                    </m:r>
+                    <m:r>
+                      <a:rPr lang="en-IN" b="0" i="1" smtClean="0">
+                        <a:latin typeface="Cambria Math" panose="02040503050406030204" pitchFamily="18" charset="0"/>
+                      </a:rPr>
+                      <m:t>𝜖</m:t>
+                    </m:r>
+                  </m:oMath>
+                </a14:m>
+                <a:r>
+                  <a:rPr lang="en-IN" dirty="0" smtClean="0"/>
+                  <a:t>, and</a:t>
+                </a:r>
+                <a:r>
+                  <a:rPr lang="en-IN" dirty="0"/>
+                  <a:t/>
+                </a:r>
+                <a:br>
+                  <a:rPr lang="en-IN" dirty="0"/>
+                </a:br>
+                <a14:m>
+                  <m:oMath xmlns:m="http://schemas.openxmlformats.org/officeDocument/2006/math">
+                    <m:sSup>
+                      <m:sSupPr>
+                        <m:ctrlPr>
+                          <a:rPr lang="en-IN" i="1">
+                            <a:latin typeface="Cambria Math" panose="02040503050406030204" pitchFamily="18" charset="0"/>
+                          </a:rPr>
+                        </m:ctrlPr>
+                      </m:sSupPr>
+                      <m:e>
+                        <m:r>
+                          <a:rPr lang="en-IN" b="1">
+                            <a:latin typeface="Cambria Math" panose="02040503050406030204" pitchFamily="18" charset="0"/>
+                          </a:rPr>
+                          <m:t>𝐮</m:t>
+                        </m:r>
+                      </m:e>
+                      <m:sup>
+                        <m:r>
+                          <a:rPr lang="en-IN" i="1">
+                            <a:latin typeface="Cambria Math" panose="02040503050406030204" pitchFamily="18" charset="0"/>
+                          </a:rPr>
+                          <m:t>𝑡</m:t>
+                        </m:r>
+                      </m:sup>
+                    </m:sSup>
+                    <m:r>
+                      <a:rPr lang="en-IN" i="1">
+                        <a:latin typeface="Cambria Math" panose="02040503050406030204" pitchFamily="18" charset="0"/>
+                      </a:rPr>
+                      <m:t>=</m:t>
+                    </m:r>
+                    <m:sSub>
+                      <m:sSubPr>
+                        <m:ctrlPr>
+                          <a:rPr lang="en-IN" i="1">
+                            <a:latin typeface="Cambria Math" panose="02040503050406030204" pitchFamily="18" charset="0"/>
+                          </a:rPr>
+                        </m:ctrlPr>
+                      </m:sSubPr>
+                      <m:e>
+                        <m:r>
+                          <a:rPr lang="en-IN" i="1">
+                            <a:latin typeface="Cambria Math" panose="02040503050406030204" pitchFamily="18" charset="0"/>
+                          </a:rPr>
+                          <m:t>𝛾</m:t>
+                        </m:r>
+                      </m:e>
+                      <m:sub>
+                        <m:r>
+                          <a:rPr lang="en-IN" i="1">
+                            <a:latin typeface="Cambria Math" panose="02040503050406030204" pitchFamily="18" charset="0"/>
+                          </a:rPr>
+                          <m:t>1</m:t>
+                        </m:r>
+                      </m:sub>
+                    </m:sSub>
+                    <m:r>
+                      <a:rPr lang="en-IN" i="1">
+                        <a:latin typeface="Cambria Math" panose="02040503050406030204" pitchFamily="18" charset="0"/>
+                      </a:rPr>
+                      <m:t>⋅</m:t>
+                    </m:r>
+                    <m:sSup>
+                      <m:sSupPr>
+                        <m:ctrlPr>
+                          <a:rPr lang="en-IN" i="1">
+                            <a:latin typeface="Cambria Math" panose="02040503050406030204" pitchFamily="18" charset="0"/>
+                          </a:rPr>
+                        </m:ctrlPr>
+                      </m:sSupPr>
+                      <m:e>
+                        <m:r>
+                          <a:rPr lang="en-IN" b="1">
+                            <a:latin typeface="Cambria Math" panose="02040503050406030204" pitchFamily="18" charset="0"/>
+                          </a:rPr>
+                          <m:t>𝐮</m:t>
+                        </m:r>
+                      </m:e>
+                      <m:sup>
+                        <m:r>
+                          <a:rPr lang="en-IN" i="1">
+                            <a:latin typeface="Cambria Math" panose="02040503050406030204" pitchFamily="18" charset="0"/>
+                          </a:rPr>
+                          <m:t>𝑡</m:t>
+                        </m:r>
+                        <m:r>
+                          <a:rPr lang="en-IN" i="1">
+                            <a:latin typeface="Cambria Math" panose="02040503050406030204" pitchFamily="18" charset="0"/>
+                          </a:rPr>
+                          <m:t>−1</m:t>
+                        </m:r>
+                      </m:sup>
+                    </m:sSup>
+                    <m:r>
+                      <a:rPr lang="en-IN" i="1">
+                        <a:latin typeface="Cambria Math" panose="02040503050406030204" pitchFamily="18" charset="0"/>
+                      </a:rPr>
+                      <m:t>+</m:t>
+                    </m:r>
+                    <m:d>
+                      <m:dPr>
+                        <m:ctrlPr>
+                          <a:rPr lang="en-IN" i="1">
+                            <a:latin typeface="Cambria Math" panose="02040503050406030204" pitchFamily="18" charset="0"/>
+                          </a:rPr>
+                        </m:ctrlPr>
+                      </m:dPr>
+                      <m:e>
+                        <m:r>
+                          <a:rPr lang="en-IN" i="1">
+                            <a:latin typeface="Cambria Math" panose="02040503050406030204" pitchFamily="18" charset="0"/>
+                          </a:rPr>
+                          <m:t>1−</m:t>
+                        </m:r>
+                        <m:sSub>
+                          <m:sSubPr>
+                            <m:ctrlPr>
+                              <a:rPr lang="en-IN" i="1">
+                                <a:latin typeface="Cambria Math" panose="02040503050406030204" pitchFamily="18" charset="0"/>
+                              </a:rPr>
+                            </m:ctrlPr>
+                          </m:sSubPr>
+                          <m:e>
+                            <m:r>
+                              <a:rPr lang="en-IN" i="1">
+                                <a:latin typeface="Cambria Math" panose="02040503050406030204" pitchFamily="18" charset="0"/>
+                              </a:rPr>
+                              <m:t>𝛾</m:t>
+                            </m:r>
+                          </m:e>
+                          <m:sub>
+                            <m:r>
+                              <a:rPr lang="en-IN" i="1">
+                                <a:latin typeface="Cambria Math" panose="02040503050406030204" pitchFamily="18" charset="0"/>
+                              </a:rPr>
+                              <m:t>1</m:t>
+                            </m:r>
+                          </m:sub>
+                        </m:sSub>
+                      </m:e>
+                    </m:d>
+                    <m:r>
+                      <a:rPr lang="en-IN" i="1">
+                        <a:latin typeface="Cambria Math" panose="02040503050406030204" pitchFamily="18" charset="0"/>
+                      </a:rPr>
+                      <m:t>⋅</m:t>
+                    </m:r>
+                    <m:sSup>
+                      <m:sSupPr>
+                        <m:ctrlPr>
+                          <a:rPr lang="en-IN" b="1" i="1">
+                            <a:latin typeface="Cambria Math" panose="02040503050406030204" pitchFamily="18" charset="0"/>
+                          </a:rPr>
+                        </m:ctrlPr>
+                      </m:sSupPr>
+                      <m:e>
+                        <m:r>
+                          <a:rPr lang="en-IN" b="1">
+                            <a:latin typeface="Cambria Math" panose="02040503050406030204" pitchFamily="18" charset="0"/>
+                          </a:rPr>
+                          <m:t>𝐠</m:t>
+                        </m:r>
+                      </m:e>
+                      <m:sup>
+                        <m:r>
+                          <a:rPr lang="en-IN" i="1">
+                            <a:latin typeface="Cambria Math" panose="02040503050406030204" pitchFamily="18" charset="0"/>
+                          </a:rPr>
+                          <m:t>𝑡</m:t>
+                        </m:r>
+                      </m:sup>
+                    </m:sSup>
+                  </m:oMath>
+                </a14:m>
+                <a:r>
+                  <a:rPr lang="en-IN" dirty="0"/>
+                  <a:t/>
+                </a:r>
+                <a:br>
+                  <a:rPr lang="en-IN" dirty="0"/>
+                </a:br>
+                <a14:m>
+                  <m:oMath xmlns:m="http://schemas.openxmlformats.org/officeDocument/2006/math">
+                    <m:sSubSup>
+                      <m:sSubSupPr>
+                        <m:ctrlPr>
+                          <a:rPr lang="en-IN" i="1">
+                            <a:latin typeface="Cambria Math" panose="02040503050406030204" pitchFamily="18" charset="0"/>
+                          </a:rPr>
+                        </m:ctrlPr>
+                      </m:sSubSupPr>
+                      <m:e>
+                        <m:r>
+                          <a:rPr lang="en-IN" i="1">
+                            <a:latin typeface="Cambria Math" panose="02040503050406030204" pitchFamily="18" charset="0"/>
+                          </a:rPr>
+                          <m:t>𝑣</m:t>
+                        </m:r>
+                      </m:e>
+                      <m:sub>
+                        <m:r>
+                          <a:rPr lang="en-IN" i="1">
+                            <a:latin typeface="Cambria Math" panose="02040503050406030204" pitchFamily="18" charset="0"/>
+                          </a:rPr>
+                          <m:t>𝑖</m:t>
+                        </m:r>
+                      </m:sub>
+                      <m:sup>
+                        <m:r>
+                          <a:rPr lang="en-IN" i="1">
+                            <a:latin typeface="Cambria Math" panose="02040503050406030204" pitchFamily="18" charset="0"/>
+                          </a:rPr>
+                          <m:t>𝑡</m:t>
+                        </m:r>
+                      </m:sup>
+                    </m:sSubSup>
+                    <m:r>
+                      <a:rPr lang="en-IN" i="1">
+                        <a:latin typeface="Cambria Math" panose="02040503050406030204" pitchFamily="18" charset="0"/>
+                      </a:rPr>
+                      <m:t>=</m:t>
+                    </m:r>
+                    <m:sSub>
+                      <m:sSubPr>
+                        <m:ctrlPr>
+                          <a:rPr lang="en-IN" i="1">
+                            <a:latin typeface="Cambria Math" panose="02040503050406030204" pitchFamily="18" charset="0"/>
+                          </a:rPr>
+                        </m:ctrlPr>
+                      </m:sSubPr>
+                      <m:e>
+                        <m:r>
+                          <a:rPr lang="en-IN" i="1">
+                            <a:latin typeface="Cambria Math" panose="02040503050406030204" pitchFamily="18" charset="0"/>
+                          </a:rPr>
+                          <m:t>𝛾</m:t>
+                        </m:r>
+                      </m:e>
+                      <m:sub>
+                        <m:r>
+                          <a:rPr lang="en-IN" i="1">
+                            <a:latin typeface="Cambria Math" panose="02040503050406030204" pitchFamily="18" charset="0"/>
+                          </a:rPr>
+                          <m:t>2</m:t>
+                        </m:r>
+                      </m:sub>
+                    </m:sSub>
+                    <m:r>
+                      <a:rPr lang="en-IN" i="1">
+                        <a:latin typeface="Cambria Math" panose="02040503050406030204" pitchFamily="18" charset="0"/>
+                      </a:rPr>
+                      <m:t>⋅</m:t>
+                    </m:r>
+                    <m:sSubSup>
+                      <m:sSubSupPr>
+                        <m:ctrlPr>
+                          <a:rPr lang="en-IN" i="1">
+                            <a:latin typeface="Cambria Math" panose="02040503050406030204" pitchFamily="18" charset="0"/>
+                          </a:rPr>
+                        </m:ctrlPr>
+                      </m:sSubSupPr>
+                      <m:e>
+                        <m:r>
+                          <a:rPr lang="en-IN" i="1">
+                            <a:latin typeface="Cambria Math" panose="02040503050406030204" pitchFamily="18" charset="0"/>
+                          </a:rPr>
+                          <m:t>𝑣</m:t>
+                        </m:r>
+                      </m:e>
+                      <m:sub>
+                        <m:r>
+                          <a:rPr lang="en-IN" i="1">
+                            <a:latin typeface="Cambria Math" panose="02040503050406030204" pitchFamily="18" charset="0"/>
+                          </a:rPr>
+                          <m:t>𝑖</m:t>
+                        </m:r>
+                      </m:sub>
+                      <m:sup>
+                        <m:r>
+                          <a:rPr lang="en-IN" i="1">
+                            <a:latin typeface="Cambria Math" panose="02040503050406030204" pitchFamily="18" charset="0"/>
+                          </a:rPr>
+                          <m:t>𝑡</m:t>
+                        </m:r>
+                        <m:r>
+                          <a:rPr lang="en-IN" i="1">
+                            <a:latin typeface="Cambria Math" panose="02040503050406030204" pitchFamily="18" charset="0"/>
+                          </a:rPr>
+                          <m:t>−1</m:t>
+                        </m:r>
+                      </m:sup>
+                    </m:sSubSup>
+                    <m:r>
+                      <a:rPr lang="en-IN" i="1">
+                        <a:latin typeface="Cambria Math" panose="02040503050406030204" pitchFamily="18" charset="0"/>
+                      </a:rPr>
+                      <m:t>+</m:t>
+                    </m:r>
+                    <m:d>
+                      <m:dPr>
+                        <m:ctrlPr>
+                          <a:rPr lang="en-IN" i="1">
+                            <a:latin typeface="Cambria Math" panose="02040503050406030204" pitchFamily="18" charset="0"/>
+                          </a:rPr>
+                        </m:ctrlPr>
+                      </m:dPr>
+                      <m:e>
+                        <m:r>
+                          <a:rPr lang="en-IN" i="1">
+                            <a:latin typeface="Cambria Math" panose="02040503050406030204" pitchFamily="18" charset="0"/>
+                          </a:rPr>
+                          <m:t>1−</m:t>
+                        </m:r>
+                        <m:sSub>
+                          <m:sSubPr>
+                            <m:ctrlPr>
+                              <a:rPr lang="en-IN" i="1">
+                                <a:latin typeface="Cambria Math" panose="02040503050406030204" pitchFamily="18" charset="0"/>
+                              </a:rPr>
+                            </m:ctrlPr>
+                          </m:sSubPr>
+                          <m:e>
+                            <m:r>
+                              <a:rPr lang="en-IN" i="1">
+                                <a:latin typeface="Cambria Math" panose="02040503050406030204" pitchFamily="18" charset="0"/>
+                              </a:rPr>
+                              <m:t>𝛾</m:t>
+                            </m:r>
+                          </m:e>
+                          <m:sub>
+                            <m:r>
+                              <a:rPr lang="en-IN" i="1">
+                                <a:latin typeface="Cambria Math" panose="02040503050406030204" pitchFamily="18" charset="0"/>
+                              </a:rPr>
+                              <m:t>2</m:t>
+                            </m:r>
+                          </m:sub>
+                        </m:sSub>
+                      </m:e>
+                    </m:d>
+                    <m:r>
+                      <a:rPr lang="en-IN" i="1">
+                        <a:latin typeface="Cambria Math" panose="02040503050406030204" pitchFamily="18" charset="0"/>
+                      </a:rPr>
+                      <m:t>⋅</m:t>
+                    </m:r>
+                    <m:sSup>
+                      <m:sSupPr>
+                        <m:ctrlPr>
+                          <a:rPr lang="en-IN" i="1">
+                            <a:latin typeface="Cambria Math" panose="02040503050406030204" pitchFamily="18" charset="0"/>
+                          </a:rPr>
+                        </m:ctrlPr>
+                      </m:sSupPr>
+                      <m:e>
+                        <m:d>
+                          <m:dPr>
+                            <m:ctrlPr>
+                              <a:rPr lang="en-IN" b="1" i="1">
+                                <a:latin typeface="Cambria Math" panose="02040503050406030204" pitchFamily="18" charset="0"/>
+                              </a:rPr>
+                            </m:ctrlPr>
+                          </m:dPr>
+                          <m:e>
+                            <m:sSubSup>
+                              <m:sSubSupPr>
+                                <m:ctrlPr>
+                                  <a:rPr lang="en-IN" b="1" i="1">
+                                    <a:latin typeface="Cambria Math" panose="02040503050406030204" pitchFamily="18" charset="0"/>
+                                  </a:rPr>
+                                </m:ctrlPr>
+                              </m:sSubSupPr>
+                              <m:e>
+                                <m:r>
+                                  <a:rPr lang="en-IN" b="1">
+                                    <a:latin typeface="Cambria Math" panose="02040503050406030204" pitchFamily="18" charset="0"/>
+                                  </a:rPr>
+                                  <m:t>𝐠</m:t>
+                                </m:r>
+                              </m:e>
+                              <m:sub>
+                                <m:r>
+                                  <a:rPr lang="en-IN" i="1">
+                                    <a:latin typeface="Cambria Math" panose="02040503050406030204" pitchFamily="18" charset="0"/>
+                                  </a:rPr>
+                                  <m:t>𝑖</m:t>
+                                </m:r>
+                              </m:sub>
+                              <m:sup>
+                                <m:r>
+                                  <a:rPr lang="en-IN" i="1">
+                                    <a:latin typeface="Cambria Math" panose="02040503050406030204" pitchFamily="18" charset="0"/>
+                                  </a:rPr>
+                                  <m:t>𝑡</m:t>
+                                </m:r>
+                              </m:sup>
+                            </m:sSubSup>
+                          </m:e>
+                        </m:d>
+                      </m:e>
+                      <m:sup>
+                        <m:r>
+                          <a:rPr lang="en-IN" i="1">
+                            <a:latin typeface="Cambria Math" panose="02040503050406030204" pitchFamily="18" charset="0"/>
+                          </a:rPr>
+                          <m:t>2</m:t>
+                        </m:r>
+                      </m:sup>
+                    </m:sSup>
+                  </m:oMath>
+                </a14:m>
+                <a:endParaRPr lang="en-US" dirty="0"/>
+              </a:p>
+              <a:p>
+                <a:pPr lvl="2"/>
+                <a:r>
+                  <a:rPr lang="en-IN" dirty="0" smtClean="0"/>
+                  <a:t>Also does some </a:t>
+                </a:r>
+                <a:r>
+                  <a:rPr lang="en-IN" i="1" dirty="0" smtClean="0"/>
+                  <a:t>bias corrections</a:t>
+                </a:r>
+                <a:r>
+                  <a:rPr lang="en-IN" dirty="0" smtClean="0"/>
+                  <a:t> (reweighting) on </a:t>
+                </a:r>
+                <a14:m>
+                  <m:oMath xmlns:m="http://schemas.openxmlformats.org/officeDocument/2006/math">
+                    <m:sSup>
+                      <m:sSupPr>
+                        <m:ctrlPr>
+                          <a:rPr lang="en-IN" b="0" i="1" smtClean="0">
+                            <a:latin typeface="Cambria Math" panose="02040503050406030204" pitchFamily="18" charset="0"/>
+                          </a:rPr>
+                        </m:ctrlPr>
+                      </m:sSupPr>
+                      <m:e>
+                        <m:r>
+                          <a:rPr lang="en-IN" b="0" i="1" smtClean="0">
+                            <a:latin typeface="Cambria Math" panose="02040503050406030204" pitchFamily="18" charset="0"/>
+                          </a:rPr>
+                          <m:t>𝐻</m:t>
+                        </m:r>
+                      </m:e>
+                      <m:sup>
+                        <m:r>
+                          <a:rPr lang="en-IN" b="0" i="1" smtClean="0">
+                            <a:latin typeface="Cambria Math" panose="02040503050406030204" pitchFamily="18" charset="0"/>
+                          </a:rPr>
+                          <m:t>𝑡</m:t>
+                        </m:r>
+                      </m:sup>
+                    </m:sSup>
+                  </m:oMath>
+                </a14:m>
+                <a:r>
+                  <a:rPr lang="en-IN" dirty="0" smtClean="0"/>
+                  <a:t> and </a:t>
+                </a:r>
+                <a14:m>
+                  <m:oMath xmlns:m="http://schemas.openxmlformats.org/officeDocument/2006/math">
+                    <m:sSup>
+                      <m:sSupPr>
+                        <m:ctrlPr>
+                          <a:rPr lang="en-IN" b="0" i="1" smtClean="0">
+                            <a:latin typeface="Cambria Math" panose="02040503050406030204" pitchFamily="18" charset="0"/>
+                          </a:rPr>
+                        </m:ctrlPr>
+                      </m:sSupPr>
+                      <m:e>
+                        <m:r>
+                          <a:rPr lang="en-IN" b="1" i="0" smtClean="0">
+                            <a:latin typeface="Cambria Math" panose="02040503050406030204" pitchFamily="18" charset="0"/>
+                          </a:rPr>
+                          <m:t>𝐮</m:t>
+                        </m:r>
+                      </m:e>
+                      <m:sup>
+                        <m:r>
+                          <a:rPr lang="en-IN" b="0" i="1" smtClean="0">
+                            <a:latin typeface="Cambria Math" panose="02040503050406030204" pitchFamily="18" charset="0"/>
+                          </a:rPr>
+                          <m:t>𝑡</m:t>
+                        </m:r>
+                      </m:sup>
+                    </m:sSup>
+                  </m:oMath>
+                </a14:m>
+                <a:r>
+                  <a:rPr lang="en-IN" dirty="0" smtClean="0"/>
+                  <a:t> (not shown above)</a:t>
+                </a:r>
+              </a:p>
+              <a:p>
+                <a:r>
+                  <a:rPr lang="en-IN" dirty="0" smtClean="0"/>
+                  <a:t>All these methods are readily available in libraries like </a:t>
+                </a:r>
+                <a:r>
+                  <a:rPr lang="en-IN" dirty="0" err="1" smtClean="0"/>
+                  <a:t>PyTorch</a:t>
+                </a:r>
+                <a:r>
+                  <a:rPr lang="en-IN" dirty="0" smtClean="0"/>
+                  <a:t>, TF </a:t>
+                </a:r>
+                <a:r>
+                  <a:rPr lang="en-IN" dirty="0" err="1" smtClean="0"/>
+                  <a:t>etc</a:t>
+                </a:r>
+                <a:endParaRPr lang="en-IN" dirty="0" smtClean="0"/>
+              </a:p>
+              <a:p>
+                <a:endParaRPr lang="en-IN" dirty="0" smtClean="0"/>
+              </a:p>
+            </p:txBody>
+          </p:sp>
+        </mc:Choice>
+        <mc:Fallback xmlns="">
+          <p:sp>
+            <p:nvSpPr>
+              <p:cNvPr id="3" name="Content Placeholder 2"/>
+              <p:cNvSpPr>
+                <a:spLocks noGrp="1" noRot="1" noChangeAspect="1" noMove="1" noResize="1" noEditPoints="1" noAdjustHandles="1" noChangeArrowheads="1" noChangeShapeType="1" noTextEdit="1"/>
+              </p:cNvSpPr>
+              <p:nvPr>
+                <p:ph idx="1"/>
+              </p:nvPr>
+            </p:nvSpPr>
+            <p:spPr>
+              <a:xfrm>
+                <a:off x="253353" y="1111624"/>
+                <a:ext cx="11938645" cy="5746376"/>
+              </a:xfrm>
+              <a:blipFill>
+                <a:blip r:embed="rId2"/>
+                <a:stretch>
+                  <a:fillRect l="-562" t="-2545" r="-817"/>
+                </a:stretch>
+              </a:blipFill>
+            </p:spPr>
+            <p:txBody>
+              <a:bodyPr/>
+              <a:lstStyle/>
+              <a:p>
+                <a:r>
+                  <a:rPr lang="en-IN">
+                    <a:noFill/>
+                  </a:rPr>
+                  <a:t> </a:t>
+                </a:r>
+              </a:p>
+            </p:txBody>
+          </p:sp>
+        </mc:Fallback>
+      </mc:AlternateContent>
+      <p:sp>
+        <p:nvSpPr>
+          <p:cNvPr id="4" name="Slide Number Placeholder 3"/>
+          <p:cNvSpPr>
+            <a:spLocks noGrp="1"/>
+          </p:cNvSpPr>
+          <p:nvPr>
+            <p:ph type="sldNum" sz="quarter" idx="12"/>
+          </p:nvPr>
+        </p:nvSpPr>
+        <p:spPr/>
+        <p:txBody>
+          <a:bodyPr/>
+          <a:lstStyle/>
+          <a:p>
+            <a:fld id="{157B8E69-23A9-4619-9CFE-E27BFD8A78F9}" type="slidenum">
+              <a:rPr lang="en-US" smtClean="0"/>
+              <a:t>23</a:t>
+            </a:fld>
+            <a:endParaRPr lang="en-US"/>
+          </a:p>
+        </p:txBody>
+      </p:sp>
+    </p:spTree>
+    <p:extLst>
+      <p:ext uri="{BB962C8B-B14F-4D97-AF65-F5344CB8AC3E}">
+        <p14:creationId xmlns:p14="http://schemas.microsoft.com/office/powerpoint/2010/main" val="521489189"/>
+      </p:ext>
+    </p:extLst>
+  </p:cSld>
+  <p:clrMapOvr>
+    <a:masterClrMapping/>
+  </p:clrMapOvr>
+  <p:timing>
+    <p:tnLst>
+      <p:par>
+        <p:cTn id="1" dur="indefinite" restart="never" nodeType="tmRoot">
+          <p:childTnLst>
+            <p:seq concurrent="1" nextAc="seek">
+              <p:cTn id="2" dur="indefinite" nodeType="mainSeq">
+                <p:childTnLst>
+                  <p:par>
+                    <p:cTn id="3" fill="hold">
+                      <p:stCondLst>
+                        <p:cond delay="indefinite"/>
+                      </p:stCondLst>
+                      <p:childTnLst>
+                        <p:par>
+                          <p:cTn id="4" fill="hold">
+                            <p:stCondLst>
+                              <p:cond delay="0"/>
+                            </p:stCondLst>
+                            <p:childTnLst>
+                              <p:par>
+                                <p:cTn id="5" presetID="1" presetClass="entr" presetSubtype="0" fill="hold" grpId="0" nodeType="clickEffect">
+                                  <p:stCondLst>
+                                    <p:cond delay="0"/>
+                                  </p:stCondLst>
+                                  <p:childTnLst>
+                                    <p:set>
+                                      <p:cBhvr>
+                                        <p:cTn id="6" dur="1" fill="hold">
+                                          <p:stCondLst>
+                                            <p:cond delay="0"/>
+                                          </p:stCondLst>
+                                        </p:cTn>
+                                        <p:tgtEl>
+                                          <p:spTgt spid="3">
+                                            <p:txEl>
+                                              <p:pRg st="0" end="0"/>
+                                            </p:txEl>
+                                          </p:spTgt>
+                                        </p:tgtEl>
+                                        <p:attrNameLst>
+                                          <p:attrName>style.visibility</p:attrName>
+                                        </p:attrNameLst>
+                                      </p:cBhvr>
+                                      <p:to>
+                                        <p:strVal val="visible"/>
+                                      </p:to>
+                                    </p:set>
+                                  </p:childTnLst>
+                                </p:cTn>
+                              </p:par>
+                            </p:childTnLst>
+                          </p:cTn>
+                        </p:par>
+                      </p:childTnLst>
+                    </p:cTn>
+                  </p:par>
+                  <p:par>
+                    <p:cTn id="7" fill="hold">
+                      <p:stCondLst>
+                        <p:cond delay="indefinite"/>
+                      </p:stCondLst>
+                      <p:childTnLst>
+                        <p:par>
+                          <p:cTn id="8" fill="hold">
+                            <p:stCondLst>
+                              <p:cond delay="0"/>
+                            </p:stCondLst>
+                            <p:childTnLst>
+                              <p:par>
+                                <p:cTn id="9" presetID="1" presetClass="entr" presetSubtype="0" fill="hold" grpId="0" nodeType="clickEffect">
+                                  <p:stCondLst>
+                                    <p:cond delay="0"/>
+                                  </p:stCondLst>
+                                  <p:childTnLst>
+                                    <p:set>
+                                      <p:cBhvr>
+                                        <p:cTn id="10" dur="1" fill="hold">
+                                          <p:stCondLst>
+                                            <p:cond delay="0"/>
+                                          </p:stCondLst>
+                                        </p:cTn>
+                                        <p:tgtEl>
+                                          <p:spTgt spid="3">
+                                            <p:txEl>
+                                              <p:pRg st="1" end="1"/>
+                                            </p:txEl>
+                                          </p:spTgt>
+                                        </p:tgtEl>
+                                        <p:attrNameLst>
+                                          <p:attrName>style.visibility</p:attrName>
+                                        </p:attrNameLst>
+                                      </p:cBhvr>
+                                      <p:to>
+                                        <p:strVal val="visible"/>
+                                      </p:to>
+                                    </p:set>
+                                  </p:childTnLst>
+                                </p:cTn>
+                              </p:par>
+                            </p:childTnLst>
+                          </p:cTn>
+                        </p:par>
+                      </p:childTnLst>
+                    </p:cTn>
+                  </p:par>
+                  <p:par>
+                    <p:cTn id="11" fill="hold">
+                      <p:stCondLst>
+                        <p:cond delay="indefinite"/>
+                      </p:stCondLst>
+                      <p:childTnLst>
+                        <p:par>
+                          <p:cTn id="12" fill="hold">
+                            <p:stCondLst>
+                              <p:cond delay="0"/>
+                            </p:stCondLst>
+                            <p:childTnLst>
+                              <p:par>
+                                <p:cTn id="13" presetID="1" presetClass="entr" presetSubtype="0" fill="hold" grpId="0" nodeType="clickEffect">
+                                  <p:stCondLst>
+                                    <p:cond delay="0"/>
+                                  </p:stCondLst>
+                                  <p:childTnLst>
+                                    <p:set>
+                                      <p:cBhvr>
+                                        <p:cTn id="14" dur="1" fill="hold">
+                                          <p:stCondLst>
+                                            <p:cond delay="0"/>
+                                          </p:stCondLst>
+                                        </p:cTn>
+                                        <p:tgtEl>
+                                          <p:spTgt spid="3">
+                                            <p:txEl>
+                                              <p:pRg st="2" end="2"/>
+                                            </p:txEl>
+                                          </p:spTgt>
+                                        </p:tgtEl>
+                                        <p:attrNameLst>
+                                          <p:attrName>style.visibility</p:attrName>
+                                        </p:attrNameLst>
+                                      </p:cBhvr>
+                                      <p:to>
+                                        <p:strVal val="visible"/>
+                                      </p:to>
+                                    </p:set>
+                                  </p:childTnLst>
+                                </p:cTn>
+                              </p:par>
+                            </p:childTnLst>
+                          </p:cTn>
+                        </p:par>
+                      </p:childTnLst>
+                    </p:cTn>
+                  </p:par>
+                  <p:par>
+                    <p:cTn id="15" fill="hold">
+                      <p:stCondLst>
+                        <p:cond delay="indefinite"/>
+                      </p:stCondLst>
+                      <p:childTnLst>
+                        <p:par>
+                          <p:cTn id="16" fill="hold">
+                            <p:stCondLst>
+                              <p:cond delay="0"/>
+                            </p:stCondLst>
+                            <p:childTnLst>
+                              <p:par>
+                                <p:cTn id="17" presetID="1" presetClass="entr" presetSubtype="0" fill="hold" grpId="0" nodeType="clickEffect">
+                                  <p:stCondLst>
+                                    <p:cond delay="0"/>
+                                  </p:stCondLst>
+                                  <p:childTnLst>
+                                    <p:set>
+                                      <p:cBhvr>
+                                        <p:cTn id="18" dur="1" fill="hold">
+                                          <p:stCondLst>
+                                            <p:cond delay="0"/>
+                                          </p:stCondLst>
+                                        </p:cTn>
+                                        <p:tgtEl>
+                                          <p:spTgt spid="3">
+                                            <p:txEl>
+                                              <p:pRg st="3" end="3"/>
+                                            </p:txEl>
+                                          </p:spTgt>
+                                        </p:tgtEl>
+                                        <p:attrNameLst>
+                                          <p:attrName>style.visibility</p:attrName>
+                                        </p:attrNameLst>
+                                      </p:cBhvr>
+                                      <p:to>
+                                        <p:strVal val="visible"/>
+                                      </p:to>
+                                    </p:set>
+                                  </p:childTnLst>
+                                </p:cTn>
+                              </p:par>
+                            </p:childTnLst>
+                          </p:cTn>
+                        </p:par>
+                      </p:childTnLst>
+                    </p:cTn>
+                  </p:par>
+                  <p:par>
+                    <p:cTn id="19" fill="hold">
+                      <p:stCondLst>
+                        <p:cond delay="indefinite"/>
+                      </p:stCondLst>
+                      <p:childTnLst>
+                        <p:par>
+                          <p:cTn id="20" fill="hold">
+                            <p:stCondLst>
+                              <p:cond delay="0"/>
+                            </p:stCondLst>
+                            <p:childTnLst>
+                              <p:par>
+                                <p:cTn id="21" presetID="1" presetClass="entr" presetSubtype="0" fill="hold" grpId="0" nodeType="clickEffect">
+                                  <p:stCondLst>
+                                    <p:cond delay="0"/>
+                                  </p:stCondLst>
+                                  <p:childTnLst>
+                                    <p:set>
+                                      <p:cBhvr>
+                                        <p:cTn id="22" dur="1" fill="hold">
+                                          <p:stCondLst>
+                                            <p:cond delay="0"/>
+                                          </p:stCondLst>
+                                        </p:cTn>
+                                        <p:tgtEl>
+                                          <p:spTgt spid="3">
+                                            <p:txEl>
+                                              <p:pRg st="4" end="4"/>
+                                            </p:txEl>
+                                          </p:spTgt>
+                                        </p:tgtEl>
+                                        <p:attrNameLst>
+                                          <p:attrName>style.visibility</p:attrName>
+                                        </p:attrNameLst>
+                                      </p:cBhvr>
+                                      <p:to>
+                                        <p:strVal val="visible"/>
+                                      </p:to>
+                                    </p:set>
+                                  </p:childTnLst>
+                                </p:cTn>
+                              </p:par>
+                            </p:childTnLst>
+                          </p:cTn>
+                        </p:par>
+                      </p:childTnLst>
+                    </p:cTn>
+                  </p:par>
+                  <p:par>
+                    <p:cTn id="23" fill="hold">
+                      <p:stCondLst>
+                        <p:cond delay="indefinite"/>
+                      </p:stCondLst>
+                      <p:childTnLst>
+                        <p:par>
+                          <p:cTn id="24" fill="hold">
+                            <p:stCondLst>
+                              <p:cond delay="0"/>
+                            </p:stCondLst>
+                            <p:childTnLst>
+                              <p:par>
+                                <p:cTn id="25" presetID="1" presetClass="entr" presetSubtype="0" fill="hold" grpId="0" nodeType="clickEffect">
+                                  <p:stCondLst>
+                                    <p:cond delay="0"/>
+                                  </p:stCondLst>
+                                  <p:childTnLst>
+                                    <p:set>
+                                      <p:cBhvr>
+                                        <p:cTn id="26" dur="1" fill="hold">
+                                          <p:stCondLst>
+                                            <p:cond delay="0"/>
+                                          </p:stCondLst>
+                                        </p:cTn>
+                                        <p:tgtEl>
+                                          <p:spTgt spid="3">
+                                            <p:txEl>
+                                              <p:pRg st="5" end="5"/>
+                                            </p:txEl>
+                                          </p:spTgt>
+                                        </p:tgtEl>
+                                        <p:attrNameLst>
+                                          <p:attrName>style.visibility</p:attrName>
+                                        </p:attrNameLst>
+                                      </p:cBhvr>
+                                      <p:to>
+                                        <p:strVal val="visible"/>
+                                      </p:to>
+                                    </p:set>
+                                  </p:childTnLst>
+                                </p:cTn>
+                              </p:par>
+                            </p:childTnLst>
+                          </p:cTn>
+                        </p:par>
+                      </p:childTnLst>
+                    </p:cTn>
+                  </p:par>
+                  <p:par>
+                    <p:cTn id="27" fill="hold">
+                      <p:stCondLst>
+                        <p:cond delay="indefinite"/>
+                      </p:stCondLst>
+                      <p:childTnLst>
+                        <p:par>
+                          <p:cTn id="28" fill="hold">
+                            <p:stCondLst>
+                              <p:cond delay="0"/>
+                            </p:stCondLst>
+                            <p:childTnLst>
+                              <p:par>
+                                <p:cTn id="29" presetID="1" presetClass="entr" presetSubtype="0" fill="hold" grpId="0" nodeType="clickEffect">
+                                  <p:stCondLst>
+                                    <p:cond delay="0"/>
+                                  </p:stCondLst>
+                                  <p:childTnLst>
+                                    <p:set>
+                                      <p:cBhvr>
+                                        <p:cTn id="30" dur="1" fill="hold">
+                                          <p:stCondLst>
+                                            <p:cond delay="0"/>
+                                          </p:stCondLst>
+                                        </p:cTn>
+                                        <p:tgtEl>
+                                          <p:spTgt spid="3">
+                                            <p:txEl>
+                                              <p:pRg st="6" end="6"/>
+                                            </p:txEl>
+                                          </p:spTgt>
+                                        </p:tgtEl>
+                                        <p:attrNameLst>
+                                          <p:attrName>style.visibility</p:attrName>
+                                        </p:attrNameLst>
+                                      </p:cBhvr>
+                                      <p:to>
+                                        <p:strVal val="visible"/>
+                                      </p:to>
+                                    </p:set>
+                                  </p:childTnLst>
+                                </p:cTn>
+                              </p:par>
+                            </p:childTnLst>
+                          </p:cTn>
+                        </p:par>
+                      </p:childTnLst>
+                    </p:cTn>
+                  </p:par>
+                </p:childTnLst>
+              </p:cTn>
+              <p:prevCondLst>
+                <p:cond evt="onPrev" delay="0">
+                  <p:tgtEl>
+                    <p:sldTgt/>
+                  </p:tgtEl>
+                </p:cond>
+              </p:prevCondLst>
+              <p:nextCondLst>
+                <p:cond evt="onNext" delay="0">
+                  <p:tgtEl>
+                    <p:sldTgt/>
+                  </p:tgtEl>
+                </p:cond>
+              </p:nextCondLst>
+            </p:seq>
+          </p:childTnLst>
+        </p:cTn>
+      </p:par>
+    </p:tnLst>
+    <p:bldLst>
+      <p:bldP spid="3" grpId="0" build="p"/>
+    </p:bldLst>
+  </p:timing>
+</p:sld>
+</file>
+
 <file path=ppt/slides/slide3.xml><?xml version="1.0" encoding="utf-8"?>
 <p:sld xmlns:a="http://schemas.openxmlformats.org/drawingml/2006/main" xmlns:r="http://schemas.openxmlformats.org/officeDocument/2006/relationships" xmlns:p="http://schemas.openxmlformats.org/presentationml/2006/main">
   <p:cSld>
@@ -19579,8 +26918,8 @@
           </a:p>
         </p:txBody>
       </p:sp>
-      <mc:AlternateContent xmlns:mc="http://schemas.openxmlformats.org/markup-compatibility/2006">
-        <mc:Choice xmlns:a14="http://schemas.microsoft.com/office/drawing/2010/main" Requires="a14">
+      <mc:AlternateContent xmlns:mc="http://schemas.openxmlformats.org/markup-compatibility/2006" xmlns:a14="http://schemas.microsoft.com/office/drawing/2010/main">
+        <mc:Choice Requires="a14">
           <p:sp>
             <p:nvSpPr>
               <p:cNvPr id="3" name="Content Placeholder 2"/>
@@ -19652,7 +26991,6 @@
                   <a:rPr lang="en-IN" dirty="0" smtClean="0"/>
                   <a:t>when there are no constraints</a:t>
                 </a:r>
-                <a:endParaRPr lang="en-IN" dirty="0" smtClean="0"/>
               </a:p>
               <a:p>
                 <a:r>
@@ -20090,7 +27428,7 @@
             </p:txBody>
           </p:sp>
         </mc:Choice>
-        <mc:Fallback>
+        <mc:Fallback xmlns="">
           <p:sp>
             <p:nvSpPr>
               <p:cNvPr id="3" name="Content Placeholder 2"/>
@@ -21844,8 +29182,8 @@
           </p:sp>
         </mc:Fallback>
       </mc:AlternateContent>
-      <mc:AlternateContent xmlns:mc="http://schemas.openxmlformats.org/markup-compatibility/2006">
-        <mc:Choice xmlns:a14="http://schemas.microsoft.com/office/drawing/2010/main" Requires="a14">
+      <mc:AlternateContent xmlns:mc="http://schemas.openxmlformats.org/markup-compatibility/2006" xmlns:a14="http://schemas.microsoft.com/office/drawing/2010/main">
+        <mc:Choice Requires="a14">
           <p:sp>
             <p:nvSpPr>
               <p:cNvPr id="6" name="Content Placeholder 2"/>
@@ -22137,21 +29475,8 @@
                 <a:pPr lvl="2"/>
                 <a:r>
                   <a:rPr lang="en-IN" dirty="0" smtClean="0"/>
-                  <a:t>Often called </a:t>
+                  <a:t>Often called “step length” or “learning rate”</a:t>
                 </a:r>
-                <a:r>
-                  <a:rPr lang="en-IN" dirty="0" smtClean="0"/>
-                  <a:t>“step length” </a:t>
-                </a:r>
-                <a:r>
-                  <a:rPr lang="en-IN" dirty="0" smtClean="0"/>
-                  <a:t>or </a:t>
-                </a:r>
-                <a:r>
-                  <a:rPr lang="en-IN" dirty="0" smtClean="0"/>
-                  <a:t>“learning rate”</a:t>
-                </a:r>
-                <a:endParaRPr lang="en-IN" dirty="0" smtClean="0"/>
               </a:p>
               <a:p>
                 <a:r>
@@ -22167,22 +29492,13 @@
               <a:p>
                 <a:r>
                   <a:rPr lang="en-IN" dirty="0" smtClean="0"/>
-                  <a:t>How </a:t>
+                  <a:t>How to decide if we have converged?</a:t>
                 </a:r>
-                <a:r>
-                  <a:rPr lang="en-IN" dirty="0" smtClean="0"/>
-                  <a:t>to decide if we have converged</a:t>
-                </a:r>
-                <a:r>
-                  <a:rPr lang="en-IN" dirty="0" smtClean="0"/>
-                  <a:t>?</a:t>
-                </a:r>
-                <a:endParaRPr lang="en-IN" dirty="0" smtClean="0"/>
               </a:p>
             </p:txBody>
           </p:sp>
         </mc:Choice>
-        <mc:Fallback>
+        <mc:Fallback xmlns="">
           <p:sp>
             <p:nvSpPr>
               <p:cNvPr id="6" name="Content Placeholder 2"/>
@@ -24458,16 +31774,7 @@
                 </a:solidFill>
                 <a:latin typeface="+mj-lt"/>
               </a:rPr>
-              <a:t>Choose step length </a:t>
-            </a:r>
-            <a:r>
-              <a:rPr lang="en-IN" sz="2400" kern="0" dirty="0" smtClean="0">
-                <a:solidFill>
-                  <a:prstClr val="black"/>
-                </a:solidFill>
-                <a:latin typeface="+mj-lt"/>
-              </a:rPr>
-              <a:t>carefully else </a:t>
+              <a:t>Choose step length carefully else </a:t>
             </a:r>
             <a:r>
               <a:rPr lang="en-US" sz="2400" kern="0" dirty="0">
@@ -25140,25 +32447,7 @@
                 </a:solidFill>
                 <a:latin typeface="+mj-lt"/>
               </a:rPr>
-              <a:t>, </a:t>
-            </a:r>
-            <a:r>
-              <a:rPr lang="en-IN" sz="2400" kern="0" dirty="0" smtClean="0">
-                <a:solidFill>
-                  <a:prstClr val="black"/>
-                </a:solidFill>
-                <a:latin typeface="+mj-lt"/>
-              </a:rPr>
-              <a:t>all local minima are global </a:t>
-            </a:r>
-            <a:r>
-              <a:rPr lang="en-IN" sz="2400" kern="0" dirty="0" smtClean="0">
-                <a:solidFill>
-                  <a:prstClr val="black"/>
-                </a:solidFill>
-                <a:latin typeface="+mj-lt"/>
-              </a:rPr>
-              <a:t>minima and can afford to be less </a:t>
+              <a:t>, all local minima are global minima and can afford to be less </a:t>
             </a:r>
             <a:r>
               <a:rPr lang="en-IN" sz="2400" kern="0" dirty="0" err="1" smtClean="0">
@@ -28735,11 +36024,7 @@
           <a:p>
             <a:r>
               <a:rPr lang="en-IN" dirty="0" smtClean="0"/>
-              <a:t>Behind the scenes in </a:t>
-            </a:r>
-            <a:r>
-              <a:rPr lang="en-IN" dirty="0" smtClean="0"/>
-              <a:t>GD for SVM</a:t>
+              <a:t>Behind the scenes in GD for SVM</a:t>
             </a:r>
             <a:endParaRPr lang="en-IN" dirty="0"/>
           </a:p>
@@ -37419,8 +44704,8 @@
           </a:p>
         </p:txBody>
       </p:sp>
-      <mc:AlternateContent xmlns:mc="http://schemas.openxmlformats.org/markup-compatibility/2006">
-        <mc:Choice xmlns:a14="http://schemas.microsoft.com/office/drawing/2010/main" Requires="a14">
+      <mc:AlternateContent xmlns:mc="http://schemas.openxmlformats.org/markup-compatibility/2006" xmlns:a14="http://schemas.microsoft.com/office/drawing/2010/main">
+        <mc:Choice Requires="a14">
           <p:sp>
             <p:nvSpPr>
               <p:cNvPr id="8" name="Content Placeholder 7"/>
@@ -37628,13 +44913,8 @@
                 </a:r>
                 <a:r>
                   <a:rPr lang="en-IN" dirty="0" smtClean="0"/>
-                  <a:t> 1: Interior Point </a:t>
+                  <a:t> 1: Interior Point Methods</a:t>
                 </a:r>
-                <a:r>
-                  <a:rPr lang="en-IN" dirty="0" smtClean="0"/>
-                  <a:t>Methods</a:t>
-                </a:r>
-                <a:endParaRPr lang="en-IN" dirty="0" smtClean="0"/>
               </a:p>
               <a:p>
                 <a:pPr lvl="2"/>
@@ -37669,23 +44949,7 @@
                 <a:pPr lvl="2"/>
                 <a:r>
                   <a:rPr lang="en-IN" dirty="0" smtClean="0"/>
-                  <a:t>Not </a:t>
-                </a:r>
-                <a:r>
-                  <a:rPr lang="en-IN" dirty="0" smtClean="0"/>
-                  <a:t>very </a:t>
-                </a:r>
-                <a:r>
-                  <a:rPr lang="en-IN" dirty="0" smtClean="0"/>
-                  <a:t>popular in machine learning </a:t>
-                </a:r>
-                <a:r>
-                  <a:rPr lang="en-IN" dirty="0" smtClean="0"/>
-                  <a:t>as they </a:t>
-                </a:r>
-                <a:r>
-                  <a:rPr lang="en-IN" dirty="0" smtClean="0"/>
-                  <a:t>can be expensive</a:t>
+                  <a:t>Not very popular in machine learning as they can be expensive</a:t>
                 </a:r>
               </a:p>
               <a:p>
@@ -37698,7 +44962,7 @@
             </p:txBody>
           </p:sp>
         </mc:Choice>
-        <mc:Fallback>
+        <mc:Fallback xmlns="">
           <p:sp>
             <p:nvSpPr>
               <p:cNvPr id="8" name="Content Placeholder 7"/>
